--- a/Vezbe/Termin2/02_ASVSP_DockerCompose.pptx
+++ b/Vezbe/Termin2/02_ASVSP_DockerCompose.pptx
@@ -1,8 +1,8 @@
 
 <file path=ppt/presentation.xml><?xml version="1.0" encoding="utf-8"?>
-<p:presentation xmlns:a="http://schemas.openxmlformats.org/drawingml/2006/main" xmlns:r="http://schemas.openxmlformats.org/officeDocument/2006/relationships" xmlns:mc="http://schemas.openxmlformats.org/markup-compatibility/2006" xmlns:mv="urn:schemas-microsoft-com:mac:vml" xmlns:p="http://schemas.openxmlformats.org/presentationml/2006/main" xmlns:c="http://schemas.openxmlformats.org/drawingml/2006/chart" xmlns:dgm="http://schemas.openxmlformats.org/drawingml/2006/diagram" xmlns:o="urn:schemas-microsoft-com:office:office" xmlns:v="urn:schemas-microsoft-com:vml" xmlns:pvml="urn:schemas-microsoft-com:office:powerpoint" xmlns:com="http://schemas.openxmlformats.org/drawingml/2006/compatibility" xmlns:p14="http://schemas.microsoft.com/office/powerpoint/2010/main" xmlns:p15="http://schemas.microsoft.com/office/powerpoint/2012/main" autoCompressPictures="0" strictFirstAndLastChars="0" saveSubsetFonts="1">
+<p:presentation xmlns:a="http://schemas.openxmlformats.org/drawingml/2006/main" xmlns:r="http://schemas.openxmlformats.org/officeDocument/2006/relationships" xmlns:mc="http://schemas.openxmlformats.org/markup-compatibility/2006" xmlns:mv="urn:schemas-microsoft-com:mac:vml" xmlns:p="http://schemas.openxmlformats.org/presentationml/2006/main" xmlns:c="http://schemas.openxmlformats.org/drawingml/2006/chart" xmlns:dgm="http://schemas.openxmlformats.org/drawingml/2006/diagram" xmlns:o="urn:schemas-microsoft-com:office:office" xmlns:v="urn:schemas-microsoft-com:vml" xmlns:pvml="urn:schemas-microsoft-com:office:powerpoint" xmlns:com="http://schemas.openxmlformats.org/drawingml/2006/compatibility" xmlns:p14="http://schemas.microsoft.com/office/powerpoint/2010/main" xmlns:p15="http://schemas.microsoft.com/office/powerpoint/2012/main" autoCompressPictures="0" embedTrueTypeFonts="1" strictFirstAndLastChars="0" saveSubsetFonts="1">
   <p:sldMasterIdLst>
-    <p:sldMasterId id="2147483659" r:id="rId4"/>
+    <p:sldMasterId id="2147483660" r:id="rId4"/>
   </p:sldMasterIdLst>
   <p:notesMasterIdLst>
     <p:notesMasterId r:id="rId5"/>
@@ -18,9 +18,22 @@
     <p:sldId id="263" r:id="rId13"/>
     <p:sldId id="264" r:id="rId14"/>
     <p:sldId id="265" r:id="rId15"/>
+    <p:sldId id="266" r:id="rId16"/>
+    <p:sldId id="267" r:id="rId17"/>
+    <p:sldId id="268" r:id="rId18"/>
+    <p:sldId id="269" r:id="rId19"/>
   </p:sldIdLst>
   <p:sldSz cy="5143500" cx="9144000"/>
   <p:notesSz cx="6858000" cy="9144000"/>
+  <p:embeddedFontLst>
+    <p:embeddedFont>
+      <p:font typeface="Proxima Nova"/>
+      <p:regular r:id="rId20"/>
+      <p:bold r:id="rId21"/>
+      <p:italic r:id="rId22"/>
+      <p:boldItalic r:id="rId23"/>
+    </p:embeddedFont>
+  </p:embeddedFontLst>
   <p:defaultTextStyle>
     <a:defPPr lvl="0" marR="0" rtl="0" algn="l">
       <a:lnSpc>
@@ -353,7 +366,9 @@
           </a:ln>
         </p:spPr>
         <p:txBody>
-          <a:bodyPr anchorCtr="0" anchor="t" bIns="91425" lIns="91425" spcFirstLastPara="1" rIns="91425" wrap="square" tIns="91425"/>
+          <a:bodyPr anchorCtr="0" anchor="t" bIns="91425" lIns="91425" spcFirstLastPara="1" rIns="91425" wrap="square" tIns="91425">
+            <a:noAutofit/>
+          </a:bodyPr>
           <a:lstStyle>
             <a:lvl1pPr indent="-298450" lvl="0" marL="457200">
               <a:spcBef>
@@ -698,7 +713,7 @@
   <p:cSld>
     <p:spTree>
       <p:nvGrpSpPr>
-        <p:cNvPr id="50" name="Shape 50"/>
+        <p:cNvPr id="55" name="Shape 55"/>
         <p:cNvGrpSpPr/>
         <p:nvPr/>
       </p:nvGrpSpPr>
@@ -712,7 +727,7 @@
       </p:grpSpPr>
       <p:sp>
         <p:nvSpPr>
-          <p:cNvPr id="51" name="Google Shape;51;p:notes"/>
+          <p:cNvPr id="56" name="Google Shape;56;p:notes"/>
           <p:cNvSpPr/>
           <p:nvPr>
             <p:ph idx="2" type="sldImg"/>
@@ -747,7 +762,7 @@
       </p:sp>
       <p:sp>
         <p:nvSpPr>
-          <p:cNvPr id="52" name="Google Shape;52;p:notes"/>
+          <p:cNvPr id="57" name="Google Shape;57;p:notes"/>
           <p:cNvSpPr txBox="1"/>
           <p:nvPr>
             <p:ph idx="1" type="body"/>
@@ -782,6 +797,21 @@
             </a:r>
             <a:endParaRPr/>
           </a:p>
+          <a:p>
+            <a:pPr indent="0" lvl="0" marL="0" rtl="0" algn="l">
+              <a:spcBef>
+                <a:spcPts val="0"/>
+              </a:spcBef>
+              <a:spcAft>
+                <a:spcPts val="0"/>
+              </a:spcAft>
+              <a:buNone/>
+            </a:pPr>
+            <a:r>
+              <a:t/>
+            </a:r>
+            <a:endParaRPr/>
+          </a:p>
         </p:txBody>
       </p:sp>
     </p:spTree>
@@ -797,7 +827,7 @@
   <p:cSld>
     <p:spTree>
       <p:nvGrpSpPr>
-        <p:cNvPr id="109" name="Shape 109"/>
+        <p:cNvPr id="114" name="Shape 114"/>
         <p:cNvGrpSpPr/>
         <p:nvPr/>
       </p:nvGrpSpPr>
@@ -811,7 +841,7 @@
       </p:grpSpPr>
       <p:sp>
         <p:nvSpPr>
-          <p:cNvPr id="110" name="Google Shape;110;g40fb2444b1_0_55:notes"/>
+          <p:cNvPr id="115" name="Google Shape;115;g450aeaa83e_0_6:notes"/>
           <p:cNvSpPr/>
           <p:nvPr>
             <p:ph idx="2" type="sldImg"/>
@@ -846,7 +876,7 @@
       </p:sp>
       <p:sp>
         <p:nvSpPr>
-          <p:cNvPr id="111" name="Google Shape;111;g40fb2444b1_0_55:notes"/>
+          <p:cNvPr id="116" name="Google Shape;116;g450aeaa83e_0_6:notes"/>
           <p:cNvSpPr txBox="1"/>
           <p:nvPr>
             <p:ph idx="1" type="body"/>
@@ -891,12 +921,12 @@
 </p:notes>
 </file>
 
-<file path=ppt/notesSlides/notesSlide2.xml><?xml version="1.0" encoding="utf-8"?>
+<file path=ppt/notesSlides/notesSlide11.xml><?xml version="1.0" encoding="utf-8"?>
 <p:notes xmlns:a="http://schemas.openxmlformats.org/drawingml/2006/main" xmlns:r="http://schemas.openxmlformats.org/officeDocument/2006/relationships" xmlns:mc="http://schemas.openxmlformats.org/markup-compatibility/2006" xmlns:mv="urn:schemas-microsoft-com:mac:vml" xmlns:p="http://schemas.openxmlformats.org/presentationml/2006/main" xmlns:c="http://schemas.openxmlformats.org/drawingml/2006/chart" xmlns:dgm="http://schemas.openxmlformats.org/drawingml/2006/diagram" xmlns:o="urn:schemas-microsoft-com:office:office" xmlns:v="urn:schemas-microsoft-com:vml" xmlns:pvml="urn:schemas-microsoft-com:office:powerpoint" xmlns:com="http://schemas.openxmlformats.org/drawingml/2006/compatibility" xmlns:p14="http://schemas.microsoft.com/office/powerpoint/2010/main" xmlns:p15="http://schemas.microsoft.com/office/powerpoint/2012/main" showMasterPhAnim="0" showMasterSp="0">
   <p:cSld>
     <p:spTree>
       <p:nvGrpSpPr>
-        <p:cNvPr id="56" name="Shape 56"/>
+        <p:cNvPr id="122" name="Shape 122"/>
         <p:cNvGrpSpPr/>
         <p:nvPr/>
       </p:nvGrpSpPr>
@@ -910,7 +940,7 @@
       </p:grpSpPr>
       <p:sp>
         <p:nvSpPr>
-          <p:cNvPr id="57" name="Google Shape;57;g40fb2444b1_0_0:notes"/>
+          <p:cNvPr id="123" name="Google Shape;123;g450aeaa83e_0_18:notes"/>
           <p:cNvSpPr/>
           <p:nvPr>
             <p:ph idx="2" type="sldImg"/>
@@ -945,7 +975,7 @@
       </p:sp>
       <p:sp>
         <p:nvSpPr>
-          <p:cNvPr id="58" name="Google Shape;58;g40fb2444b1_0_0:notes"/>
+          <p:cNvPr id="124" name="Google Shape;124;g450aeaa83e_0_18:notes"/>
           <p:cNvSpPr txBox="1"/>
           <p:nvPr>
             <p:ph idx="1" type="body"/>
@@ -990,12 +1020,12 @@
 </p:notes>
 </file>
 
-<file path=ppt/notesSlides/notesSlide3.xml><?xml version="1.0" encoding="utf-8"?>
+<file path=ppt/notesSlides/notesSlide12.xml><?xml version="1.0" encoding="utf-8"?>
 <p:notes xmlns:a="http://schemas.openxmlformats.org/drawingml/2006/main" xmlns:r="http://schemas.openxmlformats.org/officeDocument/2006/relationships" xmlns:mc="http://schemas.openxmlformats.org/markup-compatibility/2006" xmlns:mv="urn:schemas-microsoft-com:mac:vml" xmlns:p="http://schemas.openxmlformats.org/presentationml/2006/main" xmlns:c="http://schemas.openxmlformats.org/drawingml/2006/chart" xmlns:dgm="http://schemas.openxmlformats.org/drawingml/2006/diagram" xmlns:o="urn:schemas-microsoft-com:office:office" xmlns:v="urn:schemas-microsoft-com:vml" xmlns:pvml="urn:schemas-microsoft-com:office:powerpoint" xmlns:com="http://schemas.openxmlformats.org/drawingml/2006/compatibility" xmlns:p14="http://schemas.microsoft.com/office/powerpoint/2010/main" xmlns:p15="http://schemas.microsoft.com/office/powerpoint/2012/main" showMasterPhAnim="0" showMasterSp="0">
   <p:cSld>
     <p:spTree>
       <p:nvGrpSpPr>
-        <p:cNvPr id="62" name="Shape 62"/>
+        <p:cNvPr id="128" name="Shape 128"/>
         <p:cNvGrpSpPr/>
         <p:nvPr/>
       </p:nvGrpSpPr>
@@ -1009,7 +1039,7 @@
       </p:grpSpPr>
       <p:sp>
         <p:nvSpPr>
-          <p:cNvPr id="63" name="Google Shape;63;g450aeaa83e_0_0:notes"/>
+          <p:cNvPr id="129" name="Google Shape;129;g450aeaa83e_0_23:notes"/>
           <p:cNvSpPr/>
           <p:nvPr>
             <p:ph idx="2" type="sldImg"/>
@@ -1044,7 +1074,7 @@
       </p:sp>
       <p:sp>
         <p:nvSpPr>
-          <p:cNvPr id="64" name="Google Shape;64;g450aeaa83e_0_0:notes"/>
+          <p:cNvPr id="130" name="Google Shape;130;g450aeaa83e_0_23:notes"/>
           <p:cNvSpPr txBox="1"/>
           <p:nvPr>
             <p:ph idx="1" type="body"/>
@@ -1089,12 +1119,12 @@
 </p:notes>
 </file>
 
-<file path=ppt/notesSlides/notesSlide4.xml><?xml version="1.0" encoding="utf-8"?>
+<file path=ppt/notesSlides/notesSlide13.xml><?xml version="1.0" encoding="utf-8"?>
 <p:notes xmlns:a="http://schemas.openxmlformats.org/drawingml/2006/main" xmlns:r="http://schemas.openxmlformats.org/officeDocument/2006/relationships" xmlns:mc="http://schemas.openxmlformats.org/markup-compatibility/2006" xmlns:mv="urn:schemas-microsoft-com:mac:vml" xmlns:p="http://schemas.openxmlformats.org/presentationml/2006/main" xmlns:c="http://schemas.openxmlformats.org/drawingml/2006/chart" xmlns:dgm="http://schemas.openxmlformats.org/drawingml/2006/diagram" xmlns:o="urn:schemas-microsoft-com:office:office" xmlns:v="urn:schemas-microsoft-com:vml" xmlns:pvml="urn:schemas-microsoft-com:office:powerpoint" xmlns:com="http://schemas.openxmlformats.org/drawingml/2006/compatibility" xmlns:p14="http://schemas.microsoft.com/office/powerpoint/2010/main" xmlns:p15="http://schemas.microsoft.com/office/powerpoint/2012/main" showMasterPhAnim="0" showMasterSp="0">
   <p:cSld>
     <p:spTree>
       <p:nvGrpSpPr>
-        <p:cNvPr id="68" name="Shape 68"/>
+        <p:cNvPr id="134" name="Shape 134"/>
         <p:cNvGrpSpPr/>
         <p:nvPr/>
       </p:nvGrpSpPr>
@@ -1108,7 +1138,7 @@
       </p:grpSpPr>
       <p:sp>
         <p:nvSpPr>
-          <p:cNvPr id="69" name="Google Shape;69;g450aeaa83e_0_73:notes"/>
+          <p:cNvPr id="135" name="Google Shape;135;g46744750be_0_0:notes"/>
           <p:cNvSpPr/>
           <p:nvPr>
             <p:ph idx="2" type="sldImg"/>
@@ -1143,7 +1173,7 @@
       </p:sp>
       <p:sp>
         <p:nvSpPr>
-          <p:cNvPr id="70" name="Google Shape;70;g450aeaa83e_0_73:notes"/>
+          <p:cNvPr id="136" name="Google Shape;136;g46744750be_0_0:notes"/>
           <p:cNvSpPr txBox="1"/>
           <p:nvPr>
             <p:ph idx="1" type="body"/>
@@ -1188,12 +1218,12 @@
 </p:notes>
 </file>
 
-<file path=ppt/notesSlides/notesSlide5.xml><?xml version="1.0" encoding="utf-8"?>
+<file path=ppt/notesSlides/notesSlide14.xml><?xml version="1.0" encoding="utf-8"?>
 <p:notes xmlns:a="http://schemas.openxmlformats.org/drawingml/2006/main" xmlns:r="http://schemas.openxmlformats.org/officeDocument/2006/relationships" xmlns:mc="http://schemas.openxmlformats.org/markup-compatibility/2006" xmlns:mv="urn:schemas-microsoft-com:mac:vml" xmlns:p="http://schemas.openxmlformats.org/presentationml/2006/main" xmlns:c="http://schemas.openxmlformats.org/drawingml/2006/chart" xmlns:dgm="http://schemas.openxmlformats.org/drawingml/2006/diagram" xmlns:o="urn:schemas-microsoft-com:office:office" xmlns:v="urn:schemas-microsoft-com:vml" xmlns:pvml="urn:schemas-microsoft-com:office:powerpoint" xmlns:com="http://schemas.openxmlformats.org/drawingml/2006/compatibility" xmlns:p14="http://schemas.microsoft.com/office/powerpoint/2010/main" xmlns:p15="http://schemas.microsoft.com/office/powerpoint/2012/main" showMasterPhAnim="0" showMasterSp="0">
   <p:cSld>
     <p:spTree>
       <p:nvGrpSpPr>
-        <p:cNvPr id="75" name="Shape 75"/>
+        <p:cNvPr id="140" name="Shape 140"/>
         <p:cNvGrpSpPr/>
         <p:nvPr/>
       </p:nvGrpSpPr>
@@ -1207,7 +1237,7 @@
       </p:grpSpPr>
       <p:sp>
         <p:nvSpPr>
-          <p:cNvPr id="76" name="Google Shape;76;g450eebc182_0_3:notes"/>
+          <p:cNvPr id="141" name="Google Shape;141;g40fb2444b1_0_55:notes"/>
           <p:cNvSpPr/>
           <p:nvPr>
             <p:ph idx="2" type="sldImg"/>
@@ -1242,7 +1272,7 @@
       </p:sp>
       <p:sp>
         <p:nvSpPr>
-          <p:cNvPr id="77" name="Google Shape;77;g450eebc182_0_3:notes"/>
+          <p:cNvPr id="142" name="Google Shape;142;g40fb2444b1_0_55:notes"/>
           <p:cNvSpPr txBox="1"/>
           <p:nvPr>
             <p:ph idx="1" type="body"/>
@@ -1287,12 +1317,12 @@
 </p:notes>
 </file>
 
-<file path=ppt/notesSlides/notesSlide6.xml><?xml version="1.0" encoding="utf-8"?>
+<file path=ppt/notesSlides/notesSlide2.xml><?xml version="1.0" encoding="utf-8"?>
 <p:notes xmlns:a="http://schemas.openxmlformats.org/drawingml/2006/main" xmlns:r="http://schemas.openxmlformats.org/officeDocument/2006/relationships" xmlns:mc="http://schemas.openxmlformats.org/markup-compatibility/2006" xmlns:mv="urn:schemas-microsoft-com:mac:vml" xmlns:p="http://schemas.openxmlformats.org/presentationml/2006/main" xmlns:c="http://schemas.openxmlformats.org/drawingml/2006/chart" xmlns:dgm="http://schemas.openxmlformats.org/drawingml/2006/diagram" xmlns:o="urn:schemas-microsoft-com:office:office" xmlns:v="urn:schemas-microsoft-com:vml" xmlns:pvml="urn:schemas-microsoft-com:office:powerpoint" xmlns:com="http://schemas.openxmlformats.org/drawingml/2006/compatibility" xmlns:p14="http://schemas.microsoft.com/office/powerpoint/2010/main" xmlns:p15="http://schemas.microsoft.com/office/powerpoint/2012/main" showMasterPhAnim="0" showMasterSp="0">
   <p:cSld>
     <p:spTree>
       <p:nvGrpSpPr>
-        <p:cNvPr id="83" name="Shape 83"/>
+        <p:cNvPr id="61" name="Shape 61"/>
         <p:cNvGrpSpPr/>
         <p:nvPr/>
       </p:nvGrpSpPr>
@@ -1306,7 +1336,7 @@
       </p:grpSpPr>
       <p:sp>
         <p:nvSpPr>
-          <p:cNvPr id="84" name="Google Shape;84;g4511dce8e4_2_0:notes"/>
+          <p:cNvPr id="62" name="Google Shape;62;g40fb2444b1_0_0:notes"/>
           <p:cNvSpPr/>
           <p:nvPr>
             <p:ph idx="2" type="sldImg"/>
@@ -1341,7 +1371,7 @@
       </p:sp>
       <p:sp>
         <p:nvSpPr>
-          <p:cNvPr id="85" name="Google Shape;85;g4511dce8e4_2_0:notes"/>
+          <p:cNvPr id="63" name="Google Shape;63;g40fb2444b1_0_0:notes"/>
           <p:cNvSpPr txBox="1"/>
           <p:nvPr>
             <p:ph idx="1" type="body"/>
@@ -1386,12 +1416,12 @@
 </p:notes>
 </file>
 
-<file path=ppt/notesSlides/notesSlide7.xml><?xml version="1.0" encoding="utf-8"?>
+<file path=ppt/notesSlides/notesSlide3.xml><?xml version="1.0" encoding="utf-8"?>
 <p:notes xmlns:a="http://schemas.openxmlformats.org/drawingml/2006/main" xmlns:r="http://schemas.openxmlformats.org/officeDocument/2006/relationships" xmlns:mc="http://schemas.openxmlformats.org/markup-compatibility/2006" xmlns:mv="urn:schemas-microsoft-com:mac:vml" xmlns:p="http://schemas.openxmlformats.org/presentationml/2006/main" xmlns:c="http://schemas.openxmlformats.org/drawingml/2006/chart" xmlns:dgm="http://schemas.openxmlformats.org/drawingml/2006/diagram" xmlns:o="urn:schemas-microsoft-com:office:office" xmlns:v="urn:schemas-microsoft-com:vml" xmlns:pvml="urn:schemas-microsoft-com:office:powerpoint" xmlns:com="http://schemas.openxmlformats.org/drawingml/2006/compatibility" xmlns:p14="http://schemas.microsoft.com/office/powerpoint/2010/main" xmlns:p15="http://schemas.microsoft.com/office/powerpoint/2012/main" showMasterPhAnim="0" showMasterSp="0">
   <p:cSld>
     <p:spTree>
       <p:nvGrpSpPr>
-        <p:cNvPr id="89" name="Shape 89"/>
+        <p:cNvPr id="67" name="Shape 67"/>
         <p:cNvGrpSpPr/>
         <p:nvPr/>
       </p:nvGrpSpPr>
@@ -1405,7 +1435,7 @@
       </p:grpSpPr>
       <p:sp>
         <p:nvSpPr>
-          <p:cNvPr id="90" name="Google Shape;90;g450aeaa83e_0_6:notes"/>
+          <p:cNvPr id="68" name="Google Shape;68;g450eebc182_0_3:notes"/>
           <p:cNvSpPr/>
           <p:nvPr>
             <p:ph idx="2" type="sldImg"/>
@@ -1440,7 +1470,7 @@
       </p:sp>
       <p:sp>
         <p:nvSpPr>
-          <p:cNvPr id="91" name="Google Shape;91;g450aeaa83e_0_6:notes"/>
+          <p:cNvPr id="69" name="Google Shape;69;g450eebc182_0_3:notes"/>
           <p:cNvSpPr txBox="1"/>
           <p:nvPr>
             <p:ph idx="1" type="body"/>
@@ -1485,12 +1515,12 @@
 </p:notes>
 </file>
 
-<file path=ppt/notesSlides/notesSlide8.xml><?xml version="1.0" encoding="utf-8"?>
+<file path=ppt/notesSlides/notesSlide4.xml><?xml version="1.0" encoding="utf-8"?>
 <p:notes xmlns:a="http://schemas.openxmlformats.org/drawingml/2006/main" xmlns:r="http://schemas.openxmlformats.org/officeDocument/2006/relationships" xmlns:mc="http://schemas.openxmlformats.org/markup-compatibility/2006" xmlns:mv="urn:schemas-microsoft-com:mac:vml" xmlns:p="http://schemas.openxmlformats.org/presentationml/2006/main" xmlns:c="http://schemas.openxmlformats.org/drawingml/2006/chart" xmlns:dgm="http://schemas.openxmlformats.org/drawingml/2006/diagram" xmlns:o="urn:schemas-microsoft-com:office:office" xmlns:v="urn:schemas-microsoft-com:vml" xmlns:pvml="urn:schemas-microsoft-com:office:powerpoint" xmlns:com="http://schemas.openxmlformats.org/drawingml/2006/compatibility" xmlns:p14="http://schemas.microsoft.com/office/powerpoint/2010/main" xmlns:p15="http://schemas.microsoft.com/office/powerpoint/2012/main" showMasterPhAnim="0" showMasterSp="0">
   <p:cSld>
     <p:spTree>
       <p:nvGrpSpPr>
-        <p:cNvPr id="97" name="Shape 97"/>
+        <p:cNvPr id="75" name="Shape 75"/>
         <p:cNvGrpSpPr/>
         <p:nvPr/>
       </p:nvGrpSpPr>
@@ -1504,7 +1534,7 @@
       </p:grpSpPr>
       <p:sp>
         <p:nvSpPr>
-          <p:cNvPr id="98" name="Google Shape;98;g450aeaa83e_0_18:notes"/>
+          <p:cNvPr id="76" name="Google Shape;76;g644829bec1_0_4:notes"/>
           <p:cNvSpPr/>
           <p:nvPr>
             <p:ph idx="2" type="sldImg"/>
@@ -1539,7 +1569,7 @@
       </p:sp>
       <p:sp>
         <p:nvSpPr>
-          <p:cNvPr id="99" name="Google Shape;99;g450aeaa83e_0_18:notes"/>
+          <p:cNvPr id="77" name="Google Shape;77;g644829bec1_0_4:notes"/>
           <p:cNvSpPr txBox="1"/>
           <p:nvPr>
             <p:ph idx="1" type="body"/>
@@ -1584,12 +1614,12 @@
 </p:notes>
 </file>
 
-<file path=ppt/notesSlides/notesSlide9.xml><?xml version="1.0" encoding="utf-8"?>
+<file path=ppt/notesSlides/notesSlide5.xml><?xml version="1.0" encoding="utf-8"?>
 <p:notes xmlns:a="http://schemas.openxmlformats.org/drawingml/2006/main" xmlns:r="http://schemas.openxmlformats.org/officeDocument/2006/relationships" xmlns:mc="http://schemas.openxmlformats.org/markup-compatibility/2006" xmlns:mv="urn:schemas-microsoft-com:mac:vml" xmlns:p="http://schemas.openxmlformats.org/presentationml/2006/main" xmlns:c="http://schemas.openxmlformats.org/drawingml/2006/chart" xmlns:dgm="http://schemas.openxmlformats.org/drawingml/2006/diagram" xmlns:o="urn:schemas-microsoft-com:office:office" xmlns:v="urn:schemas-microsoft-com:vml" xmlns:pvml="urn:schemas-microsoft-com:office:powerpoint" xmlns:com="http://schemas.openxmlformats.org/drawingml/2006/compatibility" xmlns:p14="http://schemas.microsoft.com/office/powerpoint/2010/main" xmlns:p15="http://schemas.microsoft.com/office/powerpoint/2012/main" showMasterPhAnim="0" showMasterSp="0">
   <p:cSld>
     <p:spTree>
       <p:nvGrpSpPr>
-        <p:cNvPr id="103" name="Shape 103"/>
+        <p:cNvPr id="82" name="Shape 82"/>
         <p:cNvGrpSpPr/>
         <p:nvPr/>
       </p:nvGrpSpPr>
@@ -1603,7 +1633,7 @@
       </p:grpSpPr>
       <p:sp>
         <p:nvSpPr>
-          <p:cNvPr id="104" name="Google Shape;104;g450aeaa83e_0_23:notes"/>
+          <p:cNvPr id="83" name="Google Shape;83;g644829bec1_0_10:notes"/>
           <p:cNvSpPr/>
           <p:nvPr>
             <p:ph idx="2" type="sldImg"/>
@@ -1638,7 +1668,456 @@
       </p:sp>
       <p:sp>
         <p:nvSpPr>
-          <p:cNvPr id="105" name="Google Shape;105;g450aeaa83e_0_23:notes"/>
+          <p:cNvPr id="84" name="Google Shape;84;g644829bec1_0_10:notes"/>
+          <p:cNvSpPr txBox="1"/>
+          <p:nvPr>
+            <p:ph idx="1" type="body"/>
+          </p:nvPr>
+        </p:nvSpPr>
+        <p:spPr>
+          <a:xfrm>
+            <a:off x="685800" y="4343400"/>
+            <a:ext cx="5486400" cy="4114800"/>
+          </a:xfrm>
+          <a:prstGeom prst="rect">
+            <a:avLst/>
+          </a:prstGeom>
+        </p:spPr>
+        <p:txBody>
+          <a:bodyPr anchorCtr="0" anchor="t" bIns="91425" lIns="91425" spcFirstLastPara="1" rIns="91425" wrap="square" tIns="91425">
+            <a:noAutofit/>
+          </a:bodyPr>
+          <a:lstStyle/>
+          <a:p>
+            <a:pPr indent="0" lvl="0" marL="0" rtl="0" algn="l">
+              <a:spcBef>
+                <a:spcPts val="0"/>
+              </a:spcBef>
+              <a:spcAft>
+                <a:spcPts val="0"/>
+              </a:spcAft>
+              <a:buNone/>
+            </a:pPr>
+            <a:r>
+              <a:t/>
+            </a:r>
+            <a:endParaRPr/>
+          </a:p>
+        </p:txBody>
+      </p:sp>
+    </p:spTree>
+  </p:cSld>
+  <p:clrMapOvr>
+    <a:masterClrMapping/>
+  </p:clrMapOvr>
+</p:notes>
+</file>
+
+<file path=ppt/notesSlides/notesSlide6.xml><?xml version="1.0" encoding="utf-8"?>
+<p:notes xmlns:a="http://schemas.openxmlformats.org/drawingml/2006/main" xmlns:r="http://schemas.openxmlformats.org/officeDocument/2006/relationships" xmlns:mc="http://schemas.openxmlformats.org/markup-compatibility/2006" xmlns:mv="urn:schemas-microsoft-com:mac:vml" xmlns:p="http://schemas.openxmlformats.org/presentationml/2006/main" xmlns:c="http://schemas.openxmlformats.org/drawingml/2006/chart" xmlns:dgm="http://schemas.openxmlformats.org/drawingml/2006/diagram" xmlns:o="urn:schemas-microsoft-com:office:office" xmlns:v="urn:schemas-microsoft-com:vml" xmlns:pvml="urn:schemas-microsoft-com:office:powerpoint" xmlns:com="http://schemas.openxmlformats.org/drawingml/2006/compatibility" xmlns:p14="http://schemas.microsoft.com/office/powerpoint/2010/main" xmlns:p15="http://schemas.microsoft.com/office/powerpoint/2012/main" showMasterPhAnim="0" showMasterSp="0">
+  <p:cSld>
+    <p:spTree>
+      <p:nvGrpSpPr>
+        <p:cNvPr id="89" name="Shape 89"/>
+        <p:cNvGrpSpPr/>
+        <p:nvPr/>
+      </p:nvGrpSpPr>
+      <p:grpSpPr>
+        <a:xfrm>
+          <a:off x="0" y="0"/>
+          <a:ext cx="0" cy="0"/>
+          <a:chOff x="0" y="0"/>
+          <a:chExt cx="0" cy="0"/>
+        </a:xfrm>
+      </p:grpSpPr>
+      <p:sp>
+        <p:nvSpPr>
+          <p:cNvPr id="90" name="Google Shape;90;g450aeaa83e_0_0:notes"/>
+          <p:cNvSpPr/>
+          <p:nvPr>
+            <p:ph idx="2" type="sldImg"/>
+          </p:nvPr>
+        </p:nvSpPr>
+        <p:spPr>
+          <a:xfrm>
+            <a:off x="381300" y="685800"/>
+            <a:ext cx="6096000" cy="3429000"/>
+          </a:xfrm>
+          <a:custGeom>
+            <a:rect b="b" l="l" r="r" t="t"/>
+            <a:pathLst>
+              <a:path extrusionOk="0" h="120000" w="120000">
+                <a:moveTo>
+                  <a:pt x="0" y="0"/>
+                </a:moveTo>
+                <a:lnTo>
+                  <a:pt x="120000" y="0"/>
+                </a:lnTo>
+                <a:lnTo>
+                  <a:pt x="120000" y="120000"/>
+                </a:lnTo>
+                <a:lnTo>
+                  <a:pt x="0" y="120000"/>
+                </a:lnTo>
+                <a:close/>
+              </a:path>
+            </a:pathLst>
+          </a:custGeom>
+        </p:spPr>
+      </p:sp>
+      <p:sp>
+        <p:nvSpPr>
+          <p:cNvPr id="91" name="Google Shape;91;g450aeaa83e_0_0:notes"/>
+          <p:cNvSpPr txBox="1"/>
+          <p:nvPr>
+            <p:ph idx="1" type="body"/>
+          </p:nvPr>
+        </p:nvSpPr>
+        <p:spPr>
+          <a:xfrm>
+            <a:off x="685800" y="4343400"/>
+            <a:ext cx="5486400" cy="4114800"/>
+          </a:xfrm>
+          <a:prstGeom prst="rect">
+            <a:avLst/>
+          </a:prstGeom>
+        </p:spPr>
+        <p:txBody>
+          <a:bodyPr anchorCtr="0" anchor="t" bIns="91425" lIns="91425" spcFirstLastPara="1" rIns="91425" wrap="square" tIns="91425">
+            <a:noAutofit/>
+          </a:bodyPr>
+          <a:lstStyle/>
+          <a:p>
+            <a:pPr indent="0" lvl="0" marL="0" rtl="0" algn="l">
+              <a:spcBef>
+                <a:spcPts val="0"/>
+              </a:spcBef>
+              <a:spcAft>
+                <a:spcPts val="0"/>
+              </a:spcAft>
+              <a:buNone/>
+            </a:pPr>
+            <a:r>
+              <a:t/>
+            </a:r>
+            <a:endParaRPr/>
+          </a:p>
+        </p:txBody>
+      </p:sp>
+    </p:spTree>
+  </p:cSld>
+  <p:clrMapOvr>
+    <a:masterClrMapping/>
+  </p:clrMapOvr>
+</p:notes>
+</file>
+
+<file path=ppt/notesSlides/notesSlide7.xml><?xml version="1.0" encoding="utf-8"?>
+<p:notes xmlns:a="http://schemas.openxmlformats.org/drawingml/2006/main" xmlns:r="http://schemas.openxmlformats.org/officeDocument/2006/relationships" xmlns:mc="http://schemas.openxmlformats.org/markup-compatibility/2006" xmlns:mv="urn:schemas-microsoft-com:mac:vml" xmlns:p="http://schemas.openxmlformats.org/presentationml/2006/main" xmlns:c="http://schemas.openxmlformats.org/drawingml/2006/chart" xmlns:dgm="http://schemas.openxmlformats.org/drawingml/2006/diagram" xmlns:o="urn:schemas-microsoft-com:office:office" xmlns:v="urn:schemas-microsoft-com:vml" xmlns:pvml="urn:schemas-microsoft-com:office:powerpoint" xmlns:com="http://schemas.openxmlformats.org/drawingml/2006/compatibility" xmlns:p14="http://schemas.microsoft.com/office/powerpoint/2010/main" xmlns:p15="http://schemas.microsoft.com/office/powerpoint/2012/main" showMasterPhAnim="0" showMasterSp="0">
+  <p:cSld>
+    <p:spTree>
+      <p:nvGrpSpPr>
+        <p:cNvPr id="95" name="Shape 95"/>
+        <p:cNvGrpSpPr/>
+        <p:nvPr/>
+      </p:nvGrpSpPr>
+      <p:grpSpPr>
+        <a:xfrm>
+          <a:off x="0" y="0"/>
+          <a:ext cx="0" cy="0"/>
+          <a:chOff x="0" y="0"/>
+          <a:chExt cx="0" cy="0"/>
+        </a:xfrm>
+      </p:grpSpPr>
+      <p:sp>
+        <p:nvSpPr>
+          <p:cNvPr id="96" name="Google Shape;96;g450aeaa83e_0_73:notes"/>
+          <p:cNvSpPr/>
+          <p:nvPr>
+            <p:ph idx="2" type="sldImg"/>
+          </p:nvPr>
+        </p:nvSpPr>
+        <p:spPr>
+          <a:xfrm>
+            <a:off x="381300" y="685800"/>
+            <a:ext cx="6096000" cy="3429000"/>
+          </a:xfrm>
+          <a:custGeom>
+            <a:rect b="b" l="l" r="r" t="t"/>
+            <a:pathLst>
+              <a:path extrusionOk="0" h="120000" w="120000">
+                <a:moveTo>
+                  <a:pt x="0" y="0"/>
+                </a:moveTo>
+                <a:lnTo>
+                  <a:pt x="120000" y="0"/>
+                </a:lnTo>
+                <a:lnTo>
+                  <a:pt x="120000" y="120000"/>
+                </a:lnTo>
+                <a:lnTo>
+                  <a:pt x="0" y="120000"/>
+                </a:lnTo>
+                <a:close/>
+              </a:path>
+            </a:pathLst>
+          </a:custGeom>
+        </p:spPr>
+      </p:sp>
+      <p:sp>
+        <p:nvSpPr>
+          <p:cNvPr id="97" name="Google Shape;97;g450aeaa83e_0_73:notes"/>
+          <p:cNvSpPr txBox="1"/>
+          <p:nvPr>
+            <p:ph idx="1" type="body"/>
+          </p:nvPr>
+        </p:nvSpPr>
+        <p:spPr>
+          <a:xfrm>
+            <a:off x="685800" y="4343400"/>
+            <a:ext cx="5486400" cy="4114800"/>
+          </a:xfrm>
+          <a:prstGeom prst="rect">
+            <a:avLst/>
+          </a:prstGeom>
+        </p:spPr>
+        <p:txBody>
+          <a:bodyPr anchorCtr="0" anchor="t" bIns="91425" lIns="91425" spcFirstLastPara="1" rIns="91425" wrap="square" tIns="91425">
+            <a:noAutofit/>
+          </a:bodyPr>
+          <a:lstStyle/>
+          <a:p>
+            <a:pPr indent="0" lvl="0" marL="0" rtl="0" algn="l">
+              <a:spcBef>
+                <a:spcPts val="0"/>
+              </a:spcBef>
+              <a:spcAft>
+                <a:spcPts val="0"/>
+              </a:spcAft>
+              <a:buNone/>
+            </a:pPr>
+            <a:r>
+              <a:t/>
+            </a:r>
+            <a:endParaRPr/>
+          </a:p>
+        </p:txBody>
+      </p:sp>
+    </p:spTree>
+  </p:cSld>
+  <p:clrMapOvr>
+    <a:masterClrMapping/>
+  </p:clrMapOvr>
+</p:notes>
+</file>
+
+<file path=ppt/notesSlides/notesSlide8.xml><?xml version="1.0" encoding="utf-8"?>
+<p:notes xmlns:a="http://schemas.openxmlformats.org/drawingml/2006/main" xmlns:r="http://schemas.openxmlformats.org/officeDocument/2006/relationships" xmlns:mc="http://schemas.openxmlformats.org/markup-compatibility/2006" xmlns:mv="urn:schemas-microsoft-com:mac:vml" xmlns:p="http://schemas.openxmlformats.org/presentationml/2006/main" xmlns:c="http://schemas.openxmlformats.org/drawingml/2006/chart" xmlns:dgm="http://schemas.openxmlformats.org/drawingml/2006/diagram" xmlns:o="urn:schemas-microsoft-com:office:office" xmlns:v="urn:schemas-microsoft-com:vml" xmlns:pvml="urn:schemas-microsoft-com:office:powerpoint" xmlns:com="http://schemas.openxmlformats.org/drawingml/2006/compatibility" xmlns:p14="http://schemas.microsoft.com/office/powerpoint/2010/main" xmlns:p15="http://schemas.microsoft.com/office/powerpoint/2012/main" showMasterPhAnim="0" showMasterSp="0">
+  <p:cSld>
+    <p:spTree>
+      <p:nvGrpSpPr>
+        <p:cNvPr id="102" name="Shape 102"/>
+        <p:cNvGrpSpPr/>
+        <p:nvPr/>
+      </p:nvGrpSpPr>
+      <p:grpSpPr>
+        <a:xfrm>
+          <a:off x="0" y="0"/>
+          <a:ext cx="0" cy="0"/>
+          <a:chOff x="0" y="0"/>
+          <a:chExt cx="0" cy="0"/>
+        </a:xfrm>
+      </p:grpSpPr>
+      <p:sp>
+        <p:nvSpPr>
+          <p:cNvPr id="103" name="Google Shape;103;g4511dce8e4_2_0:notes"/>
+          <p:cNvSpPr/>
+          <p:nvPr>
+            <p:ph idx="2" type="sldImg"/>
+          </p:nvPr>
+        </p:nvSpPr>
+        <p:spPr>
+          <a:xfrm>
+            <a:off x="381300" y="685800"/>
+            <a:ext cx="6096000" cy="3429000"/>
+          </a:xfrm>
+          <a:custGeom>
+            <a:rect b="b" l="l" r="r" t="t"/>
+            <a:pathLst>
+              <a:path extrusionOk="0" h="120000" w="120000">
+                <a:moveTo>
+                  <a:pt x="0" y="0"/>
+                </a:moveTo>
+                <a:lnTo>
+                  <a:pt x="120000" y="0"/>
+                </a:lnTo>
+                <a:lnTo>
+                  <a:pt x="120000" y="120000"/>
+                </a:lnTo>
+                <a:lnTo>
+                  <a:pt x="0" y="120000"/>
+                </a:lnTo>
+                <a:close/>
+              </a:path>
+            </a:pathLst>
+          </a:custGeom>
+        </p:spPr>
+      </p:sp>
+      <p:sp>
+        <p:nvSpPr>
+          <p:cNvPr id="104" name="Google Shape;104;g4511dce8e4_2_0:notes"/>
+          <p:cNvSpPr txBox="1"/>
+          <p:nvPr>
+            <p:ph idx="1" type="body"/>
+          </p:nvPr>
+        </p:nvSpPr>
+        <p:spPr>
+          <a:xfrm>
+            <a:off x="685800" y="4343400"/>
+            <a:ext cx="5486400" cy="4114800"/>
+          </a:xfrm>
+          <a:prstGeom prst="rect">
+            <a:avLst/>
+          </a:prstGeom>
+        </p:spPr>
+        <p:txBody>
+          <a:bodyPr anchorCtr="0" anchor="t" bIns="91425" lIns="91425" spcFirstLastPara="1" rIns="91425" wrap="square" tIns="91425">
+            <a:noAutofit/>
+          </a:bodyPr>
+          <a:lstStyle/>
+          <a:p>
+            <a:pPr indent="-298450" lvl="0" marL="457200" rtl="0" algn="l">
+              <a:spcBef>
+                <a:spcPts val="0"/>
+              </a:spcBef>
+              <a:spcAft>
+                <a:spcPts val="0"/>
+              </a:spcAft>
+              <a:buSzPts val="1100"/>
+              <a:buChar char="-"/>
+            </a:pPr>
+            <a:r>
+              <a:rPr lang="en-GB"/>
+              <a:t>Sta se desi sa podacima kada se spusti?</a:t>
+            </a:r>
+            <a:endParaRPr/>
+          </a:p>
+          <a:p>
+            <a:pPr indent="-298450" lvl="0" marL="457200" rtl="0" algn="l">
+              <a:spcBef>
+                <a:spcPts val="0"/>
+              </a:spcBef>
+              <a:spcAft>
+                <a:spcPts val="0"/>
+              </a:spcAft>
+              <a:buSzPts val="1100"/>
+              <a:buChar char="-"/>
+            </a:pPr>
+            <a:r>
+              <a:rPr lang="en-GB"/>
+              <a:t>Kako obrisati volume?</a:t>
+            </a:r>
+            <a:endParaRPr/>
+          </a:p>
+          <a:p>
+            <a:pPr indent="-298450" lvl="0" marL="457200" rtl="0" algn="l">
+              <a:spcBef>
+                <a:spcPts val="0"/>
+              </a:spcBef>
+              <a:spcAft>
+                <a:spcPts val="0"/>
+              </a:spcAft>
+              <a:buSzPts val="1100"/>
+              <a:buChar char="-"/>
+            </a:pPr>
+            <a:r>
+              <a:rPr b="1" lang="en-GB"/>
+              <a:t>Dodatni zadatak - izdvojiti promenljivu u zaseban fajl</a:t>
+            </a:r>
+            <a:endParaRPr b="1"/>
+          </a:p>
+          <a:p>
+            <a:pPr indent="-298450" lvl="0" marL="457200" rtl="0" algn="l">
+              <a:spcBef>
+                <a:spcPts val="0"/>
+              </a:spcBef>
+              <a:spcAft>
+                <a:spcPts val="0"/>
+              </a:spcAft>
+              <a:buSzPts val="1100"/>
+              <a:buChar char="-"/>
+            </a:pPr>
+            <a:r>
+              <a:rPr b="1" lang="en-GB"/>
+              <a:t>Dodatni zadatak - redis pokrenuti samostalno, van docker-compose faja</a:t>
+            </a:r>
+            <a:endParaRPr b="1"/>
+          </a:p>
+        </p:txBody>
+      </p:sp>
+    </p:spTree>
+  </p:cSld>
+  <p:clrMapOvr>
+    <a:masterClrMapping/>
+  </p:clrMapOvr>
+</p:notes>
+</file>
+
+<file path=ppt/notesSlides/notesSlide9.xml><?xml version="1.0" encoding="utf-8"?>
+<p:notes xmlns:a="http://schemas.openxmlformats.org/drawingml/2006/main" xmlns:r="http://schemas.openxmlformats.org/officeDocument/2006/relationships" xmlns:mc="http://schemas.openxmlformats.org/markup-compatibility/2006" xmlns:mv="urn:schemas-microsoft-com:mac:vml" xmlns:p="http://schemas.openxmlformats.org/presentationml/2006/main" xmlns:c="http://schemas.openxmlformats.org/drawingml/2006/chart" xmlns:dgm="http://schemas.openxmlformats.org/drawingml/2006/diagram" xmlns:o="urn:schemas-microsoft-com:office:office" xmlns:v="urn:schemas-microsoft-com:vml" xmlns:pvml="urn:schemas-microsoft-com:office:powerpoint" xmlns:com="http://schemas.openxmlformats.org/drawingml/2006/compatibility" xmlns:p14="http://schemas.microsoft.com/office/powerpoint/2010/main" xmlns:p15="http://schemas.microsoft.com/office/powerpoint/2012/main" showMasterPhAnim="0" showMasterSp="0">
+  <p:cSld>
+    <p:spTree>
+      <p:nvGrpSpPr>
+        <p:cNvPr id="108" name="Shape 108"/>
+        <p:cNvGrpSpPr/>
+        <p:nvPr/>
+      </p:nvGrpSpPr>
+      <p:grpSpPr>
+        <a:xfrm>
+          <a:off x="0" y="0"/>
+          <a:ext cx="0" cy="0"/>
+          <a:chOff x="0" y="0"/>
+          <a:chExt cx="0" cy="0"/>
+        </a:xfrm>
+      </p:grpSpPr>
+      <p:sp>
+        <p:nvSpPr>
+          <p:cNvPr id="109" name="Google Shape;109;g46744750be_0_50:notes"/>
+          <p:cNvSpPr/>
+          <p:nvPr>
+            <p:ph idx="2" type="sldImg"/>
+          </p:nvPr>
+        </p:nvSpPr>
+        <p:spPr>
+          <a:xfrm>
+            <a:off x="381300" y="685800"/>
+            <a:ext cx="6096000" cy="3429000"/>
+          </a:xfrm>
+          <a:custGeom>
+            <a:rect b="b" l="l" r="r" t="t"/>
+            <a:pathLst>
+              <a:path extrusionOk="0" h="120000" w="120000">
+                <a:moveTo>
+                  <a:pt x="0" y="0"/>
+                </a:moveTo>
+                <a:lnTo>
+                  <a:pt x="120000" y="0"/>
+                </a:lnTo>
+                <a:lnTo>
+                  <a:pt x="120000" y="120000"/>
+                </a:lnTo>
+                <a:lnTo>
+                  <a:pt x="0" y="120000"/>
+                </a:lnTo>
+                <a:close/>
+              </a:path>
+            </a:pathLst>
+          </a:custGeom>
+        </p:spPr>
+      </p:sp>
+      <p:sp>
+        <p:nvSpPr>
+          <p:cNvPr id="110" name="Google Shape;110;g46744750be_0_50:notes"/>
           <p:cNvSpPr txBox="1"/>
           <p:nvPr>
             <p:ph idx="1" type="body"/>
@@ -1718,7 +2197,9 @@
           </a:prstGeom>
         </p:spPr>
         <p:txBody>
-          <a:bodyPr anchorCtr="0" anchor="b" bIns="91425" lIns="91425" spcFirstLastPara="1" rIns="91425" wrap="square" tIns="91425"/>
+          <a:bodyPr anchorCtr="0" anchor="b" bIns="91425" lIns="91425" spcFirstLastPara="1" rIns="91425" wrap="square" tIns="91425">
+            <a:noAutofit/>
+          </a:bodyPr>
           <a:lstStyle>
             <a:lvl1pPr lvl="0" algn="ctr">
               <a:spcBef>
@@ -1841,7 +2322,9 @@
           </a:prstGeom>
         </p:spPr>
         <p:txBody>
-          <a:bodyPr anchorCtr="0" anchor="t" bIns="91425" lIns="91425" spcFirstLastPara="1" rIns="91425" wrap="square" tIns="91425"/>
+          <a:bodyPr anchorCtr="0" anchor="t" bIns="91425" lIns="91425" spcFirstLastPara="1" rIns="91425" wrap="square" tIns="91425">
+            <a:noAutofit/>
+          </a:bodyPr>
           <a:lstStyle>
             <a:lvl1pPr lvl="0" algn="ctr">
               <a:lnSpc>
@@ -2093,7 +2576,9 @@
           </a:prstGeom>
         </p:spPr>
         <p:txBody>
-          <a:bodyPr anchorCtr="0" anchor="b" bIns="91425" lIns="91425" spcFirstLastPara="1" rIns="91425" wrap="square" tIns="91425"/>
+          <a:bodyPr anchorCtr="0" anchor="b" bIns="91425" lIns="91425" spcFirstLastPara="1" rIns="91425" wrap="square" tIns="91425">
+            <a:noAutofit/>
+          </a:bodyPr>
           <a:lstStyle>
             <a:lvl1pPr lvl="0" algn="ctr">
               <a:spcBef>
@@ -2220,7 +2705,9 @@
           </a:prstGeom>
         </p:spPr>
         <p:txBody>
-          <a:bodyPr anchorCtr="0" anchor="t" bIns="91425" lIns="91425" spcFirstLastPara="1" rIns="91425" wrap="square" tIns="91425"/>
+          <a:bodyPr anchorCtr="0" anchor="t" bIns="91425" lIns="91425" spcFirstLastPara="1" rIns="91425" wrap="square" tIns="91425">
+            <a:noAutofit/>
+          </a:bodyPr>
           <a:lstStyle>
             <a:lvl1pPr indent="-342900" lvl="0" marL="457200" algn="ctr">
               <a:spcBef>
@@ -2512,6 +2999,648 @@
 </p:sldLayout>
 </file>
 
+<file path=ppt/slideLayouts/slideLayout12.xml><?xml version="1.0" encoding="utf-8"?>
+<p:sldLayout xmlns:a="http://schemas.openxmlformats.org/drawingml/2006/main" xmlns:r="http://schemas.openxmlformats.org/officeDocument/2006/relationships" xmlns:mc="http://schemas.openxmlformats.org/markup-compatibility/2006" xmlns:mv="urn:schemas-microsoft-com:mac:vml" xmlns:p="http://schemas.openxmlformats.org/presentationml/2006/main" xmlns:c="http://schemas.openxmlformats.org/drawingml/2006/chart" xmlns:dgm="http://schemas.openxmlformats.org/drawingml/2006/diagram" xmlns:o="urn:schemas-microsoft-com:office:office" xmlns:v="urn:schemas-microsoft-com:vml" xmlns:pvml="urn:schemas-microsoft-com:office:powerpoint" xmlns:com="http://schemas.openxmlformats.org/drawingml/2006/compatibility" xmlns:p14="http://schemas.microsoft.com/office/powerpoint/2010/main" xmlns:p15="http://schemas.microsoft.com/office/powerpoint/2012/main" matchingName="text left, graphic right">
+  <p:cSld name="CUSTOM_1_1">
+    <p:spTree>
+      <p:nvGrpSpPr>
+        <p:cNvPr id="50" name="Shape 50"/>
+        <p:cNvGrpSpPr/>
+        <p:nvPr/>
+      </p:nvGrpSpPr>
+      <p:grpSpPr>
+        <a:xfrm>
+          <a:off x="0" y="0"/>
+          <a:ext cx="0" cy="0"/>
+          <a:chOff x="0" y="0"/>
+          <a:chExt cx="0" cy="0"/>
+        </a:xfrm>
+      </p:grpSpPr>
+      <p:sp>
+        <p:nvSpPr>
+          <p:cNvPr id="51" name="Google Shape;51;p13"/>
+          <p:cNvSpPr txBox="1"/>
+          <p:nvPr>
+            <p:ph idx="12" type="sldNum"/>
+          </p:nvPr>
+        </p:nvSpPr>
+        <p:spPr>
+          <a:xfrm>
+            <a:off x="103328" y="4733944"/>
+            <a:ext cx="360600" cy="393600"/>
+          </a:xfrm>
+          <a:prstGeom prst="rect">
+            <a:avLst/>
+          </a:prstGeom>
+        </p:spPr>
+        <p:txBody>
+          <a:bodyPr anchorCtr="0" anchor="ctr" bIns="91425" lIns="91425" spcFirstLastPara="1" rIns="91425" wrap="square" tIns="91425">
+            <a:noAutofit/>
+          </a:bodyPr>
+          <a:lstStyle>
+            <a:lvl1pPr lvl="0" rtl="0">
+              <a:buNone/>
+              <a:defRPr/>
+            </a:lvl1pPr>
+            <a:lvl2pPr lvl="1" rtl="0">
+              <a:buNone/>
+              <a:defRPr/>
+            </a:lvl2pPr>
+            <a:lvl3pPr lvl="2" rtl="0">
+              <a:buNone/>
+              <a:defRPr/>
+            </a:lvl3pPr>
+            <a:lvl4pPr lvl="3" rtl="0">
+              <a:buNone/>
+              <a:defRPr/>
+            </a:lvl4pPr>
+            <a:lvl5pPr lvl="4" rtl="0">
+              <a:buNone/>
+              <a:defRPr/>
+            </a:lvl5pPr>
+            <a:lvl6pPr lvl="5" rtl="0">
+              <a:buNone/>
+              <a:defRPr/>
+            </a:lvl6pPr>
+            <a:lvl7pPr lvl="6" rtl="0">
+              <a:buNone/>
+              <a:defRPr/>
+            </a:lvl7pPr>
+            <a:lvl8pPr lvl="7" rtl="0">
+              <a:buNone/>
+              <a:defRPr/>
+            </a:lvl8pPr>
+            <a:lvl9pPr lvl="8" rtl="0">
+              <a:buNone/>
+              <a:defRPr/>
+            </a:lvl9pPr>
+          </a:lstStyle>
+          <a:p>
+            <a:pPr indent="0" lvl="0" marL="0" rtl="0" algn="r">
+              <a:spcBef>
+                <a:spcPts val="0"/>
+              </a:spcBef>
+              <a:spcAft>
+                <a:spcPts val="0"/>
+              </a:spcAft>
+              <a:buNone/>
+            </a:pPr>
+            <a:fld id="{00000000-1234-1234-1234-123412341234}" type="slidenum">
+              <a:rPr lang="en-GB"/>
+              <a:t>‹#›</a:t>
+            </a:fld>
+            <a:endParaRPr/>
+          </a:p>
+        </p:txBody>
+      </p:sp>
+      <p:sp>
+        <p:nvSpPr>
+          <p:cNvPr id="52" name="Google Shape;52;p13"/>
+          <p:cNvSpPr txBox="1"/>
+          <p:nvPr>
+            <p:ph idx="1" type="body"/>
+          </p:nvPr>
+        </p:nvSpPr>
+        <p:spPr>
+          <a:xfrm>
+            <a:off x="826700" y="1625925"/>
+            <a:ext cx="3585000" cy="2644800"/>
+          </a:xfrm>
+          <a:prstGeom prst="rect">
+            <a:avLst/>
+          </a:prstGeom>
+        </p:spPr>
+        <p:txBody>
+          <a:bodyPr anchorCtr="0" anchor="t" bIns="91425" lIns="91425" spcFirstLastPara="1" rIns="91425" wrap="square" tIns="91425">
+            <a:noAutofit/>
+          </a:bodyPr>
+          <a:lstStyle>
+            <a:lvl1pPr indent="-292100" lvl="0" marL="457200" rtl="0">
+              <a:spcBef>
+                <a:spcPts val="0"/>
+              </a:spcBef>
+              <a:spcAft>
+                <a:spcPts val="0"/>
+              </a:spcAft>
+              <a:buSzPts val="1000"/>
+              <a:buChar char="●"/>
+              <a:defRPr/>
+            </a:lvl1pPr>
+            <a:lvl2pPr indent="-292100" lvl="1" marL="914400" rtl="0">
+              <a:spcBef>
+                <a:spcPts val="1600"/>
+              </a:spcBef>
+              <a:spcAft>
+                <a:spcPts val="0"/>
+              </a:spcAft>
+              <a:buSzPts val="1000"/>
+              <a:buChar char="○"/>
+              <a:defRPr/>
+            </a:lvl2pPr>
+            <a:lvl3pPr indent="-292100" lvl="2" marL="1371600" rtl="0">
+              <a:spcBef>
+                <a:spcPts val="1600"/>
+              </a:spcBef>
+              <a:spcAft>
+                <a:spcPts val="0"/>
+              </a:spcAft>
+              <a:buSzPts val="1000"/>
+              <a:buChar char="■"/>
+              <a:defRPr/>
+            </a:lvl3pPr>
+            <a:lvl4pPr indent="-292100" lvl="3" marL="1828800" rtl="0">
+              <a:spcBef>
+                <a:spcPts val="1600"/>
+              </a:spcBef>
+              <a:spcAft>
+                <a:spcPts val="0"/>
+              </a:spcAft>
+              <a:buSzPts val="1000"/>
+              <a:buChar char="●"/>
+              <a:defRPr/>
+            </a:lvl4pPr>
+            <a:lvl5pPr indent="-292100" lvl="4" marL="2286000" rtl="0">
+              <a:spcBef>
+                <a:spcPts val="1600"/>
+              </a:spcBef>
+              <a:spcAft>
+                <a:spcPts val="0"/>
+              </a:spcAft>
+              <a:buSzPts val="1000"/>
+              <a:buChar char="○"/>
+              <a:defRPr/>
+            </a:lvl5pPr>
+            <a:lvl6pPr indent="-292100" lvl="5" marL="2743200" rtl="0">
+              <a:spcBef>
+                <a:spcPts val="1600"/>
+              </a:spcBef>
+              <a:spcAft>
+                <a:spcPts val="0"/>
+              </a:spcAft>
+              <a:buSzPts val="1000"/>
+              <a:buChar char="■"/>
+              <a:defRPr/>
+            </a:lvl6pPr>
+            <a:lvl7pPr indent="-292100" lvl="6" marL="3200400" rtl="0">
+              <a:spcBef>
+                <a:spcPts val="1600"/>
+              </a:spcBef>
+              <a:spcAft>
+                <a:spcPts val="0"/>
+              </a:spcAft>
+              <a:buSzPts val="1000"/>
+              <a:buChar char="●"/>
+              <a:defRPr/>
+            </a:lvl7pPr>
+            <a:lvl8pPr indent="-292100" lvl="7" marL="3657600" rtl="0">
+              <a:spcBef>
+                <a:spcPts val="1600"/>
+              </a:spcBef>
+              <a:spcAft>
+                <a:spcPts val="0"/>
+              </a:spcAft>
+              <a:buSzPts val="1000"/>
+              <a:buChar char="○"/>
+              <a:defRPr/>
+            </a:lvl8pPr>
+            <a:lvl9pPr indent="-292100" lvl="8" marL="4114800" rtl="0">
+              <a:spcBef>
+                <a:spcPts val="1600"/>
+              </a:spcBef>
+              <a:spcAft>
+                <a:spcPts val="1600"/>
+              </a:spcAft>
+              <a:buSzPts val="1000"/>
+              <a:buChar char="■"/>
+              <a:defRPr/>
+            </a:lvl9pPr>
+          </a:lstStyle>
+          <a:p/>
+        </p:txBody>
+      </p:sp>
+      <p:sp>
+        <p:nvSpPr>
+          <p:cNvPr id="53" name="Google Shape;53;p13"/>
+          <p:cNvSpPr txBox="1"/>
+          <p:nvPr>
+            <p:ph type="title"/>
+          </p:nvPr>
+        </p:nvSpPr>
+        <p:spPr>
+          <a:xfrm>
+            <a:off x="826650" y="0"/>
+            <a:ext cx="7490700" cy="1063200"/>
+          </a:xfrm>
+          <a:prstGeom prst="rect">
+            <a:avLst/>
+          </a:prstGeom>
+        </p:spPr>
+        <p:txBody>
+          <a:bodyPr anchorCtr="0" anchor="b" bIns="91425" lIns="91425" spcFirstLastPara="1" rIns="91425" wrap="square" tIns="91425">
+            <a:noAutofit/>
+          </a:bodyPr>
+          <a:lstStyle>
+            <a:lvl1pPr lvl="0" rtl="0">
+              <a:spcBef>
+                <a:spcPts val="0"/>
+              </a:spcBef>
+              <a:spcAft>
+                <a:spcPts val="0"/>
+              </a:spcAft>
+              <a:buSzPts val="2800"/>
+              <a:buFont typeface="Proxima Nova"/>
+              <a:buNone/>
+              <a:defRPr b="0">
+                <a:latin typeface="Proxima Nova"/>
+                <a:ea typeface="Proxima Nova"/>
+                <a:cs typeface="Proxima Nova"/>
+                <a:sym typeface="Proxima Nova"/>
+              </a:defRPr>
+            </a:lvl1pPr>
+            <a:lvl2pPr lvl="1" rtl="0">
+              <a:spcBef>
+                <a:spcPts val="0"/>
+              </a:spcBef>
+              <a:spcAft>
+                <a:spcPts val="0"/>
+              </a:spcAft>
+              <a:buClr>
+                <a:schemeClr val="dk1"/>
+              </a:buClr>
+              <a:buSzPts val="2800"/>
+              <a:buFont typeface="Proxima Nova"/>
+              <a:buNone/>
+              <a:defRPr b="0">
+                <a:solidFill>
+                  <a:schemeClr val="dk1"/>
+                </a:solidFill>
+                <a:latin typeface="Proxima Nova"/>
+                <a:ea typeface="Proxima Nova"/>
+                <a:cs typeface="Proxima Nova"/>
+                <a:sym typeface="Proxima Nova"/>
+              </a:defRPr>
+            </a:lvl2pPr>
+            <a:lvl3pPr lvl="2" rtl="0">
+              <a:spcBef>
+                <a:spcPts val="0"/>
+              </a:spcBef>
+              <a:spcAft>
+                <a:spcPts val="0"/>
+              </a:spcAft>
+              <a:buClr>
+                <a:schemeClr val="dk1"/>
+              </a:buClr>
+              <a:buSzPts val="2800"/>
+              <a:buFont typeface="Proxima Nova"/>
+              <a:buNone/>
+              <a:defRPr b="0">
+                <a:solidFill>
+                  <a:schemeClr val="dk1"/>
+                </a:solidFill>
+                <a:latin typeface="Proxima Nova"/>
+                <a:ea typeface="Proxima Nova"/>
+                <a:cs typeface="Proxima Nova"/>
+                <a:sym typeface="Proxima Nova"/>
+              </a:defRPr>
+            </a:lvl3pPr>
+            <a:lvl4pPr lvl="3" rtl="0">
+              <a:spcBef>
+                <a:spcPts val="0"/>
+              </a:spcBef>
+              <a:spcAft>
+                <a:spcPts val="0"/>
+              </a:spcAft>
+              <a:buClr>
+                <a:schemeClr val="dk1"/>
+              </a:buClr>
+              <a:buSzPts val="2800"/>
+              <a:buFont typeface="Proxima Nova"/>
+              <a:buNone/>
+              <a:defRPr b="0">
+                <a:solidFill>
+                  <a:schemeClr val="dk1"/>
+                </a:solidFill>
+                <a:latin typeface="Proxima Nova"/>
+                <a:ea typeface="Proxima Nova"/>
+                <a:cs typeface="Proxima Nova"/>
+                <a:sym typeface="Proxima Nova"/>
+              </a:defRPr>
+            </a:lvl4pPr>
+            <a:lvl5pPr lvl="4" rtl="0">
+              <a:spcBef>
+                <a:spcPts val="0"/>
+              </a:spcBef>
+              <a:spcAft>
+                <a:spcPts val="0"/>
+              </a:spcAft>
+              <a:buClr>
+                <a:schemeClr val="dk1"/>
+              </a:buClr>
+              <a:buSzPts val="2800"/>
+              <a:buFont typeface="Proxima Nova"/>
+              <a:buNone/>
+              <a:defRPr b="0">
+                <a:solidFill>
+                  <a:schemeClr val="dk1"/>
+                </a:solidFill>
+                <a:latin typeface="Proxima Nova"/>
+                <a:ea typeface="Proxima Nova"/>
+                <a:cs typeface="Proxima Nova"/>
+                <a:sym typeface="Proxima Nova"/>
+              </a:defRPr>
+            </a:lvl5pPr>
+            <a:lvl6pPr lvl="5" rtl="0">
+              <a:spcBef>
+                <a:spcPts val="0"/>
+              </a:spcBef>
+              <a:spcAft>
+                <a:spcPts val="0"/>
+              </a:spcAft>
+              <a:buClr>
+                <a:schemeClr val="dk1"/>
+              </a:buClr>
+              <a:buSzPts val="2800"/>
+              <a:buFont typeface="Proxima Nova"/>
+              <a:buNone/>
+              <a:defRPr b="0">
+                <a:solidFill>
+                  <a:schemeClr val="dk1"/>
+                </a:solidFill>
+                <a:latin typeface="Proxima Nova"/>
+                <a:ea typeface="Proxima Nova"/>
+                <a:cs typeface="Proxima Nova"/>
+                <a:sym typeface="Proxima Nova"/>
+              </a:defRPr>
+            </a:lvl6pPr>
+            <a:lvl7pPr lvl="6" rtl="0">
+              <a:spcBef>
+                <a:spcPts val="0"/>
+              </a:spcBef>
+              <a:spcAft>
+                <a:spcPts val="0"/>
+              </a:spcAft>
+              <a:buClr>
+                <a:schemeClr val="dk1"/>
+              </a:buClr>
+              <a:buSzPts val="2800"/>
+              <a:buFont typeface="Proxima Nova"/>
+              <a:buNone/>
+              <a:defRPr b="0">
+                <a:solidFill>
+                  <a:schemeClr val="dk1"/>
+                </a:solidFill>
+                <a:latin typeface="Proxima Nova"/>
+                <a:ea typeface="Proxima Nova"/>
+                <a:cs typeface="Proxima Nova"/>
+                <a:sym typeface="Proxima Nova"/>
+              </a:defRPr>
+            </a:lvl7pPr>
+            <a:lvl8pPr lvl="7" rtl="0">
+              <a:spcBef>
+                <a:spcPts val="0"/>
+              </a:spcBef>
+              <a:spcAft>
+                <a:spcPts val="0"/>
+              </a:spcAft>
+              <a:buClr>
+                <a:schemeClr val="dk1"/>
+              </a:buClr>
+              <a:buSzPts val="2800"/>
+              <a:buFont typeface="Proxima Nova"/>
+              <a:buNone/>
+              <a:defRPr b="0">
+                <a:solidFill>
+                  <a:schemeClr val="dk1"/>
+                </a:solidFill>
+                <a:latin typeface="Proxima Nova"/>
+                <a:ea typeface="Proxima Nova"/>
+                <a:cs typeface="Proxima Nova"/>
+                <a:sym typeface="Proxima Nova"/>
+              </a:defRPr>
+            </a:lvl8pPr>
+            <a:lvl9pPr lvl="8" rtl="0">
+              <a:spcBef>
+                <a:spcPts val="0"/>
+              </a:spcBef>
+              <a:spcAft>
+                <a:spcPts val="0"/>
+              </a:spcAft>
+              <a:buClr>
+                <a:schemeClr val="dk1"/>
+              </a:buClr>
+              <a:buSzPts val="2800"/>
+              <a:buFont typeface="Proxima Nova"/>
+              <a:buNone/>
+              <a:defRPr b="0">
+                <a:solidFill>
+                  <a:schemeClr val="dk1"/>
+                </a:solidFill>
+                <a:latin typeface="Proxima Nova"/>
+                <a:ea typeface="Proxima Nova"/>
+                <a:cs typeface="Proxima Nova"/>
+                <a:sym typeface="Proxima Nova"/>
+              </a:defRPr>
+            </a:lvl9pPr>
+          </a:lstStyle>
+          <a:p/>
+        </p:txBody>
+      </p:sp>
+      <p:sp>
+        <p:nvSpPr>
+          <p:cNvPr id="54" name="Google Shape;54;p13"/>
+          <p:cNvSpPr txBox="1"/>
+          <p:nvPr>
+            <p:ph idx="2" type="subTitle"/>
+          </p:nvPr>
+        </p:nvSpPr>
+        <p:spPr>
+          <a:xfrm>
+            <a:off x="826650" y="929775"/>
+            <a:ext cx="7490700" cy="328800"/>
+          </a:xfrm>
+          <a:prstGeom prst="rect">
+            <a:avLst/>
+          </a:prstGeom>
+        </p:spPr>
+        <p:txBody>
+          <a:bodyPr anchorCtr="0" anchor="t" bIns="91425" lIns="91425" spcFirstLastPara="1" rIns="91425" wrap="square" tIns="91425">
+            <a:noAutofit/>
+          </a:bodyPr>
+          <a:lstStyle>
+            <a:lvl1pPr lvl="0" rtl="0">
+              <a:lnSpc>
+                <a:spcPct val="100000"/>
+              </a:lnSpc>
+              <a:spcBef>
+                <a:spcPts val="0"/>
+              </a:spcBef>
+              <a:spcAft>
+                <a:spcPts val="0"/>
+              </a:spcAft>
+              <a:buNone/>
+              <a:defRPr>
+                <a:latin typeface="Proxima Nova"/>
+                <a:ea typeface="Proxima Nova"/>
+                <a:cs typeface="Proxima Nova"/>
+                <a:sym typeface="Proxima Nova"/>
+              </a:defRPr>
+            </a:lvl1pPr>
+            <a:lvl2pPr lvl="1" rtl="0">
+              <a:lnSpc>
+                <a:spcPct val="100000"/>
+              </a:lnSpc>
+              <a:spcBef>
+                <a:spcPts val="1600"/>
+              </a:spcBef>
+              <a:spcAft>
+                <a:spcPts val="0"/>
+              </a:spcAft>
+              <a:buNone/>
+              <a:defRPr>
+                <a:latin typeface="Proxima Nova"/>
+                <a:ea typeface="Proxima Nova"/>
+                <a:cs typeface="Proxima Nova"/>
+                <a:sym typeface="Proxima Nova"/>
+              </a:defRPr>
+            </a:lvl2pPr>
+            <a:lvl3pPr lvl="2" rtl="0">
+              <a:lnSpc>
+                <a:spcPct val="100000"/>
+              </a:lnSpc>
+              <a:spcBef>
+                <a:spcPts val="1600"/>
+              </a:spcBef>
+              <a:spcAft>
+                <a:spcPts val="0"/>
+              </a:spcAft>
+              <a:buNone/>
+              <a:defRPr>
+                <a:latin typeface="Proxima Nova"/>
+                <a:ea typeface="Proxima Nova"/>
+                <a:cs typeface="Proxima Nova"/>
+                <a:sym typeface="Proxima Nova"/>
+              </a:defRPr>
+            </a:lvl3pPr>
+            <a:lvl4pPr lvl="3" rtl="0">
+              <a:lnSpc>
+                <a:spcPct val="100000"/>
+              </a:lnSpc>
+              <a:spcBef>
+                <a:spcPts val="1600"/>
+              </a:spcBef>
+              <a:spcAft>
+                <a:spcPts val="0"/>
+              </a:spcAft>
+              <a:buNone/>
+              <a:defRPr>
+                <a:latin typeface="Proxima Nova"/>
+                <a:ea typeface="Proxima Nova"/>
+                <a:cs typeface="Proxima Nova"/>
+                <a:sym typeface="Proxima Nova"/>
+              </a:defRPr>
+            </a:lvl4pPr>
+            <a:lvl5pPr lvl="4" rtl="0">
+              <a:lnSpc>
+                <a:spcPct val="100000"/>
+              </a:lnSpc>
+              <a:spcBef>
+                <a:spcPts val="1600"/>
+              </a:spcBef>
+              <a:spcAft>
+                <a:spcPts val="0"/>
+              </a:spcAft>
+              <a:buNone/>
+              <a:defRPr>
+                <a:latin typeface="Proxima Nova"/>
+                <a:ea typeface="Proxima Nova"/>
+                <a:cs typeface="Proxima Nova"/>
+                <a:sym typeface="Proxima Nova"/>
+              </a:defRPr>
+            </a:lvl5pPr>
+            <a:lvl6pPr lvl="5" rtl="0">
+              <a:lnSpc>
+                <a:spcPct val="100000"/>
+              </a:lnSpc>
+              <a:spcBef>
+                <a:spcPts val="1600"/>
+              </a:spcBef>
+              <a:spcAft>
+                <a:spcPts val="0"/>
+              </a:spcAft>
+              <a:buNone/>
+              <a:defRPr>
+                <a:latin typeface="Proxima Nova"/>
+                <a:ea typeface="Proxima Nova"/>
+                <a:cs typeface="Proxima Nova"/>
+                <a:sym typeface="Proxima Nova"/>
+              </a:defRPr>
+            </a:lvl6pPr>
+            <a:lvl7pPr lvl="6" rtl="0">
+              <a:lnSpc>
+                <a:spcPct val="100000"/>
+              </a:lnSpc>
+              <a:spcBef>
+                <a:spcPts val="1600"/>
+              </a:spcBef>
+              <a:spcAft>
+                <a:spcPts val="0"/>
+              </a:spcAft>
+              <a:buNone/>
+              <a:defRPr>
+                <a:latin typeface="Proxima Nova"/>
+                <a:ea typeface="Proxima Nova"/>
+                <a:cs typeface="Proxima Nova"/>
+                <a:sym typeface="Proxima Nova"/>
+              </a:defRPr>
+            </a:lvl7pPr>
+            <a:lvl8pPr lvl="7" rtl="0">
+              <a:lnSpc>
+                <a:spcPct val="100000"/>
+              </a:lnSpc>
+              <a:spcBef>
+                <a:spcPts val="1600"/>
+              </a:spcBef>
+              <a:spcAft>
+                <a:spcPts val="0"/>
+              </a:spcAft>
+              <a:buNone/>
+              <a:defRPr>
+                <a:latin typeface="Proxima Nova"/>
+                <a:ea typeface="Proxima Nova"/>
+                <a:cs typeface="Proxima Nova"/>
+                <a:sym typeface="Proxima Nova"/>
+              </a:defRPr>
+            </a:lvl8pPr>
+            <a:lvl9pPr lvl="8" rtl="0">
+              <a:lnSpc>
+                <a:spcPct val="100000"/>
+              </a:lnSpc>
+              <a:spcBef>
+                <a:spcPts val="1600"/>
+              </a:spcBef>
+              <a:spcAft>
+                <a:spcPts val="1600"/>
+              </a:spcAft>
+              <a:buNone/>
+              <a:defRPr>
+                <a:latin typeface="Proxima Nova"/>
+                <a:ea typeface="Proxima Nova"/>
+                <a:cs typeface="Proxima Nova"/>
+                <a:sym typeface="Proxima Nova"/>
+              </a:defRPr>
+            </a:lvl9pPr>
+          </a:lstStyle>
+          <a:p/>
+        </p:txBody>
+      </p:sp>
+    </p:spTree>
+  </p:cSld>
+  <p:clrMapOvr>
+    <a:masterClrMapping/>
+  </p:clrMapOvr>
+</p:sldLayout>
+</file>
+
 <file path=ppt/slideLayouts/slideLayout2.xml><?xml version="1.0" encoding="utf-8"?>
 <p:sldLayout xmlns:a="http://schemas.openxmlformats.org/drawingml/2006/main" xmlns:r="http://schemas.openxmlformats.org/officeDocument/2006/relationships" xmlns:mc="http://schemas.openxmlformats.org/markup-compatibility/2006" xmlns:mv="urn:schemas-microsoft-com:mac:vml" xmlns:p="http://schemas.openxmlformats.org/presentationml/2006/main" xmlns:c="http://schemas.openxmlformats.org/drawingml/2006/chart" xmlns:dgm="http://schemas.openxmlformats.org/drawingml/2006/diagram" xmlns:o="urn:schemas-microsoft-com:office:office" xmlns:v="urn:schemas-microsoft-com:vml" xmlns:pvml="urn:schemas-microsoft-com:office:powerpoint" xmlns:com="http://schemas.openxmlformats.org/drawingml/2006/compatibility" xmlns:p14="http://schemas.microsoft.com/office/powerpoint/2010/main" xmlns:p15="http://schemas.microsoft.com/office/powerpoint/2012/main" matchingName="Section header" type="secHead">
   <p:cSld name="SECTION_HEADER">
@@ -2547,7 +3676,9 @@
           </a:prstGeom>
         </p:spPr>
         <p:txBody>
-          <a:bodyPr anchorCtr="0" anchor="ctr" bIns="91425" lIns="91425" spcFirstLastPara="1" rIns="91425" wrap="square" tIns="91425"/>
+          <a:bodyPr anchorCtr="0" anchor="ctr" bIns="91425" lIns="91425" spcFirstLastPara="1" rIns="91425" wrap="square" tIns="91425">
+            <a:noAutofit/>
+          </a:bodyPr>
           <a:lstStyle>
             <a:lvl1pPr lvl="0" algn="ctr">
               <a:spcBef>
@@ -2772,7 +3903,9 @@
           </a:prstGeom>
         </p:spPr>
         <p:txBody>
-          <a:bodyPr anchorCtr="0" anchor="t" bIns="91425" lIns="91425" spcFirstLastPara="1" rIns="91425" wrap="square" tIns="91425"/>
+          <a:bodyPr anchorCtr="0" anchor="t" bIns="91425" lIns="91425" spcFirstLastPara="1" rIns="91425" wrap="square" tIns="91425">
+            <a:noAutofit/>
+          </a:bodyPr>
           <a:lstStyle>
             <a:lvl1pPr lvl="0">
               <a:spcBef>
@@ -2895,7 +4028,9 @@
           </a:prstGeom>
         </p:spPr>
         <p:txBody>
-          <a:bodyPr anchorCtr="0" anchor="t" bIns="91425" lIns="91425" spcFirstLastPara="1" rIns="91425" wrap="square" tIns="91425"/>
+          <a:bodyPr anchorCtr="0" anchor="t" bIns="91425" lIns="91425" spcFirstLastPara="1" rIns="91425" wrap="square" tIns="91425">
+            <a:noAutofit/>
+          </a:bodyPr>
           <a:lstStyle>
             <a:lvl1pPr indent="-342900" lvl="0" marL="457200">
               <a:spcBef>
@@ -3120,7 +4255,9 @@
           </a:prstGeom>
         </p:spPr>
         <p:txBody>
-          <a:bodyPr anchorCtr="0" anchor="t" bIns="91425" lIns="91425" spcFirstLastPara="1" rIns="91425" wrap="square" tIns="91425"/>
+          <a:bodyPr anchorCtr="0" anchor="t" bIns="91425" lIns="91425" spcFirstLastPara="1" rIns="91425" wrap="square" tIns="91425">
+            <a:noAutofit/>
+          </a:bodyPr>
           <a:lstStyle>
             <a:lvl1pPr lvl="0">
               <a:spcBef>
@@ -3243,7 +4380,9 @@
           </a:prstGeom>
         </p:spPr>
         <p:txBody>
-          <a:bodyPr anchorCtr="0" anchor="t" bIns="91425" lIns="91425" spcFirstLastPara="1" rIns="91425" wrap="square" tIns="91425"/>
+          <a:bodyPr anchorCtr="0" anchor="t" bIns="91425" lIns="91425" spcFirstLastPara="1" rIns="91425" wrap="square" tIns="91425">
+            <a:noAutofit/>
+          </a:bodyPr>
           <a:lstStyle>
             <a:lvl1pPr indent="-317500" lvl="0" marL="457200">
               <a:spcBef>
@@ -3366,7 +4505,9 @@
           </a:prstGeom>
         </p:spPr>
         <p:txBody>
-          <a:bodyPr anchorCtr="0" anchor="t" bIns="91425" lIns="91425" spcFirstLastPara="1" rIns="91425" wrap="square" tIns="91425"/>
+          <a:bodyPr anchorCtr="0" anchor="t" bIns="91425" lIns="91425" spcFirstLastPara="1" rIns="91425" wrap="square" tIns="91425">
+            <a:noAutofit/>
+          </a:bodyPr>
           <a:lstStyle>
             <a:lvl1pPr indent="-317500" lvl="0" marL="457200">
               <a:spcBef>
@@ -3591,7 +4732,9 @@
           </a:prstGeom>
         </p:spPr>
         <p:txBody>
-          <a:bodyPr anchorCtr="0" anchor="t" bIns="91425" lIns="91425" spcFirstLastPara="1" rIns="91425" wrap="square" tIns="91425"/>
+          <a:bodyPr anchorCtr="0" anchor="t" bIns="91425" lIns="91425" spcFirstLastPara="1" rIns="91425" wrap="square" tIns="91425">
+            <a:noAutofit/>
+          </a:bodyPr>
           <a:lstStyle>
             <a:lvl1pPr lvl="0">
               <a:spcBef>
@@ -3816,7 +4959,9 @@
           </a:prstGeom>
         </p:spPr>
         <p:txBody>
-          <a:bodyPr anchorCtr="0" anchor="b" bIns="91425" lIns="91425" spcFirstLastPara="1" rIns="91425" wrap="square" tIns="91425"/>
+          <a:bodyPr anchorCtr="0" anchor="b" bIns="91425" lIns="91425" spcFirstLastPara="1" rIns="91425" wrap="square" tIns="91425">
+            <a:noAutofit/>
+          </a:bodyPr>
           <a:lstStyle>
             <a:lvl1pPr lvl="0">
               <a:spcBef>
@@ -3939,7 +5084,9 @@
           </a:prstGeom>
         </p:spPr>
         <p:txBody>
-          <a:bodyPr anchorCtr="0" anchor="t" bIns="91425" lIns="91425" spcFirstLastPara="1" rIns="91425" wrap="square" tIns="91425"/>
+          <a:bodyPr anchorCtr="0" anchor="t" bIns="91425" lIns="91425" spcFirstLastPara="1" rIns="91425" wrap="square" tIns="91425">
+            <a:noAutofit/>
+          </a:bodyPr>
           <a:lstStyle>
             <a:lvl1pPr indent="-304800" lvl="0" marL="457200">
               <a:spcBef>
@@ -4164,7 +5311,9 @@
           </a:prstGeom>
         </p:spPr>
         <p:txBody>
-          <a:bodyPr anchorCtr="0" anchor="ctr" bIns="91425" lIns="91425" spcFirstLastPara="1" rIns="91425" wrap="square" tIns="91425"/>
+          <a:bodyPr anchorCtr="0" anchor="ctr" bIns="91425" lIns="91425" spcFirstLastPara="1" rIns="91425" wrap="square" tIns="91425">
+            <a:noAutofit/>
+          </a:bodyPr>
           <a:lstStyle>
             <a:lvl1pPr lvl="0">
               <a:spcBef>
@@ -4432,7 +5581,9 @@
           </a:prstGeom>
         </p:spPr>
         <p:txBody>
-          <a:bodyPr anchorCtr="0" anchor="b" bIns="91425" lIns="91425" spcFirstLastPara="1" rIns="91425" wrap="square" tIns="91425"/>
+          <a:bodyPr anchorCtr="0" anchor="b" bIns="91425" lIns="91425" spcFirstLastPara="1" rIns="91425" wrap="square" tIns="91425">
+            <a:noAutofit/>
+          </a:bodyPr>
           <a:lstStyle>
             <a:lvl1pPr lvl="0" algn="ctr">
               <a:spcBef>
@@ -4555,7 +5706,9 @@
           </a:prstGeom>
         </p:spPr>
         <p:txBody>
-          <a:bodyPr anchorCtr="0" anchor="t" bIns="91425" lIns="91425" spcFirstLastPara="1" rIns="91425" wrap="square" tIns="91425"/>
+          <a:bodyPr anchorCtr="0" anchor="t" bIns="91425" lIns="91425" spcFirstLastPara="1" rIns="91425" wrap="square" tIns="91425">
+            <a:noAutofit/>
+          </a:bodyPr>
           <a:lstStyle>
             <a:lvl1pPr lvl="0" algn="ctr">
               <a:lnSpc>
@@ -4705,7 +5858,9 @@
           </a:prstGeom>
         </p:spPr>
         <p:txBody>
-          <a:bodyPr anchorCtr="0" anchor="ctr" bIns="91425" lIns="91425" spcFirstLastPara="1" rIns="91425" wrap="square" tIns="91425"/>
+          <a:bodyPr anchorCtr="0" anchor="ctr" bIns="91425" lIns="91425" spcFirstLastPara="1" rIns="91425" wrap="square" tIns="91425">
+            <a:noAutofit/>
+          </a:bodyPr>
           <a:lstStyle>
             <a:lvl1pPr indent="-342900" lvl="0" marL="457200">
               <a:spcBef>
@@ -4930,7 +6085,9 @@
           </a:prstGeom>
         </p:spPr>
         <p:txBody>
-          <a:bodyPr anchorCtr="0" anchor="ctr" bIns="91425" lIns="91425" spcFirstLastPara="1" rIns="91425" wrap="square" tIns="91425"/>
+          <a:bodyPr anchorCtr="0" anchor="ctr" bIns="91425" lIns="91425" spcFirstLastPara="1" rIns="91425" wrap="square" tIns="91425">
+            <a:noAutofit/>
+          </a:bodyPr>
           <a:lstStyle>
             <a:lvl1pPr indent="-228600" lvl="0" marL="457200">
               <a:lnSpc>
@@ -5081,7 +6238,9 @@
           </a:ln>
         </p:spPr>
         <p:txBody>
-          <a:bodyPr anchorCtr="0" anchor="t" bIns="91425" lIns="91425" spcFirstLastPara="1" rIns="91425" wrap="square" tIns="91425"/>
+          <a:bodyPr anchorCtr="0" anchor="t" bIns="91425" lIns="91425" spcFirstLastPara="1" rIns="91425" wrap="square" tIns="91425">
+            <a:noAutofit/>
+          </a:bodyPr>
           <a:lstStyle>
             <a:lvl1pPr lvl="0">
               <a:spcBef>
@@ -5271,7 +6430,9 @@
           </a:ln>
         </p:spPr>
         <p:txBody>
-          <a:bodyPr anchorCtr="0" anchor="t" bIns="91425" lIns="91425" spcFirstLastPara="1" rIns="91425" wrap="square" tIns="91425"/>
+          <a:bodyPr anchorCtr="0" anchor="t" bIns="91425" lIns="91425" spcFirstLastPara="1" rIns="91425" wrap="square" tIns="91425">
+            <a:noAutofit/>
+          </a:bodyPr>
           <a:lstStyle>
             <a:lvl1pPr indent="-342900" lvl="0" marL="457200">
               <a:lnSpc>
@@ -5598,6 +6759,7 @@
     <p:sldLayoutId id="2147483656" r:id="rId9"/>
     <p:sldLayoutId id="2147483657" r:id="rId10"/>
     <p:sldLayoutId id="2147483658" r:id="rId11"/>
+    <p:sldLayoutId id="2147483659" r:id="rId12"/>
   </p:sldLayoutIdLst>
   <p:hf dt="0" ftr="0" hdr="0" sldNum="0"/>
   <p:txStyles>
@@ -6297,7 +7459,7 @@
   <p:cSld>
     <p:spTree>
       <p:nvGrpSpPr>
-        <p:cNvPr id="53" name="Shape 53"/>
+        <p:cNvPr id="58" name="Shape 58"/>
         <p:cNvGrpSpPr/>
         <p:nvPr/>
       </p:nvGrpSpPr>
@@ -6311,7 +7473,7 @@
       </p:grpSpPr>
       <p:sp>
         <p:nvSpPr>
-          <p:cNvPr id="54" name="Google Shape;54;p13"/>
+          <p:cNvPr id="59" name="Google Shape;59;p14"/>
           <p:cNvSpPr txBox="1"/>
           <p:nvPr>
             <p:ph type="ctrTitle"/>
@@ -6351,7 +7513,7 @@
       </p:sp>
       <p:sp>
         <p:nvSpPr>
-          <p:cNvPr id="55" name="Google Shape;55;p13"/>
+          <p:cNvPr id="60" name="Google Shape;60;p14"/>
           <p:cNvSpPr txBox="1"/>
           <p:nvPr>
             <p:ph idx="1" type="subTitle"/>
@@ -6402,7 +7564,7 @@
   <p:cSld>
     <p:spTree>
       <p:nvGrpSpPr>
-        <p:cNvPr id="112" name="Shape 112"/>
+        <p:cNvPr id="117" name="Shape 117"/>
         <p:cNvGrpSpPr/>
         <p:nvPr/>
       </p:nvGrpSpPr>
@@ -6416,7 +7578,356 @@
       </p:grpSpPr>
       <p:sp>
         <p:nvSpPr>
-          <p:cNvPr id="113" name="Google Shape;113;p22"/>
+          <p:cNvPr id="118" name="Google Shape;118;p23"/>
+          <p:cNvSpPr txBox="1"/>
+          <p:nvPr/>
+        </p:nvSpPr>
+        <p:spPr>
+          <a:xfrm>
+            <a:off x="311700" y="445025"/>
+            <a:ext cx="8520600" cy="572700"/>
+          </a:xfrm>
+          <a:prstGeom prst="rect">
+            <a:avLst/>
+          </a:prstGeom>
+          <a:noFill/>
+          <a:ln>
+            <a:noFill/>
+          </a:ln>
+        </p:spPr>
+        <p:txBody>
+          <a:bodyPr anchorCtr="0" anchor="t" bIns="91425" lIns="91425" spcFirstLastPara="1" rIns="91425" wrap="square" tIns="91425">
+            <a:noAutofit/>
+          </a:bodyPr>
+          <a:lstStyle/>
+          <a:p>
+            <a:pPr indent="0" lvl="0" marL="0" rtl="0" algn="l">
+              <a:spcBef>
+                <a:spcPts val="0"/>
+              </a:spcBef>
+              <a:spcAft>
+                <a:spcPts val="0"/>
+              </a:spcAft>
+              <a:buNone/>
+            </a:pPr>
+            <a:r>
+              <a:rPr lang="en-GB" sz="2800">
+                <a:solidFill>
+                  <a:srgbClr val="000000"/>
+                </a:solidFill>
+              </a:rPr>
+              <a:t>Zadatak </a:t>
+            </a:r>
+            <a:r>
+              <a:rPr lang="en-GB" sz="2800"/>
+              <a:t>2</a:t>
+            </a:r>
+            <a:endParaRPr sz="2800">
+              <a:solidFill>
+                <a:srgbClr val="000000"/>
+              </a:solidFill>
+            </a:endParaRPr>
+          </a:p>
+          <a:p>
+            <a:pPr indent="0" lvl="0" marL="0" rtl="0" algn="l">
+              <a:spcBef>
+                <a:spcPts val="0"/>
+              </a:spcBef>
+              <a:spcAft>
+                <a:spcPts val="0"/>
+              </a:spcAft>
+              <a:buNone/>
+            </a:pPr>
+            <a:r>
+              <a:t/>
+            </a:r>
+            <a:endParaRPr sz="2800">
+              <a:solidFill>
+                <a:srgbClr val="000000"/>
+              </a:solidFill>
+            </a:endParaRPr>
+          </a:p>
+        </p:txBody>
+      </p:sp>
+      <p:pic>
+        <p:nvPicPr>
+          <p:cNvPr id="119" name="Google Shape;119;p23"/>
+          <p:cNvPicPr preferRelativeResize="0"/>
+          <p:nvPr/>
+        </p:nvPicPr>
+        <p:blipFill rotWithShape="1">
+          <a:blip r:embed="rId3">
+            <a:alphaModFix/>
+          </a:blip>
+          <a:srcRect b="6901" l="12461" r="12961" t="7261"/>
+          <a:stretch/>
+        </p:blipFill>
+        <p:spPr>
+          <a:xfrm>
+            <a:off x="6106474" y="1291350"/>
+            <a:ext cx="2865733" cy="2473599"/>
+          </a:xfrm>
+          <a:prstGeom prst="rect">
+            <a:avLst/>
+          </a:prstGeom>
+          <a:noFill/>
+          <a:ln cap="flat" cmpd="sng" w="9525">
+            <a:solidFill>
+              <a:srgbClr val="595959"/>
+            </a:solidFill>
+            <a:prstDash val="solid"/>
+            <a:round/>
+            <a:headEnd len="sm" w="sm" type="none"/>
+            <a:tailEnd len="sm" w="sm" type="none"/>
+          </a:ln>
+        </p:spPr>
+      </p:pic>
+      <p:sp>
+        <p:nvSpPr>
+          <p:cNvPr id="120" name="Google Shape;120;p23"/>
+          <p:cNvSpPr txBox="1"/>
+          <p:nvPr/>
+        </p:nvSpPr>
+        <p:spPr>
+          <a:xfrm>
+            <a:off x="311700" y="1282688"/>
+            <a:ext cx="5692500" cy="2367000"/>
+          </a:xfrm>
+          <a:prstGeom prst="rect">
+            <a:avLst/>
+          </a:prstGeom>
+          <a:noFill/>
+          <a:ln>
+            <a:noFill/>
+          </a:ln>
+        </p:spPr>
+        <p:txBody>
+          <a:bodyPr anchorCtr="0" anchor="t" bIns="91425" lIns="91425" spcFirstLastPara="1" rIns="91425" wrap="square" tIns="91425">
+            <a:noAutofit/>
+          </a:bodyPr>
+          <a:lstStyle/>
+          <a:p>
+            <a:pPr indent="0" lvl="0" marL="0" rtl="0" algn="just">
+              <a:lnSpc>
+                <a:spcPct val="115000"/>
+              </a:lnSpc>
+              <a:spcBef>
+                <a:spcPts val="0"/>
+              </a:spcBef>
+              <a:spcAft>
+                <a:spcPts val="1600"/>
+              </a:spcAft>
+              <a:buNone/>
+            </a:pPr>
+            <a:r>
+              <a:rPr lang="en-GB" sz="1800">
+                <a:solidFill>
+                  <a:srgbClr val="595959"/>
+                </a:solidFill>
+              </a:rPr>
+              <a:t>Odraditi </a:t>
+            </a:r>
+            <a:r>
+              <a:rPr i="1" lang="en-GB" sz="1800">
+                <a:solidFill>
+                  <a:srgbClr val="595959"/>
+                </a:solidFill>
+              </a:rPr>
+              <a:t>deployment </a:t>
+            </a:r>
+            <a:r>
+              <a:rPr lang="en-GB" sz="1800">
+                <a:solidFill>
+                  <a:srgbClr val="595959"/>
+                </a:solidFill>
+              </a:rPr>
+              <a:t>aplikacije za glasanje čija je arhitektura prikazana na slici. Aplikacija se sastoji od 5 različitih mikroservisa i svaki je potrebno pokrenuti u zasebnom kontejneru. Za </a:t>
+            </a:r>
+            <a:r>
+              <a:rPr i="1" lang="en-GB" sz="1800">
+                <a:solidFill>
+                  <a:srgbClr val="595959"/>
+                </a:solidFill>
+              </a:rPr>
+              <a:t>voting, result </a:t>
+            </a:r>
+            <a:r>
+              <a:rPr lang="en-GB" sz="1800">
+                <a:solidFill>
+                  <a:srgbClr val="595959"/>
+                </a:solidFill>
+              </a:rPr>
+              <a:t>i </a:t>
+            </a:r>
+            <a:r>
+              <a:rPr i="1" lang="en-GB" sz="1800">
+                <a:solidFill>
+                  <a:srgbClr val="595959"/>
+                </a:solidFill>
+              </a:rPr>
+              <a:t>worker </a:t>
+            </a:r>
+            <a:r>
+              <a:rPr lang="en-GB" sz="1800">
+                <a:solidFill>
+                  <a:srgbClr val="595959"/>
+                </a:solidFill>
+              </a:rPr>
+              <a:t>serise su dostupne </a:t>
+            </a:r>
+            <a:r>
+              <a:rPr i="1" lang="en-GB" sz="1800">
+                <a:solidFill>
+                  <a:srgbClr val="595959"/>
+                </a:solidFill>
+              </a:rPr>
+              <a:t>Dockerfile </a:t>
+            </a:r>
+            <a:r>
+              <a:rPr lang="en-GB" sz="1800">
+                <a:solidFill>
+                  <a:srgbClr val="595959"/>
+                </a:solidFill>
+              </a:rPr>
+              <a:t>datoteke, dok je </a:t>
+            </a:r>
+            <a:r>
+              <a:rPr i="1" lang="en-GB" sz="1800">
+                <a:solidFill>
+                  <a:srgbClr val="595959"/>
+                </a:solidFill>
+              </a:rPr>
+              <a:t>Redis </a:t>
+            </a:r>
+            <a:r>
+              <a:rPr lang="en-GB" sz="1800">
+                <a:solidFill>
+                  <a:srgbClr val="595959"/>
+                </a:solidFill>
+              </a:rPr>
+              <a:t>i </a:t>
+            </a:r>
+            <a:r>
+              <a:rPr i="1" lang="en-GB" sz="1800">
+                <a:solidFill>
+                  <a:srgbClr val="595959"/>
+                </a:solidFill>
+              </a:rPr>
+              <a:t>PostgreSQL </a:t>
+            </a:r>
+            <a:r>
+              <a:rPr lang="en-GB" sz="1800">
+                <a:solidFill>
+                  <a:srgbClr val="595959"/>
+                </a:solidFill>
+              </a:rPr>
+              <a:t>servise potrebno pokrenuti na osnovu zvaničnih slika.</a:t>
+            </a:r>
+            <a:endParaRPr b="1" i="1" sz="1800">
+              <a:solidFill>
+                <a:srgbClr val="595959"/>
+              </a:solidFill>
+            </a:endParaRPr>
+          </a:p>
+        </p:txBody>
+      </p:sp>
+      <p:sp>
+        <p:nvSpPr>
+          <p:cNvPr id="121" name="Google Shape;121;p23"/>
+          <p:cNvSpPr txBox="1"/>
+          <p:nvPr/>
+        </p:nvSpPr>
+        <p:spPr>
+          <a:xfrm>
+            <a:off x="311700" y="4092500"/>
+            <a:ext cx="6579900" cy="762000"/>
+          </a:xfrm>
+          <a:prstGeom prst="rect">
+            <a:avLst/>
+          </a:prstGeom>
+          <a:noFill/>
+          <a:ln>
+            <a:noFill/>
+          </a:ln>
+        </p:spPr>
+        <p:txBody>
+          <a:bodyPr anchorCtr="0" anchor="t" bIns="91425" lIns="91425" spcFirstLastPara="1" rIns="91425" wrap="square" tIns="91425">
+            <a:noAutofit/>
+          </a:bodyPr>
+          <a:lstStyle/>
+          <a:p>
+            <a:pPr indent="0" lvl="0" marL="0" rtl="0" algn="l">
+              <a:lnSpc>
+                <a:spcPct val="115000"/>
+              </a:lnSpc>
+              <a:spcBef>
+                <a:spcPts val="0"/>
+              </a:spcBef>
+              <a:spcAft>
+                <a:spcPts val="1600"/>
+              </a:spcAft>
+              <a:buNone/>
+            </a:pPr>
+            <a:r>
+              <a:rPr b="1" i="1" lang="en-GB" sz="1800">
+                <a:solidFill>
+                  <a:srgbClr val="595959"/>
+                </a:solidFill>
+              </a:rPr>
+              <a:t>Deployment </a:t>
+            </a:r>
+            <a:r>
+              <a:rPr b="1" lang="en-GB" sz="1800">
+                <a:solidFill>
+                  <a:srgbClr val="595959"/>
+                </a:solidFill>
+              </a:rPr>
+              <a:t>odraditi korišćenjem alata </a:t>
+            </a:r>
+            <a:r>
+              <a:rPr b="1" i="1" lang="en-GB" sz="1800">
+                <a:solidFill>
+                  <a:srgbClr val="595959"/>
+                </a:solidFill>
+              </a:rPr>
+              <a:t>docker-compose.</a:t>
+            </a:r>
+            <a:endParaRPr b="1" i="1" sz="1800">
+              <a:solidFill>
+                <a:srgbClr val="595959"/>
+              </a:solidFill>
+            </a:endParaRPr>
+          </a:p>
+        </p:txBody>
+      </p:sp>
+    </p:spTree>
+  </p:cSld>
+  <p:clrMapOvr>
+    <a:masterClrMapping/>
+  </p:clrMapOvr>
+</p:sld>
+</file>
+
+<file path=ppt/slides/slide11.xml><?xml version="1.0" encoding="utf-8"?>
+<p:sld xmlns:a="http://schemas.openxmlformats.org/drawingml/2006/main" xmlns:r="http://schemas.openxmlformats.org/officeDocument/2006/relationships" xmlns:mc="http://schemas.openxmlformats.org/markup-compatibility/2006" xmlns:mv="urn:schemas-microsoft-com:mac:vml" xmlns:p="http://schemas.openxmlformats.org/presentationml/2006/main" xmlns:c="http://schemas.openxmlformats.org/drawingml/2006/chart" xmlns:dgm="http://schemas.openxmlformats.org/drawingml/2006/diagram" xmlns:o="urn:schemas-microsoft-com:office:office" xmlns:v="urn:schemas-microsoft-com:vml" xmlns:pvml="urn:schemas-microsoft-com:office:powerpoint" xmlns:com="http://schemas.openxmlformats.org/drawingml/2006/compatibility" xmlns:p14="http://schemas.microsoft.com/office/powerpoint/2010/main" xmlns:p15="http://schemas.microsoft.com/office/powerpoint/2012/main">
+  <p:cSld>
+    <p:spTree>
+      <p:nvGrpSpPr>
+        <p:cNvPr id="125" name="Shape 125"/>
+        <p:cNvGrpSpPr/>
+        <p:nvPr/>
+      </p:nvGrpSpPr>
+      <p:grpSpPr>
+        <a:xfrm>
+          <a:off x="0" y="0"/>
+          <a:ext cx="0" cy="0"/>
+          <a:chOff x="0" y="0"/>
+          <a:chExt cx="0" cy="0"/>
+        </a:xfrm>
+      </p:grpSpPr>
+      <p:sp>
+        <p:nvSpPr>
+          <p:cNvPr id="126" name="Google Shape;126;p24"/>
           <p:cNvSpPr txBox="1"/>
           <p:nvPr>
             <p:ph type="title"/>
@@ -6444,11 +7955,31 @@
               <a:spcAft>
                 <a:spcPts val="0"/>
               </a:spcAft>
+              <a:buClr>
+                <a:schemeClr val="dk1"/>
+              </a:buClr>
+              <a:buSzPts val="1100"/>
+              <a:buFont typeface="Arial"/>
               <a:buNone/>
             </a:pPr>
             <a:r>
               <a:rPr lang="en-GB"/>
-              <a:t>Zadatak 3</a:t>
+              <a:t>Zadatak 2</a:t>
+            </a:r>
+            <a:endParaRPr/>
+          </a:p>
+          <a:p>
+            <a:pPr indent="0" lvl="0" marL="0" rtl="0" algn="l">
+              <a:spcBef>
+                <a:spcPts val="0"/>
+              </a:spcBef>
+              <a:spcAft>
+                <a:spcPts val="0"/>
+              </a:spcAft>
+              <a:buNone/>
+            </a:pPr>
+            <a:r>
+              <a:t/>
             </a:r>
             <a:endParaRPr/>
           </a:p>
@@ -6456,7 +7987,1329 @@
       </p:sp>
       <p:sp>
         <p:nvSpPr>
-          <p:cNvPr id="114" name="Google Shape;114;p22"/>
+          <p:cNvPr id="127" name="Google Shape;127;p24"/>
+          <p:cNvSpPr txBox="1"/>
+          <p:nvPr>
+            <p:ph idx="1" type="body"/>
+          </p:nvPr>
+        </p:nvSpPr>
+        <p:spPr>
+          <a:xfrm>
+            <a:off x="311700" y="1076275"/>
+            <a:ext cx="8520600" cy="3914400"/>
+          </a:xfrm>
+          <a:prstGeom prst="rect">
+            <a:avLst/>
+          </a:prstGeom>
+        </p:spPr>
+        <p:txBody>
+          <a:bodyPr anchorCtr="0" anchor="t" bIns="91425" lIns="91425" spcFirstLastPara="1" rIns="91425" wrap="square" tIns="91425">
+            <a:noAutofit/>
+          </a:bodyPr>
+          <a:lstStyle/>
+          <a:p>
+            <a:pPr indent="0" lvl="0" marL="0" rtl="0" algn="just">
+              <a:spcBef>
+                <a:spcPts val="0"/>
+              </a:spcBef>
+              <a:spcAft>
+                <a:spcPts val="0"/>
+              </a:spcAft>
+              <a:buNone/>
+            </a:pPr>
+            <a:r>
+              <a:rPr lang="en-GB"/>
+              <a:t>Aplikacija se sastoji od 5 mikroservisa:</a:t>
+            </a:r>
+            <a:endParaRPr/>
+          </a:p>
+          <a:p>
+            <a:pPr indent="-298450" lvl="0" marL="457200" rtl="0" algn="l">
+              <a:spcBef>
+                <a:spcPts val="1600"/>
+              </a:spcBef>
+              <a:spcAft>
+                <a:spcPts val="0"/>
+              </a:spcAft>
+              <a:buClr>
+                <a:schemeClr val="dk1"/>
+              </a:buClr>
+              <a:buSzPts val="1100"/>
+              <a:buChar char="●"/>
+            </a:pPr>
+            <a:r>
+              <a:rPr i="1" lang="en-GB"/>
+              <a:t>Python web </a:t>
+            </a:r>
+            <a:r>
+              <a:rPr lang="en-GB"/>
+              <a:t>aplikacija koja omogućava glasanje između dve ponuđene opcije (pasa i mačaka :) )</a:t>
+            </a:r>
+            <a:endParaRPr/>
+          </a:p>
+          <a:p>
+            <a:pPr indent="-298450" lvl="0" marL="457200" rtl="0" algn="l">
+              <a:spcBef>
+                <a:spcPts val="0"/>
+              </a:spcBef>
+              <a:spcAft>
+                <a:spcPts val="0"/>
+              </a:spcAft>
+              <a:buClr>
+                <a:schemeClr val="dk1"/>
+              </a:buClr>
+              <a:buSzPts val="1100"/>
+              <a:buChar char="●"/>
+            </a:pPr>
+            <a:r>
+              <a:rPr i="1" lang="en-GB"/>
+              <a:t>Redis </a:t>
+            </a:r>
+            <a:r>
+              <a:rPr lang="en-GB"/>
+              <a:t>red pomoću kog se sakupljaju novi glasovi</a:t>
+            </a:r>
+            <a:endParaRPr/>
+          </a:p>
+          <a:p>
+            <a:pPr indent="-298450" lvl="0" marL="457200" rtl="0" algn="l">
+              <a:spcBef>
+                <a:spcPts val="0"/>
+              </a:spcBef>
+              <a:spcAft>
+                <a:spcPts val="0"/>
+              </a:spcAft>
+              <a:buClr>
+                <a:schemeClr val="dk1"/>
+              </a:buClr>
+              <a:buSzPts val="1100"/>
+              <a:buChar char="●"/>
+            </a:pPr>
+            <a:r>
+              <a:rPr lang="en-GB"/>
+              <a:t>.NET </a:t>
+            </a:r>
+            <a:r>
+              <a:rPr i="1" lang="en-GB"/>
+              <a:t>worker </a:t>
+            </a:r>
+            <a:r>
+              <a:rPr lang="en-GB"/>
+              <a:t>koji preuzima glasove i skladišti ih u bazu podataka</a:t>
+            </a:r>
+            <a:endParaRPr/>
+          </a:p>
+          <a:p>
+            <a:pPr indent="-298450" lvl="0" marL="457200" rtl="0" algn="l">
+              <a:spcBef>
+                <a:spcPts val="0"/>
+              </a:spcBef>
+              <a:spcAft>
+                <a:spcPts val="0"/>
+              </a:spcAft>
+              <a:buClr>
+                <a:schemeClr val="dk1"/>
+              </a:buClr>
+              <a:buSzPts val="1100"/>
+              <a:buChar char="●"/>
+            </a:pPr>
+            <a:r>
+              <a:rPr i="1" lang="en-GB"/>
+              <a:t>Postgres </a:t>
+            </a:r>
+            <a:r>
+              <a:rPr lang="en-GB"/>
+              <a:t>baza podataka podržana </a:t>
+            </a:r>
+            <a:r>
+              <a:rPr i="1" lang="en-GB"/>
+              <a:t>Docker </a:t>
+            </a:r>
+            <a:r>
+              <a:rPr lang="en-GB"/>
+              <a:t>skladištem</a:t>
+            </a:r>
+            <a:endParaRPr/>
+          </a:p>
+          <a:p>
+            <a:pPr indent="-298450" lvl="0" marL="457200" rtl="0" algn="l">
+              <a:spcBef>
+                <a:spcPts val="0"/>
+              </a:spcBef>
+              <a:spcAft>
+                <a:spcPts val="0"/>
+              </a:spcAft>
+              <a:buClr>
+                <a:schemeClr val="dk1"/>
+              </a:buClr>
+              <a:buSzPts val="1100"/>
+              <a:buChar char="●"/>
+            </a:pPr>
+            <a:r>
+              <a:rPr i="1" lang="en-GB"/>
+              <a:t>Node.js</a:t>
+            </a:r>
+            <a:r>
+              <a:rPr lang="en-GB"/>
+              <a:t> </a:t>
+            </a:r>
+            <a:r>
+              <a:rPr i="1" lang="en-GB"/>
+              <a:t>web </a:t>
+            </a:r>
+            <a:r>
+              <a:rPr lang="en-GB"/>
+              <a:t>aplikacija koja omogućava prikaz rezultata glasanja u realnom vremenu </a:t>
+            </a:r>
+            <a:endParaRPr/>
+          </a:p>
+          <a:p>
+            <a:pPr indent="0" lvl="0" marL="0" rtl="0" algn="just">
+              <a:spcBef>
+                <a:spcPts val="0"/>
+              </a:spcBef>
+              <a:spcAft>
+                <a:spcPts val="0"/>
+              </a:spcAft>
+              <a:buClr>
+                <a:schemeClr val="dk1"/>
+              </a:buClr>
+              <a:buSzPts val="1100"/>
+              <a:buFont typeface="Arial"/>
+              <a:buNone/>
+            </a:pPr>
+            <a:r>
+              <a:t/>
+            </a:r>
+            <a:endParaRPr/>
+          </a:p>
+          <a:p>
+            <a:pPr indent="457200" lvl="0" marL="0" rtl="0" algn="just">
+              <a:spcBef>
+                <a:spcPts val="1600"/>
+              </a:spcBef>
+              <a:spcAft>
+                <a:spcPts val="1600"/>
+              </a:spcAft>
+              <a:buNone/>
+            </a:pPr>
+            <a:r>
+              <a:t/>
+            </a:r>
+            <a:endParaRPr/>
+          </a:p>
+        </p:txBody>
+      </p:sp>
+    </p:spTree>
+  </p:cSld>
+  <p:clrMapOvr>
+    <a:masterClrMapping/>
+  </p:clrMapOvr>
+</p:sld>
+</file>
+
+<file path=ppt/slides/slide12.xml><?xml version="1.0" encoding="utf-8"?>
+<p:sld xmlns:a="http://schemas.openxmlformats.org/drawingml/2006/main" xmlns:r="http://schemas.openxmlformats.org/officeDocument/2006/relationships" xmlns:mc="http://schemas.openxmlformats.org/markup-compatibility/2006" xmlns:mv="urn:schemas-microsoft-com:mac:vml" xmlns:p="http://schemas.openxmlformats.org/presentationml/2006/main" xmlns:c="http://schemas.openxmlformats.org/drawingml/2006/chart" xmlns:dgm="http://schemas.openxmlformats.org/drawingml/2006/diagram" xmlns:o="urn:schemas-microsoft-com:office:office" xmlns:v="urn:schemas-microsoft-com:vml" xmlns:pvml="urn:schemas-microsoft-com:office:powerpoint" xmlns:com="http://schemas.openxmlformats.org/drawingml/2006/compatibility" xmlns:p14="http://schemas.microsoft.com/office/powerpoint/2010/main" xmlns:p15="http://schemas.microsoft.com/office/powerpoint/2012/main">
+  <p:cSld>
+    <p:spTree>
+      <p:nvGrpSpPr>
+        <p:cNvPr id="131" name="Shape 131"/>
+        <p:cNvGrpSpPr/>
+        <p:nvPr/>
+      </p:nvGrpSpPr>
+      <p:grpSpPr>
+        <a:xfrm>
+          <a:off x="0" y="0"/>
+          <a:ext cx="0" cy="0"/>
+          <a:chOff x="0" y="0"/>
+          <a:chExt cx="0" cy="0"/>
+        </a:xfrm>
+      </p:grpSpPr>
+      <p:sp>
+        <p:nvSpPr>
+          <p:cNvPr id="132" name="Google Shape;132;p25"/>
+          <p:cNvSpPr txBox="1"/>
+          <p:nvPr>
+            <p:ph type="title"/>
+          </p:nvPr>
+        </p:nvSpPr>
+        <p:spPr>
+          <a:xfrm>
+            <a:off x="311700" y="445025"/>
+            <a:ext cx="8520600" cy="572700"/>
+          </a:xfrm>
+          <a:prstGeom prst="rect">
+            <a:avLst/>
+          </a:prstGeom>
+        </p:spPr>
+        <p:txBody>
+          <a:bodyPr anchorCtr="0" anchor="t" bIns="91425" lIns="91425" spcFirstLastPara="1" rIns="91425" wrap="square" tIns="91425">
+            <a:noAutofit/>
+          </a:bodyPr>
+          <a:lstStyle/>
+          <a:p>
+            <a:pPr indent="0" lvl="0" marL="0" rtl="0" algn="l">
+              <a:spcBef>
+                <a:spcPts val="0"/>
+              </a:spcBef>
+              <a:spcAft>
+                <a:spcPts val="0"/>
+              </a:spcAft>
+              <a:buClr>
+                <a:schemeClr val="dk1"/>
+              </a:buClr>
+              <a:buSzPts val="1100"/>
+              <a:buFont typeface="Arial"/>
+              <a:buNone/>
+            </a:pPr>
+            <a:r>
+              <a:rPr lang="en-GB"/>
+              <a:t>Zadatak 2</a:t>
+            </a:r>
+            <a:endParaRPr/>
+          </a:p>
+          <a:p>
+            <a:pPr indent="0" lvl="0" marL="0" rtl="0" algn="l">
+              <a:spcBef>
+                <a:spcPts val="0"/>
+              </a:spcBef>
+              <a:spcAft>
+                <a:spcPts val="0"/>
+              </a:spcAft>
+              <a:buNone/>
+            </a:pPr>
+            <a:r>
+              <a:t/>
+            </a:r>
+            <a:endParaRPr/>
+          </a:p>
+        </p:txBody>
+      </p:sp>
+      <p:sp>
+        <p:nvSpPr>
+          <p:cNvPr id="133" name="Google Shape;133;p25"/>
+          <p:cNvSpPr txBox="1"/>
+          <p:nvPr>
+            <p:ph idx="1" type="body"/>
+          </p:nvPr>
+        </p:nvSpPr>
+        <p:spPr>
+          <a:xfrm>
+            <a:off x="311700" y="1076275"/>
+            <a:ext cx="8520600" cy="3914400"/>
+          </a:xfrm>
+          <a:prstGeom prst="rect">
+            <a:avLst/>
+          </a:prstGeom>
+        </p:spPr>
+        <p:txBody>
+          <a:bodyPr anchorCtr="0" anchor="t" bIns="91425" lIns="91425" spcFirstLastPara="1" rIns="91425" wrap="square" tIns="91425">
+            <a:noAutofit/>
+          </a:bodyPr>
+          <a:lstStyle/>
+          <a:p>
+            <a:pPr indent="457200" lvl="0" marL="0" rtl="0" algn="just">
+              <a:spcBef>
+                <a:spcPts val="0"/>
+              </a:spcBef>
+              <a:spcAft>
+                <a:spcPts val="0"/>
+              </a:spcAft>
+              <a:buNone/>
+            </a:pPr>
+            <a:r>
+              <a:rPr lang="en-GB"/>
+              <a:t>Arhitektura podrazumeva da postoje dve mreže (</a:t>
+            </a:r>
+            <a:r>
+              <a:rPr i="1" lang="en-GB"/>
+              <a:t>network</a:t>
+            </a:r>
+            <a:r>
+              <a:rPr lang="en-GB"/>
+              <a:t>) - mreža pozadinskog nivoa, koja služi za komunikaciju svih servisa (svi servisi bi trebalo da budu povezani na nju) i mreža prednjeg nivoa koja služi za povezivanje </a:t>
+            </a:r>
+            <a:r>
+              <a:rPr i="1" lang="en-GB"/>
+              <a:t>vote </a:t>
+            </a:r>
+            <a:r>
+              <a:rPr lang="en-GB"/>
+              <a:t>i </a:t>
+            </a:r>
+            <a:r>
+              <a:rPr i="1" lang="en-GB"/>
+              <a:t>result </a:t>
+            </a:r>
+            <a:r>
+              <a:rPr lang="en-GB"/>
+              <a:t>servisa aplikacije.</a:t>
+            </a:r>
+            <a:endParaRPr/>
+          </a:p>
+          <a:p>
+            <a:pPr indent="457200" lvl="0" marL="0" rtl="0" algn="just">
+              <a:spcBef>
+                <a:spcPts val="1600"/>
+              </a:spcBef>
+              <a:spcAft>
+                <a:spcPts val="0"/>
+              </a:spcAft>
+              <a:buNone/>
+            </a:pPr>
+            <a:r>
+              <a:rPr lang="en-GB"/>
+              <a:t>Za </a:t>
+            </a:r>
+            <a:r>
+              <a:rPr i="1" lang="en-GB"/>
+              <a:t>Redis</a:t>
+            </a:r>
+            <a:r>
+              <a:rPr lang="en-GB"/>
+              <a:t> seris je pri pokretanju potrebno namapirati port 6379 na port 6379;  za </a:t>
+            </a:r>
+            <a:r>
+              <a:rPr i="1" lang="en-GB"/>
+              <a:t>result </a:t>
+            </a:r>
+            <a:r>
+              <a:rPr lang="en-GB"/>
+              <a:t>servis je potrebno namapirati port 5000 na port 80, kao i port 5858 na port 5858; za </a:t>
+            </a:r>
+            <a:r>
+              <a:rPr i="1" lang="en-GB"/>
+              <a:t>vote </a:t>
+            </a:r>
+            <a:r>
+              <a:rPr lang="en-GB"/>
+              <a:t>servis je potrebno namapirati port 5001 na port 80.</a:t>
+            </a:r>
+            <a:endParaRPr/>
+          </a:p>
+          <a:p>
+            <a:pPr indent="457200" lvl="0" marL="0" rtl="0" algn="just">
+              <a:spcBef>
+                <a:spcPts val="1600"/>
+              </a:spcBef>
+              <a:spcAft>
+                <a:spcPts val="0"/>
+              </a:spcAft>
+              <a:buNone/>
+            </a:pPr>
+            <a:r>
+              <a:rPr lang="en-GB"/>
+              <a:t>Za </a:t>
+            </a:r>
+            <a:r>
+              <a:rPr i="1" lang="en-GB"/>
+              <a:t>PostgreSQL</a:t>
+            </a:r>
+            <a:r>
+              <a:rPr lang="en-GB"/>
+              <a:t> servis je potrebno obezbediti skladište podataka koje se mapira na </a:t>
+            </a:r>
+            <a:r>
+              <a:rPr i="1" lang="en-GB"/>
+              <a:t>/var/lib/postgresql/data</a:t>
+            </a:r>
+            <a:r>
+              <a:rPr lang="en-GB"/>
+              <a:t> direktorijum, a za </a:t>
+            </a:r>
+            <a:r>
+              <a:rPr i="1" lang="en-GB"/>
+              <a:t>vote </a:t>
+            </a:r>
+            <a:r>
+              <a:rPr lang="en-GB"/>
+              <a:t>i </a:t>
+            </a:r>
+            <a:r>
+              <a:rPr i="1" lang="en-GB"/>
+              <a:t>result </a:t>
+            </a:r>
+            <a:r>
+              <a:rPr lang="en-GB"/>
+              <a:t>servis skladišta koja mapirau </a:t>
+            </a:r>
+            <a:r>
+              <a:rPr i="1" lang="en-GB"/>
+              <a:t>/app </a:t>
+            </a:r>
+            <a:r>
+              <a:rPr lang="en-GB"/>
+              <a:t>direktorijum na </a:t>
+            </a:r>
+            <a:r>
+              <a:rPr i="1" lang="en-GB"/>
+              <a:t>vote</a:t>
+            </a:r>
+            <a:r>
+              <a:rPr lang="en-GB"/>
+              <a:t>, odnosno </a:t>
+            </a:r>
+            <a:r>
+              <a:rPr i="1" lang="en-GB"/>
+              <a:t>result </a:t>
+            </a:r>
+            <a:r>
+              <a:rPr lang="en-GB"/>
+              <a:t>direktorijum </a:t>
+            </a:r>
+            <a:r>
+              <a:rPr i="1" lang="en-GB"/>
+              <a:t>host </a:t>
+            </a:r>
+            <a:r>
+              <a:rPr lang="en-GB"/>
+              <a:t>operativnog sistema.</a:t>
+            </a:r>
+            <a:endParaRPr/>
+          </a:p>
+          <a:p>
+            <a:pPr indent="457200" lvl="0" marL="0" rtl="0" algn="just">
+              <a:spcBef>
+                <a:spcPts val="1600"/>
+              </a:spcBef>
+              <a:spcAft>
+                <a:spcPts val="1600"/>
+              </a:spcAft>
+              <a:buNone/>
+            </a:pPr>
+            <a:r>
+              <a:t/>
+            </a:r>
+            <a:endParaRPr/>
+          </a:p>
+        </p:txBody>
+      </p:sp>
+    </p:spTree>
+  </p:cSld>
+  <p:clrMapOvr>
+    <a:masterClrMapping/>
+  </p:clrMapOvr>
+</p:sld>
+</file>
+
+<file path=ppt/slides/slide13.xml><?xml version="1.0" encoding="utf-8"?>
+<p:sld xmlns:a="http://schemas.openxmlformats.org/drawingml/2006/main" xmlns:r="http://schemas.openxmlformats.org/officeDocument/2006/relationships" xmlns:mc="http://schemas.openxmlformats.org/markup-compatibility/2006" xmlns:mv="urn:schemas-microsoft-com:mac:vml" xmlns:p="http://schemas.openxmlformats.org/presentationml/2006/main" xmlns:c="http://schemas.openxmlformats.org/drawingml/2006/chart" xmlns:dgm="http://schemas.openxmlformats.org/drawingml/2006/diagram" xmlns:o="urn:schemas-microsoft-com:office:office" xmlns:v="urn:schemas-microsoft-com:vml" xmlns:pvml="urn:schemas-microsoft-com:office:powerpoint" xmlns:com="http://schemas.openxmlformats.org/drawingml/2006/compatibility" xmlns:p14="http://schemas.microsoft.com/office/powerpoint/2010/main" xmlns:p15="http://schemas.microsoft.com/office/powerpoint/2012/main">
+  <p:cSld>
+    <p:spTree>
+      <p:nvGrpSpPr>
+        <p:cNvPr id="137" name="Shape 137"/>
+        <p:cNvGrpSpPr/>
+        <p:nvPr/>
+      </p:nvGrpSpPr>
+      <p:grpSpPr>
+        <a:xfrm>
+          <a:off x="0" y="0"/>
+          <a:ext cx="0" cy="0"/>
+          <a:chOff x="0" y="0"/>
+          <a:chExt cx="0" cy="0"/>
+        </a:xfrm>
+      </p:grpSpPr>
+      <p:sp>
+        <p:nvSpPr>
+          <p:cNvPr id="138" name="Google Shape;138;p26"/>
+          <p:cNvSpPr txBox="1"/>
+          <p:nvPr>
+            <p:ph type="title"/>
+          </p:nvPr>
+        </p:nvSpPr>
+        <p:spPr>
+          <a:xfrm>
+            <a:off x="311700" y="445025"/>
+            <a:ext cx="8520600" cy="572700"/>
+          </a:xfrm>
+          <a:prstGeom prst="rect">
+            <a:avLst/>
+          </a:prstGeom>
+        </p:spPr>
+        <p:txBody>
+          <a:bodyPr anchorCtr="0" anchor="t" bIns="91425" lIns="91425" spcFirstLastPara="1" rIns="91425" wrap="square" tIns="91425">
+            <a:noAutofit/>
+          </a:bodyPr>
+          <a:lstStyle/>
+          <a:p>
+            <a:pPr indent="0" lvl="0" marL="0" rtl="0" algn="l">
+              <a:spcBef>
+                <a:spcPts val="0"/>
+              </a:spcBef>
+              <a:spcAft>
+                <a:spcPts val="0"/>
+              </a:spcAft>
+              <a:buClr>
+                <a:schemeClr val="dk1"/>
+              </a:buClr>
+              <a:buSzPts val="1100"/>
+              <a:buFont typeface="Arial"/>
+              <a:buNone/>
+            </a:pPr>
+            <a:r>
+              <a:rPr lang="en-GB"/>
+              <a:t>Zadatak 2 - napomena za rad u učionici</a:t>
+            </a:r>
+            <a:endParaRPr/>
+          </a:p>
+          <a:p>
+            <a:pPr indent="0" lvl="0" marL="0" rtl="0" algn="l">
+              <a:spcBef>
+                <a:spcPts val="0"/>
+              </a:spcBef>
+              <a:spcAft>
+                <a:spcPts val="0"/>
+              </a:spcAft>
+              <a:buNone/>
+            </a:pPr>
+            <a:r>
+              <a:t/>
+            </a:r>
+            <a:endParaRPr/>
+          </a:p>
+        </p:txBody>
+      </p:sp>
+      <p:sp>
+        <p:nvSpPr>
+          <p:cNvPr id="139" name="Google Shape;139;p26"/>
+          <p:cNvSpPr txBox="1"/>
+          <p:nvPr/>
+        </p:nvSpPr>
+        <p:spPr>
+          <a:xfrm>
+            <a:off x="311700" y="1017725"/>
+            <a:ext cx="8520600" cy="4125600"/>
+          </a:xfrm>
+          <a:prstGeom prst="rect">
+            <a:avLst/>
+          </a:prstGeom>
+          <a:noFill/>
+          <a:ln>
+            <a:noFill/>
+          </a:ln>
+        </p:spPr>
+        <p:txBody>
+          <a:bodyPr anchorCtr="0" anchor="t" bIns="0" lIns="91425" spcFirstLastPara="1" rIns="91425" wrap="square" tIns="0">
+            <a:noAutofit/>
+          </a:bodyPr>
+          <a:lstStyle/>
+          <a:p>
+            <a:pPr indent="0" lvl="0" marL="0" rtl="0" algn="just">
+              <a:lnSpc>
+                <a:spcPct val="115000"/>
+              </a:lnSpc>
+              <a:spcBef>
+                <a:spcPts val="0"/>
+              </a:spcBef>
+              <a:spcAft>
+                <a:spcPts val="0"/>
+              </a:spcAft>
+              <a:buNone/>
+            </a:pPr>
+            <a:r>
+              <a:rPr b="1" lang="en-GB" sz="1800">
+                <a:solidFill>
+                  <a:schemeClr val="dk2"/>
+                </a:solidFill>
+              </a:rPr>
+              <a:t>Napomene</a:t>
+            </a:r>
+            <a:r>
+              <a:rPr lang="en-GB" sz="1800">
+                <a:solidFill>
+                  <a:schemeClr val="dk2"/>
+                </a:solidFill>
+              </a:rPr>
+              <a:t> </a:t>
+            </a:r>
+            <a:r>
+              <a:rPr b="1" lang="en-GB" sz="1800">
+                <a:solidFill>
+                  <a:schemeClr val="dk2"/>
+                </a:solidFill>
+              </a:rPr>
+              <a:t>za rad u učionici - </a:t>
+            </a:r>
+            <a:r>
+              <a:rPr b="1" i="1" lang="en-GB" sz="1800">
+                <a:solidFill>
+                  <a:schemeClr val="dk2"/>
+                </a:solidFill>
+              </a:rPr>
+              <a:t>proxy </a:t>
+            </a:r>
+            <a:r>
+              <a:rPr b="1" lang="en-GB" sz="1800">
+                <a:solidFill>
+                  <a:schemeClr val="dk2"/>
+                </a:solidFill>
+              </a:rPr>
+              <a:t>podešavnja:</a:t>
+            </a:r>
+            <a:r>
+              <a:rPr lang="en-GB" sz="1800">
+                <a:solidFill>
+                  <a:schemeClr val="dk2"/>
+                </a:solidFill>
+              </a:rPr>
+              <a:t> </a:t>
+            </a:r>
+            <a:endParaRPr sz="1800">
+              <a:solidFill>
+                <a:schemeClr val="dk2"/>
+              </a:solidFill>
+            </a:endParaRPr>
+          </a:p>
+          <a:p>
+            <a:pPr indent="-344700" lvl="0" marL="460800" rtl="0" algn="just">
+              <a:lnSpc>
+                <a:spcPct val="115000"/>
+              </a:lnSpc>
+              <a:spcBef>
+                <a:spcPts val="1600"/>
+              </a:spcBef>
+              <a:spcAft>
+                <a:spcPts val="0"/>
+              </a:spcAft>
+              <a:buClr>
+                <a:schemeClr val="dk2"/>
+              </a:buClr>
+              <a:buSzPts val="1800"/>
+              <a:buChar char="●"/>
+            </a:pPr>
+            <a:r>
+              <a:rPr lang="en-GB" sz="1800">
+                <a:solidFill>
+                  <a:schemeClr val="dk2"/>
+                </a:solidFill>
+              </a:rPr>
+              <a:t>u </a:t>
+            </a:r>
+            <a:r>
+              <a:rPr i="1" lang="en-GB" sz="1800">
+                <a:solidFill>
+                  <a:schemeClr val="dk2"/>
+                </a:solidFill>
+              </a:rPr>
+              <a:t>vote </a:t>
+            </a:r>
+            <a:r>
+              <a:rPr lang="en-GB" sz="1800">
+                <a:solidFill>
+                  <a:schemeClr val="dk2"/>
+                </a:solidFill>
+              </a:rPr>
+              <a:t>servisu, u </a:t>
+            </a:r>
+            <a:r>
+              <a:rPr i="1" lang="en-GB" sz="1800">
+                <a:solidFill>
+                  <a:schemeClr val="dk2"/>
+                </a:solidFill>
+              </a:rPr>
+              <a:t>Dockerfile</a:t>
+            </a:r>
+            <a:r>
+              <a:rPr lang="en-GB" sz="1800">
+                <a:solidFill>
+                  <a:schemeClr val="dk2"/>
+                </a:solidFill>
+              </a:rPr>
+              <a:t> pri pokretanju </a:t>
+            </a:r>
+            <a:r>
+              <a:rPr b="1" i="1" lang="en-GB" sz="1800">
+                <a:solidFill>
+                  <a:schemeClr val="dk2"/>
+                </a:solidFill>
+              </a:rPr>
+              <a:t>pip install</a:t>
+            </a:r>
+            <a:r>
+              <a:rPr lang="en-GB" sz="1800">
+                <a:solidFill>
+                  <a:schemeClr val="dk2"/>
+                </a:solidFill>
+              </a:rPr>
+              <a:t> naredbe: </a:t>
+            </a:r>
+            <a:endParaRPr sz="1800">
+              <a:solidFill>
+                <a:schemeClr val="dk2"/>
+              </a:solidFill>
+            </a:endParaRPr>
+          </a:p>
+          <a:p>
+            <a:pPr indent="0" lvl="0" marL="0" rtl="0" algn="ctr">
+              <a:lnSpc>
+                <a:spcPct val="115000"/>
+              </a:lnSpc>
+              <a:spcBef>
+                <a:spcPts val="1600"/>
+              </a:spcBef>
+              <a:spcAft>
+                <a:spcPts val="0"/>
+              </a:spcAft>
+              <a:buNone/>
+            </a:pPr>
+            <a:r>
+              <a:rPr lang="en-GB" sz="1800">
+                <a:solidFill>
+                  <a:schemeClr val="dk2"/>
+                </a:solidFill>
+                <a:highlight>
+                  <a:srgbClr val="F3F3F3"/>
+                </a:highlight>
+                <a:latin typeface="Courier New"/>
+                <a:ea typeface="Courier New"/>
+                <a:cs typeface="Courier New"/>
+                <a:sym typeface="Courier New"/>
+              </a:rPr>
+              <a:t>--proxy “</a:t>
+            </a:r>
+            <a:r>
+              <a:rPr lang="en-GB" sz="1800" u="sng">
+                <a:solidFill>
+                  <a:schemeClr val="hlink"/>
+                </a:solidFill>
+                <a:highlight>
+                  <a:srgbClr val="F3F3F3"/>
+                </a:highlight>
+                <a:latin typeface="Courier New"/>
+                <a:ea typeface="Courier New"/>
+                <a:cs typeface="Courier New"/>
+                <a:sym typeface="Courier New"/>
+                <a:hlinkClick r:id="rId3"/>
+              </a:rPr>
+              <a:t>http://192.168.18.1:8080</a:t>
+            </a:r>
+            <a:r>
+              <a:rPr lang="en-GB" sz="1800">
+                <a:solidFill>
+                  <a:schemeClr val="dk2"/>
+                </a:solidFill>
+                <a:highlight>
+                  <a:srgbClr val="F3F3F3"/>
+                </a:highlight>
+                <a:latin typeface="Courier New"/>
+                <a:ea typeface="Courier New"/>
+                <a:cs typeface="Courier New"/>
+                <a:sym typeface="Courier New"/>
+              </a:rPr>
+              <a:t>”</a:t>
+            </a:r>
+            <a:endParaRPr sz="1800">
+              <a:solidFill>
+                <a:schemeClr val="dk2"/>
+              </a:solidFill>
+              <a:highlight>
+                <a:srgbClr val="F3F3F3"/>
+              </a:highlight>
+              <a:latin typeface="Courier New"/>
+              <a:ea typeface="Courier New"/>
+              <a:cs typeface="Courier New"/>
+              <a:sym typeface="Courier New"/>
+            </a:endParaRPr>
+          </a:p>
+          <a:p>
+            <a:pPr indent="-342900" lvl="0" marL="457200" rtl="0" algn="l">
+              <a:lnSpc>
+                <a:spcPct val="115000"/>
+              </a:lnSpc>
+              <a:spcBef>
+                <a:spcPts val="1600"/>
+              </a:spcBef>
+              <a:spcAft>
+                <a:spcPts val="0"/>
+              </a:spcAft>
+              <a:buClr>
+                <a:schemeClr val="dk2"/>
+              </a:buClr>
+              <a:buSzPts val="1800"/>
+              <a:buChar char="●"/>
+            </a:pPr>
+            <a:r>
+              <a:rPr lang="en-GB" sz="1800">
+                <a:solidFill>
+                  <a:schemeClr val="dk2"/>
+                </a:solidFill>
+                <a:highlight>
+                  <a:srgbClr val="FFFFFF"/>
+                </a:highlight>
+              </a:rPr>
+              <a:t>u </a:t>
+            </a:r>
+            <a:r>
+              <a:rPr i="1" lang="en-GB" sz="1800">
+                <a:solidFill>
+                  <a:schemeClr val="dk2"/>
+                </a:solidFill>
+                <a:highlight>
+                  <a:srgbClr val="FFFFFF"/>
+                </a:highlight>
+              </a:rPr>
+              <a:t>result</a:t>
+            </a:r>
+            <a:r>
+              <a:rPr lang="en-GB" sz="1800">
+                <a:solidFill>
+                  <a:schemeClr val="dk2"/>
+                </a:solidFill>
+                <a:highlight>
+                  <a:srgbClr val="FFFFFF"/>
+                </a:highlight>
+              </a:rPr>
+              <a:t> servisu, u </a:t>
+            </a:r>
+            <a:r>
+              <a:rPr i="1" lang="en-GB" sz="1800">
+                <a:solidFill>
+                  <a:schemeClr val="dk2"/>
+                </a:solidFill>
+                <a:highlight>
+                  <a:srgbClr val="FFFFFF"/>
+                </a:highlight>
+              </a:rPr>
+              <a:t>Dockerfile</a:t>
+            </a:r>
+            <a:r>
+              <a:rPr lang="en-GB" sz="1800">
+                <a:solidFill>
+                  <a:schemeClr val="dk2"/>
+                </a:solidFill>
+                <a:highlight>
+                  <a:srgbClr val="FFFFFF"/>
+                </a:highlight>
+              </a:rPr>
+              <a:t> odmah nakon FROM dodati:</a:t>
+            </a:r>
+            <a:endParaRPr sz="1800">
+              <a:solidFill>
+                <a:schemeClr val="dk2"/>
+              </a:solidFill>
+              <a:highlight>
+                <a:srgbClr val="FFFFFF"/>
+              </a:highlight>
+            </a:endParaRPr>
+          </a:p>
+          <a:p>
+            <a:pPr indent="0" lvl="0" marL="0" rtl="0" algn="ctr">
+              <a:lnSpc>
+                <a:spcPct val="115000"/>
+              </a:lnSpc>
+              <a:spcBef>
+                <a:spcPts val="1600"/>
+              </a:spcBef>
+              <a:spcAft>
+                <a:spcPts val="0"/>
+              </a:spcAft>
+              <a:buNone/>
+            </a:pPr>
+            <a:r>
+              <a:rPr lang="en-GB" sz="1800">
+                <a:solidFill>
+                  <a:schemeClr val="dk2"/>
+                </a:solidFill>
+                <a:highlight>
+                  <a:srgbClr val="F3F3F3"/>
+                </a:highlight>
+                <a:latin typeface="Courier New"/>
+                <a:ea typeface="Courier New"/>
+                <a:cs typeface="Courier New"/>
+                <a:sym typeface="Courier New"/>
+              </a:rPr>
+              <a:t>RUN npm config set proxy </a:t>
+            </a:r>
+            <a:r>
+              <a:rPr lang="en-GB" sz="1800">
+                <a:highlight>
+                  <a:srgbClr val="F3F3F3"/>
+                </a:highlight>
+                <a:uFill>
+                  <a:noFill/>
+                </a:uFill>
+                <a:latin typeface="Courier New"/>
+                <a:ea typeface="Courier New"/>
+                <a:cs typeface="Courier New"/>
+                <a:sym typeface="Courier New"/>
+                <a:hlinkClick r:id="rId4"/>
+              </a:rPr>
+              <a:t>http://192.168.18.1:8080</a:t>
+            </a:r>
+            <a:endParaRPr sz="1800">
+              <a:highlight>
+                <a:srgbClr val="FFFFFF"/>
+              </a:highlight>
+            </a:endParaRPr>
+          </a:p>
+          <a:p>
+            <a:pPr indent="-342900" lvl="0" marL="457200" rtl="0" algn="l">
+              <a:lnSpc>
+                <a:spcPct val="115000"/>
+              </a:lnSpc>
+              <a:spcBef>
+                <a:spcPts val="1600"/>
+              </a:spcBef>
+              <a:spcAft>
+                <a:spcPts val="0"/>
+              </a:spcAft>
+              <a:buClr>
+                <a:schemeClr val="dk2"/>
+              </a:buClr>
+              <a:buSzPts val="1800"/>
+              <a:buChar char="●"/>
+            </a:pPr>
+            <a:r>
+              <a:rPr lang="en-GB" sz="1800">
+                <a:solidFill>
+                  <a:schemeClr val="dk2"/>
+                </a:solidFill>
+                <a:highlight>
+                  <a:srgbClr val="FFFFFF"/>
+                </a:highlight>
+              </a:rPr>
+              <a:t>u </a:t>
+            </a:r>
+            <a:r>
+              <a:rPr i="1" lang="en-GB" sz="1800">
+                <a:solidFill>
+                  <a:schemeClr val="dk2"/>
+                </a:solidFill>
+                <a:highlight>
+                  <a:srgbClr val="FFFFFF"/>
+                </a:highlight>
+              </a:rPr>
+              <a:t>docker-compose.yml</a:t>
+            </a:r>
+            <a:r>
+              <a:rPr lang="en-GB" sz="1800">
+                <a:solidFill>
+                  <a:schemeClr val="dk2"/>
+                </a:solidFill>
+                <a:highlight>
+                  <a:srgbClr val="FFFFFF"/>
+                </a:highlight>
+              </a:rPr>
+              <a:t> datoteci </a:t>
+            </a:r>
+            <a:r>
+              <a:rPr i="1" lang="en-GB" sz="1800">
+                <a:solidFill>
+                  <a:schemeClr val="dk2"/>
+                </a:solidFill>
+                <a:highlight>
+                  <a:srgbClr val="FFFFFF"/>
+                </a:highlight>
+              </a:rPr>
+              <a:t>worker </a:t>
+            </a:r>
+            <a:r>
+              <a:rPr lang="en-GB" sz="1800">
+                <a:solidFill>
+                  <a:schemeClr val="dk2"/>
+                </a:solidFill>
+                <a:highlight>
+                  <a:srgbClr val="FFFFFF"/>
+                </a:highlight>
+              </a:rPr>
+              <a:t>servisu dodati dve sistemske varijable:</a:t>
+            </a:r>
+            <a:endParaRPr sz="1800">
+              <a:solidFill>
+                <a:schemeClr val="dk2"/>
+              </a:solidFill>
+              <a:highlight>
+                <a:srgbClr val="FFFFFF"/>
+              </a:highlight>
+            </a:endParaRPr>
+          </a:p>
+          <a:p>
+            <a:pPr indent="0" lvl="0" marL="0" rtl="0" algn="ctr">
+              <a:lnSpc>
+                <a:spcPct val="115000"/>
+              </a:lnSpc>
+              <a:spcBef>
+                <a:spcPts val="1600"/>
+              </a:spcBef>
+              <a:spcAft>
+                <a:spcPts val="0"/>
+              </a:spcAft>
+              <a:buNone/>
+            </a:pPr>
+            <a:r>
+              <a:rPr lang="en-GB" sz="1800">
+                <a:solidFill>
+                  <a:schemeClr val="dk2"/>
+                </a:solidFill>
+                <a:highlight>
+                  <a:srgbClr val="F3F3F3"/>
+                </a:highlight>
+                <a:latin typeface="Courier New"/>
+                <a:ea typeface="Courier New"/>
+                <a:cs typeface="Courier New"/>
+                <a:sym typeface="Courier New"/>
+              </a:rPr>
+              <a:t>HTTP_PROXY = “</a:t>
+            </a:r>
+            <a:r>
+              <a:rPr lang="en-GB" sz="1800" u="sng">
+                <a:solidFill>
+                  <a:schemeClr val="accent5"/>
+                </a:solidFill>
+                <a:highlight>
+                  <a:srgbClr val="F3F3F3"/>
+                </a:highlight>
+                <a:latin typeface="Courier New"/>
+                <a:ea typeface="Courier New"/>
+                <a:cs typeface="Courier New"/>
+                <a:sym typeface="Courier New"/>
+                <a:hlinkClick r:id="rId5"/>
+              </a:rPr>
+              <a:t>http://192.168.18.1:8080</a:t>
+            </a:r>
+            <a:r>
+              <a:rPr lang="en-GB" sz="1800">
+                <a:solidFill>
+                  <a:schemeClr val="dk2"/>
+                </a:solidFill>
+                <a:highlight>
+                  <a:srgbClr val="F3F3F3"/>
+                </a:highlight>
+                <a:latin typeface="Courier New"/>
+                <a:ea typeface="Courier New"/>
+                <a:cs typeface="Courier New"/>
+                <a:sym typeface="Courier New"/>
+              </a:rPr>
+              <a:t>”</a:t>
+            </a:r>
+            <a:endParaRPr sz="1800">
+              <a:solidFill>
+                <a:schemeClr val="dk2"/>
+              </a:solidFill>
+              <a:highlight>
+                <a:srgbClr val="F3F3F3"/>
+              </a:highlight>
+              <a:latin typeface="Courier New"/>
+              <a:ea typeface="Courier New"/>
+              <a:cs typeface="Courier New"/>
+              <a:sym typeface="Courier New"/>
+            </a:endParaRPr>
+          </a:p>
+          <a:p>
+            <a:pPr indent="0" lvl="0" marL="0" rtl="0" algn="ctr">
+              <a:lnSpc>
+                <a:spcPct val="115000"/>
+              </a:lnSpc>
+              <a:spcBef>
+                <a:spcPts val="1600"/>
+              </a:spcBef>
+              <a:spcAft>
+                <a:spcPts val="0"/>
+              </a:spcAft>
+              <a:buNone/>
+            </a:pPr>
+            <a:r>
+              <a:rPr lang="en-GB" sz="1800">
+                <a:solidFill>
+                  <a:schemeClr val="dk2"/>
+                </a:solidFill>
+                <a:highlight>
+                  <a:srgbClr val="F3F3F3"/>
+                </a:highlight>
+                <a:latin typeface="Courier New"/>
+                <a:ea typeface="Courier New"/>
+                <a:cs typeface="Courier New"/>
+                <a:sym typeface="Courier New"/>
+              </a:rPr>
+              <a:t>HTTPS_PROXY = “</a:t>
+            </a:r>
+            <a:r>
+              <a:rPr lang="en-GB" sz="1800" u="sng">
+                <a:solidFill>
+                  <a:schemeClr val="accent5"/>
+                </a:solidFill>
+                <a:highlight>
+                  <a:srgbClr val="F3F3F3"/>
+                </a:highlight>
+                <a:latin typeface="Courier New"/>
+                <a:ea typeface="Courier New"/>
+                <a:cs typeface="Courier New"/>
+                <a:sym typeface="Courier New"/>
+                <a:hlinkClick r:id="rId6"/>
+              </a:rPr>
+              <a:t>https://192.168.18.1:8080</a:t>
+            </a:r>
+            <a:r>
+              <a:rPr lang="en-GB" sz="1800">
+                <a:solidFill>
+                  <a:schemeClr val="dk2"/>
+                </a:solidFill>
+                <a:highlight>
+                  <a:srgbClr val="F3F3F3"/>
+                </a:highlight>
+                <a:latin typeface="Courier New"/>
+                <a:ea typeface="Courier New"/>
+                <a:cs typeface="Courier New"/>
+                <a:sym typeface="Courier New"/>
+              </a:rPr>
+              <a:t>”</a:t>
+            </a:r>
+            <a:endParaRPr sz="1800">
+              <a:solidFill>
+                <a:schemeClr val="dk2"/>
+              </a:solidFill>
+              <a:highlight>
+                <a:srgbClr val="F3F3F3"/>
+              </a:highlight>
+              <a:latin typeface="Courier New"/>
+              <a:ea typeface="Courier New"/>
+              <a:cs typeface="Courier New"/>
+              <a:sym typeface="Courier New"/>
+            </a:endParaRPr>
+          </a:p>
+          <a:p>
+            <a:pPr indent="0" lvl="0" marL="0" rtl="0" algn="ctr">
+              <a:lnSpc>
+                <a:spcPct val="115000"/>
+              </a:lnSpc>
+              <a:spcBef>
+                <a:spcPts val="1600"/>
+              </a:spcBef>
+              <a:spcAft>
+                <a:spcPts val="0"/>
+              </a:spcAft>
+              <a:buNone/>
+            </a:pPr>
+            <a:r>
+              <a:t/>
+            </a:r>
+            <a:endParaRPr sz="1800">
+              <a:solidFill>
+                <a:schemeClr val="dk2"/>
+              </a:solidFill>
+              <a:highlight>
+                <a:srgbClr val="F3F3F3"/>
+              </a:highlight>
+              <a:latin typeface="Courier New"/>
+              <a:ea typeface="Courier New"/>
+              <a:cs typeface="Courier New"/>
+              <a:sym typeface="Courier New"/>
+            </a:endParaRPr>
+          </a:p>
+          <a:p>
+            <a:pPr indent="0" lvl="0" marL="0" rtl="0" algn="l">
+              <a:lnSpc>
+                <a:spcPct val="115000"/>
+              </a:lnSpc>
+              <a:spcBef>
+                <a:spcPts val="1600"/>
+              </a:spcBef>
+              <a:spcAft>
+                <a:spcPts val="0"/>
+              </a:spcAft>
+              <a:buNone/>
+            </a:pPr>
+            <a:r>
+              <a:t/>
+            </a:r>
+            <a:endParaRPr sz="1800">
+              <a:solidFill>
+                <a:schemeClr val="dk2"/>
+              </a:solidFill>
+              <a:highlight>
+                <a:srgbClr val="FFFFFF"/>
+              </a:highlight>
+              <a:latin typeface="Courier New"/>
+              <a:ea typeface="Courier New"/>
+              <a:cs typeface="Courier New"/>
+              <a:sym typeface="Courier New"/>
+            </a:endParaRPr>
+          </a:p>
+          <a:p>
+            <a:pPr indent="0" lvl="0" marL="0" rtl="0" algn="l">
+              <a:spcBef>
+                <a:spcPts val="1600"/>
+              </a:spcBef>
+              <a:spcAft>
+                <a:spcPts val="0"/>
+              </a:spcAft>
+              <a:buNone/>
+            </a:pPr>
+            <a:r>
+              <a:t/>
+            </a:r>
+            <a:endParaRPr/>
+          </a:p>
+        </p:txBody>
+      </p:sp>
+    </p:spTree>
+  </p:cSld>
+  <p:clrMapOvr>
+    <a:masterClrMapping/>
+  </p:clrMapOvr>
+</p:sld>
+</file>
+
+<file path=ppt/slides/slide14.xml><?xml version="1.0" encoding="utf-8"?>
+<p:sld xmlns:a="http://schemas.openxmlformats.org/drawingml/2006/main" xmlns:r="http://schemas.openxmlformats.org/officeDocument/2006/relationships" xmlns:mc="http://schemas.openxmlformats.org/markup-compatibility/2006" xmlns:mv="urn:schemas-microsoft-com:mac:vml" xmlns:p="http://schemas.openxmlformats.org/presentationml/2006/main" xmlns:c="http://schemas.openxmlformats.org/drawingml/2006/chart" xmlns:dgm="http://schemas.openxmlformats.org/drawingml/2006/diagram" xmlns:o="urn:schemas-microsoft-com:office:office" xmlns:v="urn:schemas-microsoft-com:vml" xmlns:pvml="urn:schemas-microsoft-com:office:powerpoint" xmlns:com="http://schemas.openxmlformats.org/drawingml/2006/compatibility" xmlns:p14="http://schemas.microsoft.com/office/powerpoint/2010/main" xmlns:p15="http://schemas.microsoft.com/office/powerpoint/2012/main">
+  <p:cSld>
+    <p:spTree>
+      <p:nvGrpSpPr>
+        <p:cNvPr id="143" name="Shape 143"/>
+        <p:cNvGrpSpPr/>
+        <p:nvPr/>
+      </p:nvGrpSpPr>
+      <p:grpSpPr>
+        <a:xfrm>
+          <a:off x="0" y="0"/>
+          <a:ext cx="0" cy="0"/>
+          <a:chOff x="0" y="0"/>
+          <a:chExt cx="0" cy="0"/>
+        </a:xfrm>
+      </p:grpSpPr>
+      <p:sp>
+        <p:nvSpPr>
+          <p:cNvPr id="144" name="Google Shape;144;p27"/>
+          <p:cNvSpPr txBox="1"/>
+          <p:nvPr>
+            <p:ph type="title"/>
+          </p:nvPr>
+        </p:nvSpPr>
+        <p:spPr>
+          <a:xfrm>
+            <a:off x="311700" y="445025"/>
+            <a:ext cx="8520600" cy="572700"/>
+          </a:xfrm>
+          <a:prstGeom prst="rect">
+            <a:avLst/>
+          </a:prstGeom>
+        </p:spPr>
+        <p:txBody>
+          <a:bodyPr anchorCtr="0" anchor="t" bIns="91425" lIns="91425" spcFirstLastPara="1" rIns="91425" wrap="square" tIns="91425">
+            <a:noAutofit/>
+          </a:bodyPr>
+          <a:lstStyle/>
+          <a:p>
+            <a:pPr indent="0" lvl="0" marL="0" rtl="0" algn="l">
+              <a:spcBef>
+                <a:spcPts val="0"/>
+              </a:spcBef>
+              <a:spcAft>
+                <a:spcPts val="0"/>
+              </a:spcAft>
+              <a:buNone/>
+            </a:pPr>
+            <a:r>
+              <a:rPr lang="en-GB"/>
+              <a:t>Zadatak 3</a:t>
+            </a:r>
+            <a:endParaRPr/>
+          </a:p>
+        </p:txBody>
+      </p:sp>
+      <p:sp>
+        <p:nvSpPr>
+          <p:cNvPr id="145" name="Google Shape;145;p27"/>
           <p:cNvSpPr txBox="1"/>
           <p:nvPr>
             <p:ph idx="1" type="body"/>
@@ -6672,7 +9525,7 @@
   <p:cSld>
     <p:spTree>
       <p:nvGrpSpPr>
-        <p:cNvPr id="59" name="Shape 59"/>
+        <p:cNvPr id="64" name="Shape 64"/>
         <p:cNvGrpSpPr/>
         <p:nvPr/>
       </p:nvGrpSpPr>
@@ -6686,7 +9539,7 @@
       </p:grpSpPr>
       <p:sp>
         <p:nvSpPr>
-          <p:cNvPr id="60" name="Google Shape;60;p14"/>
+          <p:cNvPr id="65" name="Google Shape;65;p15"/>
           <p:cNvSpPr txBox="1"/>
           <p:nvPr>
             <p:ph type="title"/>
@@ -6717,16 +9570,16 @@
               <a:buNone/>
             </a:pPr>
             <a:r>
-              <a:rPr lang="en-GB"/>
+              <a:rPr i="1" lang="en-GB"/>
               <a:t>Docker Compose</a:t>
             </a:r>
-            <a:endParaRPr/>
+            <a:endParaRPr i="1"/>
           </a:p>
         </p:txBody>
       </p:sp>
       <p:sp>
         <p:nvSpPr>
-          <p:cNvPr id="61" name="Google Shape;61;p14"/>
+          <p:cNvPr id="66" name="Google Shape;66;p15"/>
           <p:cNvSpPr txBox="1"/>
           <p:nvPr>
             <p:ph idx="1" type="body"/>
@@ -6780,7 +9633,7 @@
             </a:pPr>
             <a:r>
               <a:rPr lang="en-GB"/>
-              <a:t>kontejnerizovanih aplikacija - aplikacija koja se sastoji od jednog ili više Docker kontejnera</a:t>
+              <a:t>kontejnerizovana aplikacija - aplikacija koja se sastoji od jednog ili više Docker kontejnera</a:t>
             </a:r>
             <a:endParaRPr/>
           </a:p>
@@ -6854,10 +9707,6 @@
               <a:buSzPts val="1400"/>
               <a:buChar char="■"/>
             </a:pPr>
-            <a:r>
-              <a:rPr lang="en-GB"/>
-              <a:t>jedan </a:t>
-            </a:r>
             <a:r>
               <a:rPr i="1" lang="en-GB"/>
               <a:t>.yml</a:t>
@@ -6972,7 +9821,7 @@
   <p:cSld>
     <p:spTree>
       <p:nvGrpSpPr>
-        <p:cNvPr id="65" name="Shape 65"/>
+        <p:cNvPr id="70" name="Shape 70"/>
         <p:cNvGrpSpPr/>
         <p:nvPr/>
       </p:nvGrpSpPr>
@@ -6986,7 +9835,7 @@
       </p:grpSpPr>
       <p:sp>
         <p:nvSpPr>
-          <p:cNvPr id="66" name="Google Shape;66;p15"/>
+          <p:cNvPr id="71" name="Google Shape;71;p16"/>
           <p:cNvSpPr txBox="1"/>
           <p:nvPr>
             <p:ph type="title"/>
@@ -7017,8 +9866,12 @@
               <a:buNone/>
             </a:pPr>
             <a:r>
+              <a:rPr i="1" lang="en-GB"/>
+              <a:t>Compose YAML</a:t>
+            </a:r>
+            <a:r>
               <a:rPr lang="en-GB"/>
-              <a:t>Instalacija</a:t>
+              <a:t> datoteka</a:t>
             </a:r>
             <a:endParaRPr/>
           </a:p>
@@ -7026,7 +9879,7 @@
       </p:sp>
       <p:sp>
         <p:nvSpPr>
-          <p:cNvPr id="67" name="Google Shape;67;p15"/>
+          <p:cNvPr id="72" name="Google Shape;72;p16"/>
           <p:cNvSpPr txBox="1"/>
           <p:nvPr>
             <p:ph idx="1" type="body"/>
@@ -7034,12 +9887,15 @@
         </p:nvSpPr>
         <p:spPr>
           <a:xfrm>
-            <a:off x="311700" y="1152475"/>
-            <a:ext cx="8520600" cy="3416400"/>
+            <a:off x="5672700" y="1044525"/>
+            <a:ext cx="3159600" cy="2955300"/>
           </a:xfrm>
           <a:prstGeom prst="rect">
             <a:avLst/>
           </a:prstGeom>
+          <a:solidFill>
+            <a:srgbClr val="EFEFEF"/>
+          </a:solidFill>
         </p:spPr>
         <p:txBody>
           <a:bodyPr anchorCtr="0" anchor="t" bIns="91425" lIns="91425" spcFirstLastPara="1" rIns="91425" wrap="square" tIns="91425">
@@ -7047,9 +9903,9 @@
           </a:bodyPr>
           <a:lstStyle/>
           <a:p>
-            <a:pPr indent="-342900" lvl="0" marL="457200" rtl="0" algn="l">
+            <a:pPr indent="0" lvl="0" marL="0" rtl="0" algn="l">
               <a:lnSpc>
-                <a:spcPct val="150000"/>
+                <a:spcPct val="100000"/>
               </a:lnSpc>
               <a:spcBef>
                 <a:spcPts val="0"/>
@@ -7057,86 +9913,390 @@
               <a:spcAft>
                 <a:spcPts val="0"/>
               </a:spcAft>
-              <a:buSzPts val="1800"/>
-              <a:buChar char="●"/>
-            </a:pPr>
-            <a:r>
-              <a:rPr lang="en-GB"/>
-              <a:t>Koraci za instalaciju dostupni na: </a:t>
-            </a:r>
-            <a:r>
-              <a:rPr lang="en-GB" u="sng">
-                <a:solidFill>
-                  <a:schemeClr val="hlink"/>
-                </a:solidFill>
-                <a:hlinkClick r:id="rId3"/>
+              <a:buNone/>
+            </a:pPr>
+            <a:r>
+              <a:rPr b="1" lang="en-GB" sz="1400">
+                <a:latin typeface="Courier New"/>
+                <a:ea typeface="Courier New"/>
+                <a:cs typeface="Courier New"/>
+                <a:sym typeface="Courier New"/>
               </a:rPr>
-              <a:t>https://docs.docker.com/compose/install/</a:t>
-            </a:r>
-            <a:endParaRPr/>
-          </a:p>
-        </p:txBody>
-      </p:sp>
-    </p:spTree>
-  </p:cSld>
-  <p:clrMapOvr>
-    <a:masterClrMapping/>
-  </p:clrMapOvr>
-</p:sld>
-</file>
-
-<file path=ppt/slides/slide4.xml><?xml version="1.0" encoding="utf-8"?>
-<p:sld xmlns:a="http://schemas.openxmlformats.org/drawingml/2006/main" xmlns:r="http://schemas.openxmlformats.org/officeDocument/2006/relationships" xmlns:mc="http://schemas.openxmlformats.org/markup-compatibility/2006" xmlns:mv="urn:schemas-microsoft-com:mac:vml" xmlns:p="http://schemas.openxmlformats.org/presentationml/2006/main" xmlns:c="http://schemas.openxmlformats.org/drawingml/2006/chart" xmlns:dgm="http://schemas.openxmlformats.org/drawingml/2006/diagram" xmlns:o="urn:schemas-microsoft-com:office:office" xmlns:v="urn:schemas-microsoft-com:vml" xmlns:pvml="urn:schemas-microsoft-com:office:powerpoint" xmlns:com="http://schemas.openxmlformats.org/drawingml/2006/compatibility" xmlns:p14="http://schemas.microsoft.com/office/powerpoint/2010/main" xmlns:p15="http://schemas.microsoft.com/office/powerpoint/2012/main">
-  <p:cSld>
-    <p:spTree>
-      <p:nvGrpSpPr>
-        <p:cNvPr id="71" name="Shape 71"/>
-        <p:cNvGrpSpPr/>
-        <p:nvPr/>
-      </p:nvGrpSpPr>
-      <p:grpSpPr>
-        <a:xfrm>
-          <a:off x="0" y="0"/>
-          <a:ext cx="0" cy="0"/>
-          <a:chOff x="0" y="0"/>
-          <a:chExt cx="0" cy="0"/>
-        </a:xfrm>
-      </p:grpSpPr>
-      <p:sp>
-        <p:nvSpPr>
-          <p:cNvPr id="72" name="Google Shape;72;p16"/>
-          <p:cNvSpPr txBox="1"/>
-          <p:nvPr>
-            <p:ph type="title"/>
-          </p:nvPr>
-        </p:nvSpPr>
-        <p:spPr>
-          <a:xfrm>
-            <a:off x="311700" y="445025"/>
-            <a:ext cx="8520600" cy="572700"/>
-          </a:xfrm>
-          <a:prstGeom prst="rect">
-            <a:avLst/>
-          </a:prstGeom>
-        </p:spPr>
-        <p:txBody>
-          <a:bodyPr anchorCtr="0" anchor="t" bIns="91425" lIns="91425" spcFirstLastPara="1" rIns="91425" wrap="square" tIns="91425">
-            <a:noAutofit/>
-          </a:bodyPr>
-          <a:lstStyle/>
+              <a:t>version: '3'</a:t>
+            </a:r>
+            <a:endParaRPr b="1" sz="1400">
+              <a:latin typeface="Courier New"/>
+              <a:ea typeface="Courier New"/>
+              <a:cs typeface="Courier New"/>
+              <a:sym typeface="Courier New"/>
+            </a:endParaRPr>
+          </a:p>
           <a:p>
             <a:pPr indent="0" lvl="0" marL="0" rtl="0" algn="l">
-              <a:spcBef>
-                <a:spcPts val="0"/>
-              </a:spcBef>
-              <a:spcAft>
-                <a:spcPts val="0"/>
-              </a:spcAft>
-              <a:buNone/>
-            </a:pPr>
-            <a:r>
-              <a:rPr lang="en-GB"/>
-              <a:t>Rezime naredbi</a:t>
+              <a:lnSpc>
+                <a:spcPct val="100000"/>
+              </a:lnSpc>
+              <a:spcBef>
+                <a:spcPts val="0"/>
+              </a:spcBef>
+              <a:spcAft>
+                <a:spcPts val="0"/>
+              </a:spcAft>
+              <a:buNone/>
+            </a:pPr>
+            <a:r>
+              <a:rPr b="1" lang="en-GB" sz="1400">
+                <a:latin typeface="Courier New"/>
+                <a:ea typeface="Courier New"/>
+                <a:cs typeface="Courier New"/>
+                <a:sym typeface="Courier New"/>
+              </a:rPr>
+              <a:t>services:</a:t>
+            </a:r>
+            <a:endParaRPr b="1" sz="1400">
+              <a:latin typeface="Courier New"/>
+              <a:ea typeface="Courier New"/>
+              <a:cs typeface="Courier New"/>
+              <a:sym typeface="Courier New"/>
+            </a:endParaRPr>
+          </a:p>
+          <a:p>
+            <a:pPr indent="0" lvl="0" marL="0" rtl="0" algn="l">
+              <a:lnSpc>
+                <a:spcPct val="100000"/>
+              </a:lnSpc>
+              <a:spcBef>
+                <a:spcPts val="0"/>
+              </a:spcBef>
+              <a:spcAft>
+                <a:spcPts val="0"/>
+              </a:spcAft>
+              <a:buNone/>
+            </a:pPr>
+            <a:r>
+              <a:rPr b="1" lang="en-GB" sz="1400">
+                <a:latin typeface="Courier New"/>
+                <a:ea typeface="Courier New"/>
+                <a:cs typeface="Courier New"/>
+                <a:sym typeface="Courier New"/>
+              </a:rPr>
+              <a:t>  web:</a:t>
+            </a:r>
+            <a:endParaRPr b="1" sz="1400">
+              <a:latin typeface="Courier New"/>
+              <a:ea typeface="Courier New"/>
+              <a:cs typeface="Courier New"/>
+              <a:sym typeface="Courier New"/>
+            </a:endParaRPr>
+          </a:p>
+          <a:p>
+            <a:pPr indent="0" lvl="0" marL="0" rtl="0" algn="l">
+              <a:lnSpc>
+                <a:spcPct val="100000"/>
+              </a:lnSpc>
+              <a:spcBef>
+                <a:spcPts val="0"/>
+              </a:spcBef>
+              <a:spcAft>
+                <a:spcPts val="0"/>
+              </a:spcAft>
+              <a:buNone/>
+            </a:pPr>
+            <a:r>
+              <a:rPr b="1" lang="en-GB" sz="1400">
+                <a:latin typeface="Courier New"/>
+                <a:ea typeface="Courier New"/>
+                <a:cs typeface="Courier New"/>
+                <a:sym typeface="Courier New"/>
+              </a:rPr>
+              <a:t>    build: .</a:t>
+            </a:r>
+            <a:endParaRPr b="1" sz="1400">
+              <a:latin typeface="Courier New"/>
+              <a:ea typeface="Courier New"/>
+              <a:cs typeface="Courier New"/>
+              <a:sym typeface="Courier New"/>
+            </a:endParaRPr>
+          </a:p>
+          <a:p>
+            <a:pPr indent="0" lvl="0" marL="0" rtl="0" algn="l">
+              <a:lnSpc>
+                <a:spcPct val="100000"/>
+              </a:lnSpc>
+              <a:spcBef>
+                <a:spcPts val="0"/>
+              </a:spcBef>
+              <a:spcAft>
+                <a:spcPts val="0"/>
+              </a:spcAft>
+              <a:buNone/>
+            </a:pPr>
+            <a:r>
+              <a:rPr b="1" lang="en-GB" sz="1400">
+                <a:latin typeface="Courier New"/>
+                <a:ea typeface="Courier New"/>
+                <a:cs typeface="Courier New"/>
+                <a:sym typeface="Courier New"/>
+              </a:rPr>
+              <a:t>    ports:</a:t>
+            </a:r>
+            <a:endParaRPr b="1" sz="1400">
+              <a:latin typeface="Courier New"/>
+              <a:ea typeface="Courier New"/>
+              <a:cs typeface="Courier New"/>
+              <a:sym typeface="Courier New"/>
+            </a:endParaRPr>
+          </a:p>
+          <a:p>
+            <a:pPr indent="0" lvl="0" marL="0" rtl="0" algn="l">
+              <a:lnSpc>
+                <a:spcPct val="100000"/>
+              </a:lnSpc>
+              <a:spcBef>
+                <a:spcPts val="0"/>
+              </a:spcBef>
+              <a:spcAft>
+                <a:spcPts val="0"/>
+              </a:spcAft>
+              <a:buNone/>
+            </a:pPr>
+            <a:r>
+              <a:rPr b="1" lang="en-GB" sz="1400">
+                <a:latin typeface="Courier New"/>
+                <a:ea typeface="Courier New"/>
+                <a:cs typeface="Courier New"/>
+                <a:sym typeface="Courier New"/>
+              </a:rPr>
+              <a:t>    - "5000:5000"</a:t>
+            </a:r>
+            <a:endParaRPr b="1" sz="1400">
+              <a:latin typeface="Courier New"/>
+              <a:ea typeface="Courier New"/>
+              <a:cs typeface="Courier New"/>
+              <a:sym typeface="Courier New"/>
+            </a:endParaRPr>
+          </a:p>
+          <a:p>
+            <a:pPr indent="0" lvl="0" marL="0" rtl="0" algn="l">
+              <a:lnSpc>
+                <a:spcPct val="100000"/>
+              </a:lnSpc>
+              <a:spcBef>
+                <a:spcPts val="0"/>
+              </a:spcBef>
+              <a:spcAft>
+                <a:spcPts val="0"/>
+              </a:spcAft>
+              <a:buNone/>
+            </a:pPr>
+            <a:r>
+              <a:rPr b="1" lang="en-GB" sz="1400">
+                <a:latin typeface="Courier New"/>
+                <a:ea typeface="Courier New"/>
+                <a:cs typeface="Courier New"/>
+                <a:sym typeface="Courier New"/>
+              </a:rPr>
+              <a:t>    volumes:</a:t>
+            </a:r>
+            <a:endParaRPr b="1" sz="1400">
+              <a:latin typeface="Courier New"/>
+              <a:ea typeface="Courier New"/>
+              <a:cs typeface="Courier New"/>
+              <a:sym typeface="Courier New"/>
+            </a:endParaRPr>
+          </a:p>
+          <a:p>
+            <a:pPr indent="0" lvl="0" marL="0" rtl="0" algn="l">
+              <a:lnSpc>
+                <a:spcPct val="100000"/>
+              </a:lnSpc>
+              <a:spcBef>
+                <a:spcPts val="0"/>
+              </a:spcBef>
+              <a:spcAft>
+                <a:spcPts val="0"/>
+              </a:spcAft>
+              <a:buNone/>
+            </a:pPr>
+            <a:r>
+              <a:rPr b="1" lang="en-GB" sz="1400">
+                <a:latin typeface="Courier New"/>
+                <a:ea typeface="Courier New"/>
+                <a:cs typeface="Courier New"/>
+                <a:sym typeface="Courier New"/>
+              </a:rPr>
+              <a:t>    - .:/code</a:t>
+            </a:r>
+            <a:endParaRPr b="1" sz="1400">
+              <a:latin typeface="Courier New"/>
+              <a:ea typeface="Courier New"/>
+              <a:cs typeface="Courier New"/>
+              <a:sym typeface="Courier New"/>
+            </a:endParaRPr>
+          </a:p>
+          <a:p>
+            <a:pPr indent="0" lvl="0" marL="0" rtl="0" algn="l">
+              <a:lnSpc>
+                <a:spcPct val="100000"/>
+              </a:lnSpc>
+              <a:spcBef>
+                <a:spcPts val="0"/>
+              </a:spcBef>
+              <a:spcAft>
+                <a:spcPts val="0"/>
+              </a:spcAft>
+              <a:buNone/>
+            </a:pPr>
+            <a:r>
+              <a:rPr b="1" lang="en-GB" sz="1400">
+                <a:latin typeface="Courier New"/>
+                <a:ea typeface="Courier New"/>
+                <a:cs typeface="Courier New"/>
+                <a:sym typeface="Courier New"/>
+              </a:rPr>
+              <a:t>    - logvolume01:/var/log</a:t>
+            </a:r>
+            <a:endParaRPr b="1" sz="1400">
+              <a:latin typeface="Courier New"/>
+              <a:ea typeface="Courier New"/>
+              <a:cs typeface="Courier New"/>
+              <a:sym typeface="Courier New"/>
+            </a:endParaRPr>
+          </a:p>
+          <a:p>
+            <a:pPr indent="0" lvl="0" marL="0" rtl="0" algn="l">
+              <a:lnSpc>
+                <a:spcPct val="100000"/>
+              </a:lnSpc>
+              <a:spcBef>
+                <a:spcPts val="0"/>
+              </a:spcBef>
+              <a:spcAft>
+                <a:spcPts val="0"/>
+              </a:spcAft>
+              <a:buNone/>
+            </a:pPr>
+            <a:r>
+              <a:rPr b="1" lang="en-GB" sz="1400">
+                <a:latin typeface="Courier New"/>
+                <a:ea typeface="Courier New"/>
+                <a:cs typeface="Courier New"/>
+                <a:sym typeface="Courier New"/>
+              </a:rPr>
+              <a:t>  redis:</a:t>
+            </a:r>
+            <a:endParaRPr b="1" sz="1400">
+              <a:latin typeface="Courier New"/>
+              <a:ea typeface="Courier New"/>
+              <a:cs typeface="Courier New"/>
+              <a:sym typeface="Courier New"/>
+            </a:endParaRPr>
+          </a:p>
+          <a:p>
+            <a:pPr indent="0" lvl="0" marL="0" rtl="0" algn="l">
+              <a:lnSpc>
+                <a:spcPct val="100000"/>
+              </a:lnSpc>
+              <a:spcBef>
+                <a:spcPts val="0"/>
+              </a:spcBef>
+              <a:spcAft>
+                <a:spcPts val="0"/>
+              </a:spcAft>
+              <a:buNone/>
+            </a:pPr>
+            <a:r>
+              <a:rPr b="1" lang="en-GB" sz="1400">
+                <a:latin typeface="Courier New"/>
+                <a:ea typeface="Courier New"/>
+                <a:cs typeface="Courier New"/>
+                <a:sym typeface="Courier New"/>
+              </a:rPr>
+              <a:t>    image: redis</a:t>
+            </a:r>
+            <a:endParaRPr b="1" sz="1400">
+              <a:latin typeface="Courier New"/>
+              <a:ea typeface="Courier New"/>
+              <a:cs typeface="Courier New"/>
+              <a:sym typeface="Courier New"/>
+            </a:endParaRPr>
+          </a:p>
+          <a:p>
+            <a:pPr indent="0" lvl="0" marL="0" rtl="0" algn="l">
+              <a:lnSpc>
+                <a:spcPct val="100000"/>
+              </a:lnSpc>
+              <a:spcBef>
+                <a:spcPts val="0"/>
+              </a:spcBef>
+              <a:spcAft>
+                <a:spcPts val="0"/>
+              </a:spcAft>
+              <a:buNone/>
+            </a:pPr>
+            <a:r>
+              <a:rPr b="1" lang="en-GB" sz="1400">
+                <a:latin typeface="Courier New"/>
+                <a:ea typeface="Courier New"/>
+                <a:cs typeface="Courier New"/>
+                <a:sym typeface="Courier New"/>
+              </a:rPr>
+              <a:t>volumes:</a:t>
+            </a:r>
+            <a:endParaRPr b="1" sz="1400">
+              <a:latin typeface="Courier New"/>
+              <a:ea typeface="Courier New"/>
+              <a:cs typeface="Courier New"/>
+              <a:sym typeface="Courier New"/>
+            </a:endParaRPr>
+          </a:p>
+          <a:p>
+            <a:pPr indent="0" lvl="0" marL="0" rtl="0" algn="l">
+              <a:lnSpc>
+                <a:spcPct val="100000"/>
+              </a:lnSpc>
+              <a:spcBef>
+                <a:spcPts val="0"/>
+              </a:spcBef>
+              <a:spcAft>
+                <a:spcPts val="0"/>
+              </a:spcAft>
+              <a:buNone/>
+            </a:pPr>
+            <a:r>
+              <a:rPr b="1" lang="en-GB" sz="1400">
+                <a:latin typeface="Courier New"/>
+                <a:ea typeface="Courier New"/>
+                <a:cs typeface="Courier New"/>
+                <a:sym typeface="Courier New"/>
+              </a:rPr>
+              <a:t>  logvolume01:</a:t>
+            </a:r>
+            <a:endParaRPr b="1" sz="1400">
+              <a:solidFill>
+                <a:srgbClr val="111111"/>
+              </a:solidFill>
+              <a:highlight>
+                <a:srgbClr val="FFFFFF"/>
+              </a:highlight>
+              <a:latin typeface="Courier New"/>
+              <a:ea typeface="Courier New"/>
+              <a:cs typeface="Courier New"/>
+              <a:sym typeface="Courier New"/>
+            </a:endParaRPr>
+          </a:p>
+          <a:p>
+            <a:pPr indent="0" lvl="0" marL="0" rtl="0" algn="l">
+              <a:spcBef>
+                <a:spcPts val="0"/>
+              </a:spcBef>
+              <a:spcAft>
+                <a:spcPts val="1600"/>
+              </a:spcAft>
+              <a:buNone/>
+            </a:pPr>
+            <a:r>
+              <a:t/>
             </a:r>
             <a:endParaRPr/>
           </a:p>
@@ -7152,8 +10312,8 @@
         </p:nvSpPr>
         <p:spPr>
           <a:xfrm>
-            <a:off x="311700" y="1152475"/>
-            <a:ext cx="8651700" cy="3416400"/>
+            <a:off x="311700" y="1120725"/>
+            <a:ext cx="5043600" cy="3226800"/>
           </a:xfrm>
           <a:prstGeom prst="rect">
             <a:avLst/>
@@ -7165,428 +10325,242 @@
           </a:bodyPr>
           <a:lstStyle/>
           <a:p>
-            <a:pPr indent="0" lvl="0" marL="152400" marR="152400" rtl="0" algn="l">
-              <a:lnSpc>
-                <a:spcPct val="150000"/>
-              </a:lnSpc>
-              <a:spcBef>
-                <a:spcPts val="0"/>
-              </a:spcBef>
-              <a:spcAft>
-                <a:spcPts val="0"/>
-              </a:spcAft>
-              <a:buNone/>
-            </a:pPr>
-            <a:r>
-              <a:rPr b="1" lang="en-GB" sz="1400">
-                <a:solidFill>
-                  <a:srgbClr val="000000"/>
+            <a:pPr indent="0" lvl="0" marL="0" rtl="0" algn="just">
+              <a:spcBef>
+                <a:spcPts val="0"/>
+              </a:spcBef>
+              <a:spcAft>
+                <a:spcPts val="0"/>
+              </a:spcAft>
+              <a:buNone/>
+            </a:pPr>
+            <a:r>
+              <a:rPr i="1" lang="en-GB">
+                <a:solidFill>
+                  <a:srgbClr val="254356"/>
                 </a:solidFill>
                 <a:highlight>
                   <a:srgbClr val="FFFFFF"/>
                 </a:highlight>
-                <a:latin typeface="Courier New"/>
-                <a:ea typeface="Courier New"/>
-                <a:cs typeface="Courier New"/>
-                <a:sym typeface="Courier New"/>
               </a:rPr>
-              <a:t>docker-compose up    </a:t>
-            </a:r>
-            <a:r>
-              <a:rPr b="1" lang="en-GB" sz="1200">
-                <a:solidFill>
-                  <a:srgbClr val="000000"/>
+              <a:t>Compose </a:t>
+            </a:r>
+            <a:r>
+              <a:rPr lang="en-GB">
+                <a:solidFill>
+                  <a:srgbClr val="254356"/>
                 </a:solidFill>
                 <a:highlight>
                   <a:srgbClr val="FFFFFF"/>
                 </a:highlight>
-                <a:latin typeface="Courier New"/>
-                <a:ea typeface="Courier New"/>
-                <a:cs typeface="Courier New"/>
-                <a:sym typeface="Courier New"/>
               </a:rPr>
-              <a:t> # Izgrađuje, kreira, pokreće i povezuje kontejnere</a:t>
-            </a:r>
-            <a:br>
-              <a:rPr b="1" lang="en-GB" sz="1400">
-                <a:solidFill>
-                  <a:srgbClr val="000000"/>
+              <a:t>datoteka je </a:t>
+            </a:r>
+            <a:r>
+              <a:rPr i="1" lang="en-GB">
+                <a:solidFill>
+                  <a:srgbClr val="254356"/>
                 </a:solidFill>
                 <a:highlight>
                   <a:srgbClr val="FFFFFF"/>
                 </a:highlight>
-                <a:latin typeface="Courier New"/>
-                <a:ea typeface="Courier New"/>
-                <a:cs typeface="Courier New"/>
-                <a:sym typeface="Courier New"/>
               </a:rPr>
-            </a:br>
-            <a:r>
-              <a:rPr b="1" lang="en-GB" sz="1400">
-                <a:solidFill>
-                  <a:srgbClr val="000000"/>
+              <a:t>YAML </a:t>
+            </a:r>
+            <a:r>
+              <a:rPr lang="en-GB">
+                <a:solidFill>
+                  <a:srgbClr val="254356"/>
                 </a:solidFill>
                 <a:highlight>
                   <a:srgbClr val="FFFFFF"/>
                 </a:highlight>
-                <a:latin typeface="Courier New"/>
-                <a:ea typeface="Courier New"/>
-                <a:cs typeface="Courier New"/>
-                <a:sym typeface="Courier New"/>
               </a:rPr>
-              <a:t>docker-compose down	  </a:t>
-            </a:r>
-            <a:r>
-              <a:rPr b="1" lang="en-GB" sz="1200">
-                <a:solidFill>
-                  <a:srgbClr val="000000"/>
-                </a:solidFill>
-                <a:highlight>
-                  <a:srgbClr val="FFFFFF"/>
-                </a:highlight>
-                <a:latin typeface="Courier New"/>
-                <a:ea typeface="Courier New"/>
-                <a:cs typeface="Courier New"/>
-                <a:sym typeface="Courier New"/>
-              </a:rPr>
-              <a:t>#</a:t>
-            </a:r>
-            <a:r>
-              <a:rPr b="1" lang="en-GB" sz="1400">
-                <a:solidFill>
-                  <a:srgbClr val="000000"/>
-                </a:solidFill>
-                <a:highlight>
-                  <a:srgbClr val="FFFFFF"/>
-                </a:highlight>
-                <a:latin typeface="Courier New"/>
-                <a:ea typeface="Courier New"/>
-                <a:cs typeface="Courier New"/>
-                <a:sym typeface="Courier New"/>
-              </a:rPr>
-              <a:t> </a:t>
-            </a:r>
-            <a:r>
-              <a:rPr b="1" lang="en-GB" sz="1200">
-                <a:solidFill>
-                  <a:srgbClr val="000000"/>
-                </a:solidFill>
-                <a:highlight>
-                  <a:srgbClr val="FFFFFF"/>
-                </a:highlight>
-                <a:latin typeface="Courier New"/>
-                <a:ea typeface="Courier New"/>
-                <a:cs typeface="Courier New"/>
-                <a:sym typeface="Courier New"/>
-              </a:rPr>
-              <a:t>Zaustavlja kontejnere (opciono uklanja kontejnere, </a:t>
-            </a:r>
-            <a:r>
-              <a:rPr b="1" lang="en-GB" sz="1200">
-                <a:solidFill>
-                  <a:srgbClr val="000000"/>
-                </a:solidFill>
-                <a:highlight>
-                  <a:schemeClr val="lt1"/>
-                </a:highlight>
-                <a:latin typeface="Courier New"/>
-                <a:ea typeface="Courier New"/>
-                <a:cs typeface="Courier New"/>
-                <a:sym typeface="Courier New"/>
-              </a:rPr>
-              <a:t>mreže, </a:t>
-            </a:r>
-            <a:r>
-              <a:rPr b="1" lang="en-GB" sz="1200">
-                <a:solidFill>
-                  <a:srgbClr val="FFFFFF"/>
-                </a:solidFill>
-                <a:highlight>
-                  <a:schemeClr val="lt1"/>
-                </a:highlight>
-                <a:latin typeface="Courier New"/>
-                <a:ea typeface="Courier New"/>
-                <a:cs typeface="Courier New"/>
-                <a:sym typeface="Courier New"/>
-              </a:rPr>
-              <a:t>rerererererererer</a:t>
-            </a:r>
-            <a:r>
-              <a:rPr b="1" lang="en-GB" sz="1200">
-                <a:solidFill>
-                  <a:srgbClr val="000000"/>
-                </a:solidFill>
-                <a:highlight>
-                  <a:schemeClr val="lt1"/>
-                </a:highlight>
-                <a:latin typeface="Courier New"/>
-                <a:ea typeface="Courier New"/>
-                <a:cs typeface="Courier New"/>
-                <a:sym typeface="Courier New"/>
-              </a:rPr>
-              <a:t># skladišta</a:t>
-            </a:r>
-            <a:r>
-              <a:rPr b="1" lang="en-GB" sz="1200">
-                <a:solidFill>
-                  <a:srgbClr val="000000"/>
-                </a:solidFill>
-                <a:highlight>
-                  <a:srgbClr val="FFFFFF"/>
-                </a:highlight>
-                <a:latin typeface="Courier New"/>
-                <a:ea typeface="Courier New"/>
-                <a:cs typeface="Courier New"/>
-                <a:sym typeface="Courier New"/>
-              </a:rPr>
-              <a:t> i slike kreirane korišćenjem naredbe up (--rmi ‘all’, -v…))</a:t>
-            </a:r>
-            <a:r>
-              <a:rPr b="1" lang="en-GB" sz="1400">
-                <a:solidFill>
-                  <a:srgbClr val="000000"/>
-                </a:solidFill>
-                <a:highlight>
-                  <a:srgbClr val="FFFFFF"/>
-                </a:highlight>
-                <a:latin typeface="Courier New"/>
-                <a:ea typeface="Courier New"/>
-                <a:cs typeface="Courier New"/>
-                <a:sym typeface="Courier New"/>
-              </a:rPr>
-              <a:t>                                       </a:t>
-            </a:r>
-            <a:endParaRPr b="1" sz="1400">
+              <a:t>datoteka koja definiše servise, mreže i skladišta, neophodne kako bi se pokrenuo čitav ekosistem servisa.</a:t>
+            </a:r>
+            <a:endParaRPr>
               <a:solidFill>
-                <a:srgbClr val="000000"/>
+                <a:srgbClr val="254356"/>
               </a:solidFill>
               <a:highlight>
                 <a:srgbClr val="FFFFFF"/>
               </a:highlight>
-              <a:latin typeface="Courier New"/>
-              <a:ea typeface="Courier New"/>
-              <a:cs typeface="Courier New"/>
-              <a:sym typeface="Courier New"/>
             </a:endParaRPr>
           </a:p>
           <a:p>
-            <a:pPr indent="0" lvl="0" marL="152400" marR="152400" rtl="0" algn="l">
-              <a:lnSpc>
-                <a:spcPct val="150000"/>
-              </a:lnSpc>
-              <a:spcBef>
-                <a:spcPts val="0"/>
-              </a:spcBef>
-              <a:spcAft>
-                <a:spcPts val="0"/>
-              </a:spcAft>
-              <a:buNone/>
-            </a:pPr>
-            <a:r>
-              <a:t/>
-            </a:r>
-            <a:endParaRPr b="1" sz="1400">
+            <a:pPr indent="0" lvl="0" marL="0" rtl="0" algn="just">
+              <a:spcBef>
+                <a:spcPts val="1600"/>
+              </a:spcBef>
+              <a:spcAft>
+                <a:spcPts val="0"/>
+              </a:spcAft>
+              <a:buNone/>
+            </a:pPr>
+            <a:r>
+              <a:rPr lang="en-GB">
+                <a:solidFill>
+                  <a:srgbClr val="254356"/>
+                </a:solidFill>
+                <a:highlight>
+                  <a:srgbClr val="FFFFFF"/>
+                </a:highlight>
+              </a:rPr>
+              <a:t>Podrazumevana putanja do </a:t>
+            </a:r>
+            <a:r>
+              <a:rPr i="1" lang="en-GB">
+                <a:solidFill>
+                  <a:srgbClr val="254356"/>
+                </a:solidFill>
+                <a:highlight>
+                  <a:srgbClr val="FFFFFF"/>
+                </a:highlight>
+              </a:rPr>
+              <a:t>Compose </a:t>
+            </a:r>
+            <a:r>
+              <a:rPr lang="en-GB">
+                <a:solidFill>
+                  <a:srgbClr val="254356"/>
+                </a:solidFill>
+                <a:highlight>
+                  <a:srgbClr val="FFFFFF"/>
+                </a:highlight>
+              </a:rPr>
+              <a:t>datoteke je </a:t>
+            </a:r>
+            <a:r>
+              <a:rPr i="1" lang="en-GB">
+                <a:solidFill>
+                  <a:srgbClr val="254356"/>
+                </a:solidFill>
+                <a:highlight>
+                  <a:srgbClr val="FFFFFF"/>
+                </a:highlight>
+              </a:rPr>
+              <a:t>./docker-compose.yml</a:t>
+            </a:r>
+            <a:r>
+              <a:rPr lang="en-GB">
+                <a:solidFill>
+                  <a:srgbClr val="254356"/>
+                </a:solidFill>
+                <a:highlight>
+                  <a:srgbClr val="FFFFFF"/>
+                </a:highlight>
+              </a:rPr>
+              <a:t>.</a:t>
+            </a:r>
+            <a:endParaRPr>
               <a:solidFill>
-                <a:srgbClr val="000000"/>
+                <a:srgbClr val="254356"/>
               </a:solidFill>
               <a:highlight>
                 <a:srgbClr val="FFFFFF"/>
               </a:highlight>
-              <a:latin typeface="Courier New"/>
-              <a:ea typeface="Courier New"/>
-              <a:cs typeface="Courier New"/>
-              <a:sym typeface="Courier New"/>
             </a:endParaRPr>
           </a:p>
           <a:p>
-            <a:pPr indent="0" lvl="0" marL="152400" marR="152400" rtl="0" algn="l">
-              <a:lnSpc>
-                <a:spcPct val="150000"/>
-              </a:lnSpc>
-              <a:spcBef>
-                <a:spcPts val="0"/>
-              </a:spcBef>
-              <a:spcAft>
-                <a:spcPts val="0"/>
-              </a:spcAft>
-              <a:buNone/>
-            </a:pPr>
-            <a:r>
-              <a:rPr b="1" lang="en-GB" sz="1400">
-                <a:solidFill>
-                  <a:srgbClr val="000000"/>
+            <a:pPr indent="0" lvl="0" marL="0" rtl="0" algn="just">
+              <a:spcBef>
+                <a:spcPts val="1600"/>
+              </a:spcBef>
+              <a:spcAft>
+                <a:spcPts val="0"/>
+              </a:spcAft>
+              <a:buNone/>
+            </a:pPr>
+            <a:r>
+              <a:rPr lang="en-GB">
+                <a:solidFill>
+                  <a:srgbClr val="254356"/>
                 </a:solidFill>
                 <a:highlight>
                   <a:srgbClr val="FFFFFF"/>
                 </a:highlight>
-                <a:latin typeface="Courier New"/>
-                <a:ea typeface="Courier New"/>
-                <a:cs typeface="Courier New"/>
-                <a:sym typeface="Courier New"/>
               </a:rPr>
-              <a:t>docker-compose start  </a:t>
-            </a:r>
-            <a:r>
-              <a:rPr b="1" lang="en-GB" sz="1200">
-                <a:solidFill>
-                  <a:srgbClr val="000000"/>
+              <a:t>Trenutno aktuelna verzija formata </a:t>
+            </a:r>
+            <a:r>
+              <a:rPr i="1" lang="en-GB">
+                <a:solidFill>
+                  <a:srgbClr val="254356"/>
                 </a:solidFill>
                 <a:highlight>
                   <a:srgbClr val="FFFFFF"/>
                 </a:highlight>
-                <a:latin typeface="Courier New"/>
-                <a:ea typeface="Courier New"/>
-                <a:cs typeface="Courier New"/>
-                <a:sym typeface="Courier New"/>
               </a:rPr>
-              <a:t># Pokreće postojeće kontejnere</a:t>
-            </a:r>
-            <a:br>
-              <a:rPr b="1" lang="en-GB" sz="1200">
-                <a:solidFill>
-                  <a:srgbClr val="000000"/>
+              <a:t>Compose </a:t>
+            </a:r>
+            <a:r>
+              <a:rPr lang="en-GB">
+                <a:solidFill>
+                  <a:srgbClr val="254356"/>
                 </a:solidFill>
                 <a:highlight>
                   <a:srgbClr val="FFFFFF"/>
                 </a:highlight>
-                <a:latin typeface="Courier New"/>
-                <a:ea typeface="Courier New"/>
-                <a:cs typeface="Courier New"/>
-                <a:sym typeface="Courier New"/>
               </a:rPr>
-            </a:br>
-            <a:r>
-              <a:rPr b="1" lang="en-GB" sz="1400">
-                <a:solidFill>
-                  <a:srgbClr val="000000"/>
+              <a:t>datoteke - v</a:t>
+            </a:r>
+            <a:r>
+              <a:rPr lang="en-GB">
+                <a:solidFill>
+                  <a:srgbClr val="254356"/>
                 </a:solidFill>
                 <a:highlight>
                   <a:srgbClr val="FFFFFF"/>
                 </a:highlight>
-                <a:latin typeface="Courier New"/>
-                <a:ea typeface="Courier New"/>
-                <a:cs typeface="Courier New"/>
-                <a:sym typeface="Courier New"/>
               </a:rPr>
-              <a:t>docker-compose stop   </a:t>
-            </a:r>
-            <a:r>
-              <a:rPr b="1" lang="en-GB" sz="1200">
-                <a:solidFill>
-                  <a:srgbClr val="000000"/>
+              <a:t>3.7</a:t>
+            </a:r>
+            <a:r>
+              <a:rPr lang="en-GB">
+                <a:solidFill>
+                  <a:srgbClr val="254356"/>
                 </a:solidFill>
                 <a:highlight>
                   <a:srgbClr val="FFFFFF"/>
                 </a:highlight>
-                <a:latin typeface="Courier New"/>
-                <a:ea typeface="Courier New"/>
-                <a:cs typeface="Courier New"/>
-                <a:sym typeface="Courier New"/>
               </a:rPr>
-              <a:t># Zaustavlja pokrenute kontejnere bez uklanjanja</a:t>
-            </a:r>
-            <a:endParaRPr b="1" sz="1200">
+              <a:t>.</a:t>
+            </a:r>
+            <a:endParaRPr>
               <a:solidFill>
-                <a:srgbClr val="000000"/>
+                <a:srgbClr val="254356"/>
               </a:solidFill>
               <a:highlight>
                 <a:srgbClr val="FFFFFF"/>
               </a:highlight>
-              <a:latin typeface="Courier New"/>
-              <a:ea typeface="Courier New"/>
-              <a:cs typeface="Courier New"/>
-              <a:sym typeface="Courier New"/>
             </a:endParaRPr>
           </a:p>
           <a:p>
-            <a:pPr indent="0" lvl="0" marL="152400" marR="152400" rtl="0" algn="l">
-              <a:lnSpc>
-                <a:spcPct val="150000"/>
-              </a:lnSpc>
-              <a:spcBef>
-                <a:spcPts val="0"/>
-              </a:spcBef>
-              <a:spcAft>
-                <a:spcPts val="0"/>
-              </a:spcAft>
-              <a:buNone/>
-            </a:pPr>
-            <a:r>
-              <a:rPr b="1" lang="en-GB" sz="1400">
-                <a:solidFill>
-                  <a:srgbClr val="000000"/>
-                </a:solidFill>
-                <a:highlight>
-                  <a:srgbClr val="FFFFFF"/>
-                </a:highlight>
-                <a:latin typeface="Courier New"/>
-                <a:ea typeface="Courier New"/>
-                <a:cs typeface="Courier New"/>
-                <a:sym typeface="Courier New"/>
-              </a:rPr>
-              <a:t>docker-compose kill   </a:t>
-            </a:r>
-            <a:r>
-              <a:rPr b="1" lang="en-GB" sz="1200">
-                <a:solidFill>
-                  <a:srgbClr val="000000"/>
-                </a:solidFill>
-                <a:highlight>
-                  <a:srgbClr val="FFFFFF"/>
-                </a:highlight>
-                <a:latin typeface="Courier New"/>
-                <a:ea typeface="Courier New"/>
-                <a:cs typeface="Courier New"/>
-                <a:sym typeface="Courier New"/>
-              </a:rPr>
-              <a:t># Prisilno zaustavlja pokrenute kontejnere (force stop)</a:t>
-            </a:r>
-            <a:endParaRPr b="1" sz="1200">
+            <a:pPr indent="0" lvl="0" marL="0" rtl="0" algn="just">
+              <a:spcBef>
+                <a:spcPts val="1600"/>
+              </a:spcBef>
+              <a:spcAft>
+                <a:spcPts val="0"/>
+              </a:spcAft>
+              <a:buNone/>
+            </a:pPr>
+            <a:r>
+              <a:t/>
+            </a:r>
+            <a:endParaRPr sz="1050">
               <a:solidFill>
-                <a:srgbClr val="000000"/>
+                <a:srgbClr val="254356"/>
               </a:solidFill>
               <a:highlight>
                 <a:srgbClr val="FFFFFF"/>
               </a:highlight>
-              <a:latin typeface="Courier New"/>
-              <a:ea typeface="Courier New"/>
-              <a:cs typeface="Courier New"/>
-              <a:sym typeface="Courier New"/>
             </a:endParaRPr>
           </a:p>
           <a:p>
-            <a:pPr indent="0" lvl="0" marL="0" marR="152400" rtl="0" algn="l">
-              <a:lnSpc>
-                <a:spcPct val="150000"/>
-              </a:lnSpc>
-              <a:spcBef>
-                <a:spcPts val="0"/>
-              </a:spcBef>
-              <a:spcAft>
-                <a:spcPts val="0"/>
-              </a:spcAft>
-              <a:buNone/>
-            </a:pPr>
-            <a:r>
-              <a:t/>
-            </a:r>
-            <a:endParaRPr b="1" sz="1400">
-              <a:solidFill>
-                <a:srgbClr val="111111"/>
-              </a:solidFill>
-              <a:highlight>
-                <a:srgbClr val="FFFFFF"/>
-              </a:highlight>
-              <a:latin typeface="Courier New"/>
-              <a:ea typeface="Courier New"/>
-              <a:cs typeface="Courier New"/>
-              <a:sym typeface="Courier New"/>
-            </a:endParaRPr>
-          </a:p>
-          <a:p>
-            <a:pPr indent="0" lvl="0" marL="0" rtl="0" algn="l">
-              <a:spcBef>
-                <a:spcPts val="0"/>
+            <a:pPr indent="0" lvl="0" marL="0" rtl="0" algn="just">
+              <a:spcBef>
+                <a:spcPts val="1600"/>
               </a:spcBef>
               <a:spcAft>
                 <a:spcPts val="1600"/>
@@ -7663,7 +10637,7 @@
                 </a:highlight>
                 <a:hlinkClick r:id="rId3"/>
               </a:rPr>
-              <a:t>https://docs.docker.com/compose/reference/</a:t>
+              <a:t>Compose File v3 Reference</a:t>
             </a:r>
             <a:endParaRPr/>
           </a:p>
@@ -7677,7 +10651,7 @@
 </p:sld>
 </file>
 
-<file path=ppt/slides/slide5.xml><?xml version="1.0" encoding="utf-8"?>
+<file path=ppt/slides/slide4.xml><?xml version="1.0" encoding="utf-8"?>
 <p:sld xmlns:a="http://schemas.openxmlformats.org/drawingml/2006/main" xmlns:r="http://schemas.openxmlformats.org/officeDocument/2006/relationships" xmlns:mc="http://schemas.openxmlformats.org/markup-compatibility/2006" xmlns:mv="urn:schemas-microsoft-com:mac:vml" xmlns:p="http://schemas.openxmlformats.org/presentationml/2006/main" xmlns:c="http://schemas.openxmlformats.org/drawingml/2006/chart" xmlns:dgm="http://schemas.openxmlformats.org/drawingml/2006/diagram" xmlns:o="urn:schemas-microsoft-com:office:office" xmlns:v="urn:schemas-microsoft-com:vml" xmlns:pvml="urn:schemas-microsoft-com:office:powerpoint" xmlns:com="http://schemas.openxmlformats.org/drawingml/2006/compatibility" xmlns:p14="http://schemas.microsoft.com/office/powerpoint/2010/main" xmlns:p15="http://schemas.microsoft.com/office/powerpoint/2012/main">
   <p:cSld>
     <p:spTree>
@@ -7728,7 +10702,7 @@
             </a:pPr>
             <a:r>
               <a:rPr lang="en-GB"/>
-              <a:t>Compose .yml datoteka - primer</a:t>
+              <a:t>Osobine</a:t>
             </a:r>
             <a:endParaRPr/>
           </a:p>
@@ -7744,15 +10718,12 @@
         </p:nvSpPr>
         <p:spPr>
           <a:xfrm>
-            <a:off x="5672700" y="1044525"/>
-            <a:ext cx="3159600" cy="3416400"/>
+            <a:off x="311700" y="1152475"/>
+            <a:ext cx="8520600" cy="3416400"/>
           </a:xfrm>
           <a:prstGeom prst="rect">
             <a:avLst/>
           </a:prstGeom>
-          <a:solidFill>
-            <a:srgbClr val="EFEFEF"/>
-          </a:solidFill>
         </p:spPr>
         <p:txBody>
           <a:bodyPr anchorCtr="0" anchor="t" bIns="91425" lIns="91425" spcFirstLastPara="1" rIns="91425" wrap="square" tIns="91425">
@@ -7760,9 +10731,394 @@
           </a:bodyPr>
           <a:lstStyle/>
           <a:p>
+            <a:pPr indent="-342900" lvl="0" marL="457200" marR="0" rtl="0" algn="l">
+              <a:lnSpc>
+                <a:spcPct val="115000"/>
+              </a:lnSpc>
+              <a:spcBef>
+                <a:spcPts val="0"/>
+              </a:spcBef>
+              <a:spcAft>
+                <a:spcPts val="0"/>
+              </a:spcAft>
+              <a:buClr>
+                <a:schemeClr val="dk2"/>
+              </a:buClr>
+              <a:buSzPts val="1800"/>
+              <a:buFont typeface="Arial"/>
+              <a:buChar char="●"/>
+            </a:pPr>
+            <a:r>
+              <a:rPr lang="en-GB"/>
+              <a:t>Osobine alata </a:t>
+            </a:r>
+            <a:r>
+              <a:rPr i="1" lang="en-GB"/>
+              <a:t>Docker Compose</a:t>
+            </a:r>
+            <a:endParaRPr i="1"/>
+          </a:p>
+          <a:p>
+            <a:pPr indent="-317500" lvl="1" marL="914400" marR="0" rtl="0" algn="l">
+              <a:lnSpc>
+                <a:spcPct val="115000"/>
+              </a:lnSpc>
+              <a:spcBef>
+                <a:spcPts val="0"/>
+              </a:spcBef>
+              <a:spcAft>
+                <a:spcPts val="0"/>
+              </a:spcAft>
+              <a:buSzPts val="1400"/>
+              <a:buChar char="○"/>
+            </a:pPr>
+            <a:r>
+              <a:rPr lang="en-GB"/>
+              <a:t>omogućava pokretanje izolovanih izvršnih okruženja na istom sistemu domaćinu</a:t>
+            </a:r>
+            <a:endParaRPr/>
+          </a:p>
+          <a:p>
+            <a:pPr indent="-317500" lvl="2" marL="1371600" marR="0" rtl="0" algn="l">
+              <a:lnSpc>
+                <a:spcPct val="115000"/>
+              </a:lnSpc>
+              <a:spcBef>
+                <a:spcPts val="0"/>
+              </a:spcBef>
+              <a:spcAft>
+                <a:spcPts val="0"/>
+              </a:spcAft>
+              <a:buSzPts val="1400"/>
+              <a:buChar char="■"/>
+            </a:pPr>
+            <a:r>
+              <a:rPr lang="en-GB"/>
+              <a:t>npr. moguće je na razvojnoj mašini pokrenuti paralelno različite verzije istog softvera kako bi se lakše testirale funkcionalnosti</a:t>
+            </a:r>
+            <a:endParaRPr/>
+          </a:p>
+          <a:p>
+            <a:pPr indent="-317500" lvl="1" marL="914400" marR="0" rtl="0" algn="l">
+              <a:lnSpc>
+                <a:spcPct val="115000"/>
+              </a:lnSpc>
+              <a:spcBef>
+                <a:spcPts val="0"/>
+              </a:spcBef>
+              <a:spcAft>
+                <a:spcPts val="0"/>
+              </a:spcAft>
+              <a:buSzPts val="1400"/>
+              <a:buChar char="○"/>
+            </a:pPr>
+            <a:r>
+              <a:rPr lang="en-GB"/>
+              <a:t>čuva podatke u skladištima između pokretanja</a:t>
+            </a:r>
+            <a:endParaRPr/>
+          </a:p>
+          <a:p>
+            <a:pPr indent="-317500" lvl="2" marL="1371600" marR="0" rtl="0" algn="l">
+              <a:lnSpc>
+                <a:spcPct val="115000"/>
+              </a:lnSpc>
+              <a:spcBef>
+                <a:spcPts val="0"/>
+              </a:spcBef>
+              <a:spcAft>
+                <a:spcPts val="0"/>
+              </a:spcAft>
+              <a:buSzPts val="1400"/>
+              <a:buChar char="■"/>
+            </a:pPr>
+            <a:r>
+              <a:rPr lang="en-GB"/>
+              <a:t>svi podaci smešteni u trajna skladišta su sačuvana</a:t>
+            </a:r>
+            <a:endParaRPr/>
+          </a:p>
+          <a:p>
+            <a:pPr indent="-317500" lvl="1" marL="914400" marR="0" rtl="0" algn="l">
+              <a:lnSpc>
+                <a:spcPct val="115000"/>
+              </a:lnSpc>
+              <a:spcBef>
+                <a:spcPts val="0"/>
+              </a:spcBef>
+              <a:spcAft>
+                <a:spcPts val="0"/>
+              </a:spcAft>
+              <a:buSzPts val="1400"/>
+              <a:buChar char="○"/>
+            </a:pPr>
+            <a:r>
+              <a:rPr lang="en-GB"/>
+              <a:t>kešira podešavanje kontejnera između pokretanja</a:t>
+            </a:r>
+            <a:endParaRPr/>
+          </a:p>
+          <a:p>
+            <a:pPr indent="-317500" lvl="2" marL="1371600" marR="0" rtl="0" algn="l">
+              <a:lnSpc>
+                <a:spcPct val="115000"/>
+              </a:lnSpc>
+              <a:spcBef>
+                <a:spcPts val="0"/>
+              </a:spcBef>
+              <a:spcAft>
+                <a:spcPts val="0"/>
+              </a:spcAft>
+              <a:buSzPts val="1400"/>
+              <a:buChar char="■"/>
+            </a:pPr>
+            <a:r>
+              <a:rPr lang="en-GB"/>
+              <a:t>rekreiraju se samo kontejneri koji su u međuvremenu izmenjeni</a:t>
+            </a:r>
+            <a:endParaRPr/>
+          </a:p>
+          <a:p>
+            <a:pPr indent="-317500" lvl="2" marL="1371600" marR="0" rtl="0" algn="l">
+              <a:lnSpc>
+                <a:spcPct val="115000"/>
+              </a:lnSpc>
+              <a:spcBef>
+                <a:spcPts val="0"/>
+              </a:spcBef>
+              <a:spcAft>
+                <a:spcPts val="0"/>
+              </a:spcAft>
+              <a:buSzPts val="1400"/>
+              <a:buChar char="■"/>
+            </a:pPr>
+            <a:r>
+              <a:rPr lang="en-GB"/>
+              <a:t>ukoliko nije bilo izmena, docker compose ponovo koristi stari kontejner</a:t>
+            </a:r>
+            <a:endParaRPr/>
+          </a:p>
+          <a:p>
+            <a:pPr indent="-317500" lvl="1" marL="914400" marR="0" rtl="0" algn="l">
+              <a:lnSpc>
+                <a:spcPct val="115000"/>
+              </a:lnSpc>
+              <a:spcBef>
+                <a:spcPts val="0"/>
+              </a:spcBef>
+              <a:spcAft>
+                <a:spcPts val="0"/>
+              </a:spcAft>
+              <a:buSzPts val="1400"/>
+              <a:buChar char="○"/>
+            </a:pPr>
+            <a:r>
+              <a:rPr lang="en-GB"/>
+              <a:t>dozvoljava korišćenje promenljivih iz izvršnog okruženja (</a:t>
+            </a:r>
+            <a:r>
+              <a:rPr i="1" lang="en-GB"/>
+              <a:t>eng. environmental variables</a:t>
+            </a:r>
+            <a:r>
+              <a:rPr lang="en-GB"/>
+              <a:t>)</a:t>
+            </a:r>
+            <a:endParaRPr/>
+          </a:p>
+          <a:p>
+            <a:pPr indent="-317500" lvl="2" marL="1371600" marR="0" rtl="0" algn="l">
+              <a:lnSpc>
+                <a:spcPct val="115000"/>
+              </a:lnSpc>
+              <a:spcBef>
+                <a:spcPts val="0"/>
+              </a:spcBef>
+              <a:spcAft>
+                <a:spcPts val="0"/>
+              </a:spcAft>
+              <a:buSzPts val="1400"/>
+              <a:buChar char="■"/>
+            </a:pPr>
+            <a:r>
+              <a:rPr lang="en-GB"/>
+              <a:t>za parametrizaciju podešavanja kontejnera</a:t>
+            </a:r>
+            <a:endParaRPr/>
+          </a:p>
+          <a:p>
+            <a:pPr indent="-317500" lvl="2" marL="1371600" marR="0" rtl="0" algn="l">
+              <a:lnSpc>
+                <a:spcPct val="115000"/>
+              </a:lnSpc>
+              <a:spcBef>
+                <a:spcPts val="0"/>
+              </a:spcBef>
+              <a:spcAft>
+                <a:spcPts val="0"/>
+              </a:spcAft>
+              <a:buSzPts val="1400"/>
+              <a:buChar char="■"/>
+            </a:pPr>
+            <a:r>
+              <a:rPr lang="en-GB"/>
+              <a:t>povećava stepen ponovne iskoristivosti specifikacija</a:t>
+            </a:r>
+            <a:endParaRPr/>
+          </a:p>
+          <a:p>
+            <a:pPr indent="-317500" lvl="3" marL="1828800" marR="0" rtl="0" algn="l">
+              <a:lnSpc>
+                <a:spcPct val="115000"/>
+              </a:lnSpc>
+              <a:spcBef>
+                <a:spcPts val="0"/>
+              </a:spcBef>
+              <a:spcAft>
+                <a:spcPts val="0"/>
+              </a:spcAft>
+              <a:buSzPts val="1400"/>
+              <a:buChar char="●"/>
+            </a:pPr>
+            <a:r>
+              <a:rPr lang="en-GB"/>
+              <a:t>za različita okruženja</a:t>
+            </a:r>
+            <a:endParaRPr/>
+          </a:p>
+        </p:txBody>
+      </p:sp>
+      <p:sp>
+        <p:nvSpPr>
+          <p:cNvPr id="81" name="Google Shape;81;p17"/>
+          <p:cNvSpPr txBox="1"/>
+          <p:nvPr>
+            <p:ph idx="12" type="sldNum"/>
+          </p:nvPr>
+        </p:nvSpPr>
+        <p:spPr>
+          <a:xfrm>
+            <a:off x="8472458" y="4663217"/>
+            <a:ext cx="548700" cy="393600"/>
+          </a:xfrm>
+          <a:prstGeom prst="rect">
+            <a:avLst/>
+          </a:prstGeom>
+        </p:spPr>
+        <p:txBody>
+          <a:bodyPr anchorCtr="0" anchor="ctr" bIns="91425" lIns="91425" spcFirstLastPara="1" rIns="91425" wrap="square" tIns="91425">
+            <a:noAutofit/>
+          </a:bodyPr>
+          <a:lstStyle/>
+          <a:p>
+            <a:pPr indent="0" lvl="0" marL="0" rtl="0" algn="r">
+              <a:spcBef>
+                <a:spcPts val="0"/>
+              </a:spcBef>
+              <a:spcAft>
+                <a:spcPts val="0"/>
+              </a:spcAft>
+              <a:buNone/>
+            </a:pPr>
+            <a:fld id="{00000000-1234-1234-1234-123412341234}" type="slidenum">
+              <a:rPr lang="en-GB"/>
+              <a:t>‹#›</a:t>
+            </a:fld>
+            <a:endParaRPr/>
+          </a:p>
+        </p:txBody>
+      </p:sp>
+    </p:spTree>
+  </p:cSld>
+  <p:clrMapOvr>
+    <a:masterClrMapping/>
+  </p:clrMapOvr>
+</p:sld>
+</file>
+
+<file path=ppt/slides/slide5.xml><?xml version="1.0" encoding="utf-8"?>
+<p:sld xmlns:a="http://schemas.openxmlformats.org/drawingml/2006/main" xmlns:r="http://schemas.openxmlformats.org/officeDocument/2006/relationships" xmlns:mc="http://schemas.openxmlformats.org/markup-compatibility/2006" xmlns:mv="urn:schemas-microsoft-com:mac:vml" xmlns:p="http://schemas.openxmlformats.org/presentationml/2006/main" xmlns:c="http://schemas.openxmlformats.org/drawingml/2006/chart" xmlns:dgm="http://schemas.openxmlformats.org/drawingml/2006/diagram" xmlns:o="urn:schemas-microsoft-com:office:office" xmlns:v="urn:schemas-microsoft-com:vml" xmlns:pvml="urn:schemas-microsoft-com:office:powerpoint" xmlns:com="http://schemas.openxmlformats.org/drawingml/2006/compatibility" xmlns:p14="http://schemas.microsoft.com/office/powerpoint/2010/main" xmlns:p15="http://schemas.microsoft.com/office/powerpoint/2012/main">
+  <p:cSld>
+    <p:spTree>
+      <p:nvGrpSpPr>
+        <p:cNvPr id="85" name="Shape 85"/>
+        <p:cNvGrpSpPr/>
+        <p:nvPr/>
+      </p:nvGrpSpPr>
+      <p:grpSpPr>
+        <a:xfrm>
+          <a:off x="0" y="0"/>
+          <a:ext cx="0" cy="0"/>
+          <a:chOff x="0" y="0"/>
+          <a:chExt cx="0" cy="0"/>
+        </a:xfrm>
+      </p:grpSpPr>
+      <p:sp>
+        <p:nvSpPr>
+          <p:cNvPr id="86" name="Google Shape;86;p18"/>
+          <p:cNvSpPr txBox="1"/>
+          <p:nvPr>
+            <p:ph type="title"/>
+          </p:nvPr>
+        </p:nvSpPr>
+        <p:spPr>
+          <a:xfrm>
+            <a:off x="311700" y="445025"/>
+            <a:ext cx="8520600" cy="572700"/>
+          </a:xfrm>
+          <a:prstGeom prst="rect">
+            <a:avLst/>
+          </a:prstGeom>
+        </p:spPr>
+        <p:txBody>
+          <a:bodyPr anchorCtr="0" anchor="t" bIns="91425" lIns="91425" spcFirstLastPara="1" rIns="91425" wrap="square" tIns="91425">
+            <a:noAutofit/>
+          </a:bodyPr>
+          <a:lstStyle/>
+          <a:p>
             <a:pPr indent="0" lvl="0" marL="0" rtl="0" algn="l">
+              <a:spcBef>
+                <a:spcPts val="0"/>
+              </a:spcBef>
+              <a:spcAft>
+                <a:spcPts val="0"/>
+              </a:spcAft>
+              <a:buNone/>
+            </a:pPr>
+            <a:r>
+              <a:rPr lang="en-GB"/>
+              <a:t>Slučajevi korišćenja</a:t>
+            </a:r>
+            <a:endParaRPr/>
+          </a:p>
+        </p:txBody>
+      </p:sp>
+      <p:sp>
+        <p:nvSpPr>
+          <p:cNvPr id="87" name="Google Shape;87;p18"/>
+          <p:cNvSpPr txBox="1"/>
+          <p:nvPr>
+            <p:ph idx="1" type="body"/>
+          </p:nvPr>
+        </p:nvSpPr>
+        <p:spPr>
+          <a:xfrm>
+            <a:off x="311700" y="1152475"/>
+            <a:ext cx="8520600" cy="3416400"/>
+          </a:xfrm>
+          <a:prstGeom prst="rect">
+            <a:avLst/>
+          </a:prstGeom>
+        </p:spPr>
+        <p:txBody>
+          <a:bodyPr anchorCtr="0" anchor="t" bIns="91425" lIns="91425" spcFirstLastPara="1" rIns="91425" wrap="square" tIns="91425">
+            <a:noAutofit/>
+          </a:bodyPr>
+          <a:lstStyle/>
+          <a:p>
+            <a:pPr indent="-342900" lvl="0" marL="457200" marR="0" rtl="0" algn="l">
               <a:lnSpc>
-                <a:spcPct val="100000"/>
+                <a:spcPct val="115000"/>
               </a:lnSpc>
               <a:spcBef>
                 <a:spcPts val="0"/>
@@ -7770,18 +11126,677 @@
               <a:spcAft>
                 <a:spcPts val="0"/>
               </a:spcAft>
+              <a:buClr>
+                <a:schemeClr val="dk2"/>
+              </a:buClr>
+              <a:buSzPts val="1800"/>
+              <a:buFont typeface="Arial"/>
+              <a:buChar char="●"/>
+            </a:pPr>
+            <a:r>
+              <a:rPr lang="en-GB"/>
+              <a:t>Slučajevi korišćenja alata </a:t>
+            </a:r>
+            <a:r>
+              <a:rPr i="1" lang="en-GB"/>
+              <a:t>Docker Compose</a:t>
+            </a:r>
+            <a:endParaRPr i="1"/>
+          </a:p>
+          <a:p>
+            <a:pPr indent="-317500" lvl="1" marL="914400" marR="0" rtl="0" algn="l">
+              <a:lnSpc>
+                <a:spcPct val="115000"/>
+              </a:lnSpc>
+              <a:spcBef>
+                <a:spcPts val="0"/>
+              </a:spcBef>
+              <a:spcAft>
+                <a:spcPts val="0"/>
+              </a:spcAft>
+              <a:buSzPts val="1400"/>
+              <a:buChar char="○"/>
+            </a:pPr>
+            <a:r>
+              <a:rPr lang="en-GB"/>
+              <a:t>pokretanje aplikacije na razvojnom računaru</a:t>
+            </a:r>
+            <a:endParaRPr/>
+          </a:p>
+          <a:p>
+            <a:pPr indent="-317500" lvl="2" marL="1371600" marR="0" rtl="0" algn="l">
+              <a:lnSpc>
+                <a:spcPct val="115000"/>
+              </a:lnSpc>
+              <a:spcBef>
+                <a:spcPts val="0"/>
+              </a:spcBef>
+              <a:spcAft>
+                <a:spcPts val="0"/>
+              </a:spcAft>
+              <a:buSzPts val="1400"/>
+              <a:buChar char="■"/>
+            </a:pPr>
+            <a:r>
+              <a:rPr lang="en-GB"/>
+              <a:t>jednom konfigurisane servise koje aplikacija koristi potrebno samo pokretati i zaustavljati</a:t>
+            </a:r>
+            <a:endParaRPr/>
+          </a:p>
+          <a:p>
+            <a:pPr indent="-317500" lvl="3" marL="1828800" marR="0" rtl="0" algn="l">
+              <a:lnSpc>
+                <a:spcPct val="115000"/>
+              </a:lnSpc>
+              <a:spcBef>
+                <a:spcPts val="0"/>
+              </a:spcBef>
+              <a:spcAft>
+                <a:spcPts val="0"/>
+              </a:spcAft>
+              <a:buSzPts val="1400"/>
+              <a:buChar char="●"/>
+            </a:pPr>
+            <a:r>
+              <a:rPr lang="en-GB"/>
+              <a:t>baze podataka, cache-ove, eksterne api-je itd.</a:t>
+            </a:r>
+            <a:endParaRPr/>
+          </a:p>
+          <a:p>
+            <a:pPr indent="-317500" lvl="2" marL="1371600" marR="0" rtl="0" algn="l">
+              <a:lnSpc>
+                <a:spcPct val="115000"/>
+              </a:lnSpc>
+              <a:spcBef>
+                <a:spcPts val="0"/>
+              </a:spcBef>
+              <a:spcAft>
+                <a:spcPts val="0"/>
+              </a:spcAft>
+              <a:buSzPts val="1400"/>
+              <a:buChar char="■"/>
+            </a:pPr>
+            <a:r>
+              <a:rPr lang="en-GB"/>
+              <a:t>lako postavljanje i uklanjanje izolovanih testnih okruženja</a:t>
+            </a:r>
+            <a:endParaRPr/>
+          </a:p>
+          <a:p>
+            <a:pPr indent="-317500" lvl="1" marL="914400" marR="0" rtl="0" algn="l">
+              <a:lnSpc>
+                <a:spcPct val="115000"/>
+              </a:lnSpc>
+              <a:spcBef>
+                <a:spcPts val="0"/>
+              </a:spcBef>
+              <a:spcAft>
+                <a:spcPts val="0"/>
+              </a:spcAft>
+              <a:buSzPts val="1400"/>
+              <a:buChar char="○"/>
+            </a:pPr>
+            <a:r>
+              <a:rPr lang="en-GB"/>
+              <a:t>pokretanje automatizovanih testova</a:t>
+            </a:r>
+            <a:endParaRPr/>
+          </a:p>
+          <a:p>
+            <a:pPr indent="-317500" lvl="2" marL="1371600" marR="0" rtl="0" algn="l">
+              <a:lnSpc>
+                <a:spcPct val="115000"/>
+              </a:lnSpc>
+              <a:spcBef>
+                <a:spcPts val="0"/>
+              </a:spcBef>
+              <a:spcAft>
+                <a:spcPts val="0"/>
+              </a:spcAft>
+              <a:buSzPts val="1400"/>
+              <a:buChar char="■"/>
+            </a:pPr>
+            <a:r>
+              <a:rPr lang="en-GB"/>
+              <a:t>usled izolacije izvršnog okruženja, pogodni za testiranje</a:t>
+            </a:r>
+            <a:endParaRPr/>
+          </a:p>
+          <a:p>
+            <a:pPr indent="-317500" lvl="2" marL="1371600" marR="0" rtl="0" algn="l">
+              <a:lnSpc>
+                <a:spcPct val="115000"/>
+              </a:lnSpc>
+              <a:spcBef>
+                <a:spcPts val="0"/>
+              </a:spcBef>
+              <a:spcAft>
+                <a:spcPts val="0"/>
+              </a:spcAft>
+              <a:buSzPts val="1400"/>
+              <a:buChar char="■"/>
+            </a:pPr>
+            <a:r>
+              <a:rPr lang="en-GB"/>
+              <a:t>sve izmene načinjene tokom testiranja se lako mogu poništiti</a:t>
+            </a:r>
+            <a:endParaRPr/>
+          </a:p>
+          <a:p>
+            <a:pPr indent="-317500" lvl="1" marL="914400" marR="0" rtl="0" algn="l">
+              <a:lnSpc>
+                <a:spcPct val="115000"/>
+              </a:lnSpc>
+              <a:spcBef>
+                <a:spcPts val="0"/>
+              </a:spcBef>
+              <a:spcAft>
+                <a:spcPts val="0"/>
+              </a:spcAft>
+              <a:buSzPts val="1400"/>
+              <a:buChar char="○"/>
+            </a:pPr>
+            <a:r>
+              <a:rPr lang="en-GB"/>
+              <a:t>postavljanje aplikacije na server sačinjen od jednog računara</a:t>
+            </a:r>
+            <a:endParaRPr/>
+          </a:p>
+          <a:p>
+            <a:pPr indent="-317500" lvl="2" marL="1371600" marR="0" rtl="0" algn="l">
+              <a:lnSpc>
+                <a:spcPct val="115000"/>
+              </a:lnSpc>
+              <a:spcBef>
+                <a:spcPts val="0"/>
+              </a:spcBef>
+              <a:spcAft>
+                <a:spcPts val="0"/>
+              </a:spcAft>
+              <a:buSzPts val="1400"/>
+              <a:buChar char="■"/>
+            </a:pPr>
+            <a:r>
+              <a:rPr lang="en-GB"/>
+              <a:t>ne postoji prava orkestracija</a:t>
+            </a:r>
+            <a:endParaRPr/>
+          </a:p>
+          <a:p>
+            <a:pPr indent="-317500" lvl="2" marL="1371600" marR="0" rtl="0" algn="l">
+              <a:lnSpc>
+                <a:spcPct val="115000"/>
+              </a:lnSpc>
+              <a:spcBef>
+                <a:spcPts val="0"/>
+              </a:spcBef>
+              <a:spcAft>
+                <a:spcPts val="0"/>
+              </a:spcAft>
+              <a:buSzPts val="1400"/>
+              <a:buChar char="■"/>
+            </a:pPr>
+            <a:r>
+              <a:rPr lang="en-GB"/>
+              <a:t>orkestraciju je moguće postići uz pomoć Docker Swarm alata</a:t>
+            </a:r>
+            <a:endParaRPr/>
+          </a:p>
+        </p:txBody>
+      </p:sp>
+      <p:sp>
+        <p:nvSpPr>
+          <p:cNvPr id="88" name="Google Shape;88;p18"/>
+          <p:cNvSpPr txBox="1"/>
+          <p:nvPr>
+            <p:ph idx="12" type="sldNum"/>
+          </p:nvPr>
+        </p:nvSpPr>
+        <p:spPr>
+          <a:xfrm>
+            <a:off x="8472458" y="4663217"/>
+            <a:ext cx="548700" cy="393600"/>
+          </a:xfrm>
+          <a:prstGeom prst="rect">
+            <a:avLst/>
+          </a:prstGeom>
+        </p:spPr>
+        <p:txBody>
+          <a:bodyPr anchorCtr="0" anchor="ctr" bIns="91425" lIns="91425" spcFirstLastPara="1" rIns="91425" wrap="square" tIns="91425">
+            <a:noAutofit/>
+          </a:bodyPr>
+          <a:lstStyle/>
+          <a:p>
+            <a:pPr indent="0" lvl="0" marL="0" rtl="0" algn="r">
+              <a:spcBef>
+                <a:spcPts val="0"/>
+              </a:spcBef>
+              <a:spcAft>
+                <a:spcPts val="0"/>
+              </a:spcAft>
+              <a:buNone/>
+            </a:pPr>
+            <a:fld id="{00000000-1234-1234-1234-123412341234}" type="slidenum">
+              <a:rPr lang="en-GB"/>
+              <a:t>‹#›</a:t>
+            </a:fld>
+            <a:endParaRPr/>
+          </a:p>
+        </p:txBody>
+      </p:sp>
+    </p:spTree>
+  </p:cSld>
+  <p:clrMapOvr>
+    <a:masterClrMapping/>
+  </p:clrMapOvr>
+</p:sld>
+</file>
+
+<file path=ppt/slides/slide6.xml><?xml version="1.0" encoding="utf-8"?>
+<p:sld xmlns:a="http://schemas.openxmlformats.org/drawingml/2006/main" xmlns:r="http://schemas.openxmlformats.org/officeDocument/2006/relationships" xmlns:mc="http://schemas.openxmlformats.org/markup-compatibility/2006" xmlns:mv="urn:schemas-microsoft-com:mac:vml" xmlns:p="http://schemas.openxmlformats.org/presentationml/2006/main" xmlns:c="http://schemas.openxmlformats.org/drawingml/2006/chart" xmlns:dgm="http://schemas.openxmlformats.org/drawingml/2006/diagram" xmlns:o="urn:schemas-microsoft-com:office:office" xmlns:v="urn:schemas-microsoft-com:vml" xmlns:pvml="urn:schemas-microsoft-com:office:powerpoint" xmlns:com="http://schemas.openxmlformats.org/drawingml/2006/compatibility" xmlns:p14="http://schemas.microsoft.com/office/powerpoint/2010/main" xmlns:p15="http://schemas.microsoft.com/office/powerpoint/2012/main">
+  <p:cSld>
+    <p:spTree>
+      <p:nvGrpSpPr>
+        <p:cNvPr id="92" name="Shape 92"/>
+        <p:cNvGrpSpPr/>
+        <p:nvPr/>
+      </p:nvGrpSpPr>
+      <p:grpSpPr>
+        <a:xfrm>
+          <a:off x="0" y="0"/>
+          <a:ext cx="0" cy="0"/>
+          <a:chOff x="0" y="0"/>
+          <a:chExt cx="0" cy="0"/>
+        </a:xfrm>
+      </p:grpSpPr>
+      <p:sp>
+        <p:nvSpPr>
+          <p:cNvPr id="93" name="Google Shape;93;p19"/>
+          <p:cNvSpPr txBox="1"/>
+          <p:nvPr>
+            <p:ph type="title"/>
+          </p:nvPr>
+        </p:nvSpPr>
+        <p:spPr>
+          <a:xfrm>
+            <a:off x="311700" y="445025"/>
+            <a:ext cx="8520600" cy="572700"/>
+          </a:xfrm>
+          <a:prstGeom prst="rect">
+            <a:avLst/>
+          </a:prstGeom>
+        </p:spPr>
+        <p:txBody>
+          <a:bodyPr anchorCtr="0" anchor="t" bIns="91425" lIns="91425" spcFirstLastPara="1" rIns="91425" wrap="square" tIns="91425">
+            <a:noAutofit/>
+          </a:bodyPr>
+          <a:lstStyle/>
+          <a:p>
+            <a:pPr indent="0" lvl="0" marL="0" rtl="0" algn="l">
+              <a:spcBef>
+                <a:spcPts val="0"/>
+              </a:spcBef>
+              <a:spcAft>
+                <a:spcPts val="0"/>
+              </a:spcAft>
+              <a:buNone/>
+            </a:pPr>
+            <a:r>
+              <a:rPr lang="en-GB"/>
+              <a:t>Instalacija</a:t>
+            </a:r>
+            <a:endParaRPr/>
+          </a:p>
+        </p:txBody>
+      </p:sp>
+      <p:sp>
+        <p:nvSpPr>
+          <p:cNvPr id="94" name="Google Shape;94;p19"/>
+          <p:cNvSpPr txBox="1"/>
+          <p:nvPr>
+            <p:ph idx="1" type="body"/>
+          </p:nvPr>
+        </p:nvSpPr>
+        <p:spPr>
+          <a:xfrm>
+            <a:off x="311700" y="1152475"/>
+            <a:ext cx="8520600" cy="3416400"/>
+          </a:xfrm>
+          <a:prstGeom prst="rect">
+            <a:avLst/>
+          </a:prstGeom>
+        </p:spPr>
+        <p:txBody>
+          <a:bodyPr anchorCtr="0" anchor="t" bIns="91425" lIns="91425" spcFirstLastPara="1" rIns="91425" wrap="square" tIns="91425">
+            <a:noAutofit/>
+          </a:bodyPr>
+          <a:lstStyle/>
+          <a:p>
+            <a:pPr indent="-342900" lvl="0" marL="457200" rtl="0" algn="l">
+              <a:lnSpc>
+                <a:spcPct val="150000"/>
+              </a:lnSpc>
+              <a:spcBef>
+                <a:spcPts val="0"/>
+              </a:spcBef>
+              <a:spcAft>
+                <a:spcPts val="0"/>
+              </a:spcAft>
+              <a:buSzPts val="1800"/>
+              <a:buChar char="●"/>
+            </a:pPr>
+            <a:r>
+              <a:rPr lang="en-GB"/>
+              <a:t>Koraci za instalaciju dostupni na: </a:t>
+            </a:r>
+            <a:r>
+              <a:rPr lang="en-GB" u="sng">
+                <a:solidFill>
+                  <a:schemeClr val="hlink"/>
+                </a:solidFill>
+                <a:hlinkClick r:id="rId3"/>
+              </a:rPr>
+              <a:t>https://docs.docker.com/compose/install/</a:t>
+            </a:r>
+            <a:endParaRPr/>
+          </a:p>
+        </p:txBody>
+      </p:sp>
+    </p:spTree>
+  </p:cSld>
+  <p:clrMapOvr>
+    <a:masterClrMapping/>
+  </p:clrMapOvr>
+</p:sld>
+</file>
+
+<file path=ppt/slides/slide7.xml><?xml version="1.0" encoding="utf-8"?>
+<p:sld xmlns:a="http://schemas.openxmlformats.org/drawingml/2006/main" xmlns:r="http://schemas.openxmlformats.org/officeDocument/2006/relationships" xmlns:mc="http://schemas.openxmlformats.org/markup-compatibility/2006" xmlns:mv="urn:schemas-microsoft-com:mac:vml" xmlns:p="http://schemas.openxmlformats.org/presentationml/2006/main" xmlns:c="http://schemas.openxmlformats.org/drawingml/2006/chart" xmlns:dgm="http://schemas.openxmlformats.org/drawingml/2006/diagram" xmlns:o="urn:schemas-microsoft-com:office:office" xmlns:v="urn:schemas-microsoft-com:vml" xmlns:pvml="urn:schemas-microsoft-com:office:powerpoint" xmlns:com="http://schemas.openxmlformats.org/drawingml/2006/compatibility" xmlns:p14="http://schemas.microsoft.com/office/powerpoint/2010/main" xmlns:p15="http://schemas.microsoft.com/office/powerpoint/2012/main">
+  <p:cSld>
+    <p:spTree>
+      <p:nvGrpSpPr>
+        <p:cNvPr id="98" name="Shape 98"/>
+        <p:cNvGrpSpPr/>
+        <p:nvPr/>
+      </p:nvGrpSpPr>
+      <p:grpSpPr>
+        <a:xfrm>
+          <a:off x="0" y="0"/>
+          <a:ext cx="0" cy="0"/>
+          <a:chOff x="0" y="0"/>
+          <a:chExt cx="0" cy="0"/>
+        </a:xfrm>
+      </p:grpSpPr>
+      <p:sp>
+        <p:nvSpPr>
+          <p:cNvPr id="99" name="Google Shape;99;p20"/>
+          <p:cNvSpPr txBox="1"/>
+          <p:nvPr>
+            <p:ph type="title"/>
+          </p:nvPr>
+        </p:nvSpPr>
+        <p:spPr>
+          <a:xfrm>
+            <a:off x="311700" y="445025"/>
+            <a:ext cx="8520600" cy="572700"/>
+          </a:xfrm>
+          <a:prstGeom prst="rect">
+            <a:avLst/>
+          </a:prstGeom>
+        </p:spPr>
+        <p:txBody>
+          <a:bodyPr anchorCtr="0" anchor="t" bIns="91425" lIns="91425" spcFirstLastPara="1" rIns="91425" wrap="square" tIns="91425">
+            <a:noAutofit/>
+          </a:bodyPr>
+          <a:lstStyle/>
+          <a:p>
+            <a:pPr indent="0" lvl="0" marL="0" rtl="0" algn="l">
+              <a:spcBef>
+                <a:spcPts val="0"/>
+              </a:spcBef>
+              <a:spcAft>
+                <a:spcPts val="0"/>
+              </a:spcAft>
+              <a:buNone/>
+            </a:pPr>
+            <a:r>
+              <a:rPr lang="en-GB"/>
+              <a:t>Rezime </a:t>
+            </a:r>
+            <a:r>
+              <a:rPr i="1" lang="en-GB"/>
+              <a:t>cli</a:t>
+            </a:r>
+            <a:r>
+              <a:rPr lang="en-GB"/>
+              <a:t> naredbi</a:t>
+            </a:r>
+            <a:endParaRPr/>
+          </a:p>
+        </p:txBody>
+      </p:sp>
+      <p:sp>
+        <p:nvSpPr>
+          <p:cNvPr id="100" name="Google Shape;100;p20"/>
+          <p:cNvSpPr txBox="1"/>
+          <p:nvPr>
+            <p:ph idx="1" type="body"/>
+          </p:nvPr>
+        </p:nvSpPr>
+        <p:spPr>
+          <a:xfrm>
+            <a:off x="311700" y="1152475"/>
+            <a:ext cx="8651700" cy="3416400"/>
+          </a:xfrm>
+          <a:prstGeom prst="rect">
+            <a:avLst/>
+          </a:prstGeom>
+        </p:spPr>
+        <p:txBody>
+          <a:bodyPr anchorCtr="0" anchor="t" bIns="91425" lIns="91425" spcFirstLastPara="1" rIns="91425" wrap="square" tIns="91425">
+            <a:noAutofit/>
+          </a:bodyPr>
+          <a:lstStyle/>
+          <a:p>
+            <a:pPr indent="0" lvl="0" marL="152400" marR="152400" rtl="0" algn="l">
+              <a:lnSpc>
+                <a:spcPct val="150000"/>
+              </a:lnSpc>
+              <a:spcBef>
+                <a:spcPts val="0"/>
+              </a:spcBef>
+              <a:spcAft>
+                <a:spcPts val="0"/>
+              </a:spcAft>
               <a:buNone/>
             </a:pPr>
             <a:r>
               <a:rPr b="1" lang="en-GB" sz="1400">
+                <a:solidFill>
+                  <a:srgbClr val="000000"/>
+                </a:solidFill>
+                <a:highlight>
+                  <a:srgbClr val="FFFFFF"/>
+                </a:highlight>
                 <a:latin typeface="Courier New"/>
                 <a:ea typeface="Courier New"/>
                 <a:cs typeface="Courier New"/>
                 <a:sym typeface="Courier New"/>
               </a:rPr>
-              <a:t>version: '3'</a:t>
+              <a:t>docker-compose up    </a:t>
+            </a:r>
+            <a:r>
+              <a:rPr b="1" lang="en-GB" sz="1200">
+                <a:solidFill>
+                  <a:srgbClr val="000000"/>
+                </a:solidFill>
+                <a:highlight>
+                  <a:srgbClr val="FFFFFF"/>
+                </a:highlight>
+                <a:latin typeface="Courier New"/>
+                <a:ea typeface="Courier New"/>
+                <a:cs typeface="Courier New"/>
+                <a:sym typeface="Courier New"/>
+              </a:rPr>
+              <a:t> # Izgrađuje, kreira, pokreće i povezuje kontejnere</a:t>
+            </a:r>
+            <a:br>
+              <a:rPr b="1" lang="en-GB" sz="1400">
+                <a:solidFill>
+                  <a:srgbClr val="000000"/>
+                </a:solidFill>
+                <a:highlight>
+                  <a:srgbClr val="FFFFFF"/>
+                </a:highlight>
+                <a:latin typeface="Courier New"/>
+                <a:ea typeface="Courier New"/>
+                <a:cs typeface="Courier New"/>
+                <a:sym typeface="Courier New"/>
+              </a:rPr>
+            </a:br>
+            <a:r>
+              <a:rPr b="1" lang="en-GB" sz="1400">
+                <a:solidFill>
+                  <a:srgbClr val="000000"/>
+                </a:solidFill>
+                <a:highlight>
+                  <a:srgbClr val="FFFFFF"/>
+                </a:highlight>
+                <a:latin typeface="Courier New"/>
+                <a:ea typeface="Courier New"/>
+                <a:cs typeface="Courier New"/>
+                <a:sym typeface="Courier New"/>
+              </a:rPr>
+              <a:t>docker-compose down	  </a:t>
+            </a:r>
+            <a:r>
+              <a:rPr b="1" lang="en-GB" sz="1200">
+                <a:solidFill>
+                  <a:srgbClr val="000000"/>
+                </a:solidFill>
+                <a:highlight>
+                  <a:srgbClr val="FFFFFF"/>
+                </a:highlight>
+                <a:latin typeface="Courier New"/>
+                <a:ea typeface="Courier New"/>
+                <a:cs typeface="Courier New"/>
+                <a:sym typeface="Courier New"/>
+              </a:rPr>
+              <a:t>#</a:t>
+            </a:r>
+            <a:r>
+              <a:rPr b="1" lang="en-GB" sz="1400">
+                <a:solidFill>
+                  <a:srgbClr val="000000"/>
+                </a:solidFill>
+                <a:highlight>
+                  <a:srgbClr val="FFFFFF"/>
+                </a:highlight>
+                <a:latin typeface="Courier New"/>
+                <a:ea typeface="Courier New"/>
+                <a:cs typeface="Courier New"/>
+                <a:sym typeface="Courier New"/>
+              </a:rPr>
+              <a:t> </a:t>
+            </a:r>
+            <a:r>
+              <a:rPr b="1" lang="en-GB" sz="1200">
+                <a:solidFill>
+                  <a:srgbClr val="000000"/>
+                </a:solidFill>
+                <a:highlight>
+                  <a:srgbClr val="FFFFFF"/>
+                </a:highlight>
+                <a:latin typeface="Courier New"/>
+                <a:ea typeface="Courier New"/>
+                <a:cs typeface="Courier New"/>
+                <a:sym typeface="Courier New"/>
+              </a:rPr>
+              <a:t>Zaustavlja kontejnere (opciono uklanja kontejnere, </a:t>
+            </a:r>
+            <a:r>
+              <a:rPr b="1" lang="en-GB" sz="1200">
+                <a:solidFill>
+                  <a:srgbClr val="000000"/>
+                </a:solidFill>
+                <a:highlight>
+                  <a:schemeClr val="lt1"/>
+                </a:highlight>
+                <a:latin typeface="Courier New"/>
+                <a:ea typeface="Courier New"/>
+                <a:cs typeface="Courier New"/>
+                <a:sym typeface="Courier New"/>
+              </a:rPr>
+              <a:t>mreže, </a:t>
+            </a:r>
+            <a:r>
+              <a:rPr b="1" lang="en-GB" sz="1200">
+                <a:solidFill>
+                  <a:srgbClr val="FFFFFF"/>
+                </a:solidFill>
+                <a:highlight>
+                  <a:schemeClr val="lt1"/>
+                </a:highlight>
+                <a:latin typeface="Courier New"/>
+                <a:ea typeface="Courier New"/>
+                <a:cs typeface="Courier New"/>
+                <a:sym typeface="Courier New"/>
+              </a:rPr>
+              <a:t>rerererererererer</a:t>
+            </a:r>
+            <a:r>
+              <a:rPr b="1" lang="en-GB" sz="1200">
+                <a:solidFill>
+                  <a:srgbClr val="000000"/>
+                </a:solidFill>
+                <a:highlight>
+                  <a:schemeClr val="lt1"/>
+                </a:highlight>
+                <a:latin typeface="Courier New"/>
+                <a:ea typeface="Courier New"/>
+                <a:cs typeface="Courier New"/>
+                <a:sym typeface="Courier New"/>
+              </a:rPr>
+              <a:t># skladišta</a:t>
+            </a:r>
+            <a:r>
+              <a:rPr b="1" lang="en-GB" sz="1200">
+                <a:solidFill>
+                  <a:srgbClr val="000000"/>
+                </a:solidFill>
+                <a:highlight>
+                  <a:srgbClr val="FFFFFF"/>
+                </a:highlight>
+                <a:latin typeface="Courier New"/>
+                <a:ea typeface="Courier New"/>
+                <a:cs typeface="Courier New"/>
+                <a:sym typeface="Courier New"/>
+              </a:rPr>
+              <a:t> i slike kreirane korišćenjem naredbe up (--rmi ‘all’, -v…))</a:t>
+            </a:r>
+            <a:r>
+              <a:rPr b="1" lang="en-GB" sz="1400">
+                <a:solidFill>
+                  <a:srgbClr val="000000"/>
+                </a:solidFill>
+                <a:highlight>
+                  <a:srgbClr val="FFFFFF"/>
+                </a:highlight>
+                <a:latin typeface="Courier New"/>
+                <a:ea typeface="Courier New"/>
+                <a:cs typeface="Courier New"/>
+                <a:sym typeface="Courier New"/>
+              </a:rPr>
+              <a:t>                                       </a:t>
             </a:r>
             <a:endParaRPr b="1" sz="1400">
+              <a:solidFill>
+                <a:srgbClr val="000000"/>
+              </a:solidFill>
+              <a:highlight>
+                <a:srgbClr val="FFFFFF"/>
+              </a:highlight>
               <a:latin typeface="Courier New"/>
               <a:ea typeface="Courier New"/>
               <a:cs typeface="Courier New"/>
@@ -7789,9 +11804,9 @@
             </a:endParaRPr>
           </a:p>
           <a:p>
-            <a:pPr indent="0" lvl="0" marL="0" rtl="0" algn="l">
+            <a:pPr indent="0" lvl="0" marL="152400" marR="152400" rtl="0" algn="l">
               <a:lnSpc>
-                <a:spcPct val="100000"/>
+                <a:spcPct val="150000"/>
               </a:lnSpc>
               <a:spcBef>
                 <a:spcPts val="0"/>
@@ -7802,15 +11817,115 @@
               <a:buNone/>
             </a:pPr>
             <a:r>
+              <a:t/>
+            </a:r>
+            <a:endParaRPr b="1" sz="1400">
+              <a:solidFill>
+                <a:srgbClr val="000000"/>
+              </a:solidFill>
+              <a:highlight>
+                <a:srgbClr val="FFFFFF"/>
+              </a:highlight>
+              <a:latin typeface="Courier New"/>
+              <a:ea typeface="Courier New"/>
+              <a:cs typeface="Courier New"/>
+              <a:sym typeface="Courier New"/>
+            </a:endParaRPr>
+          </a:p>
+          <a:p>
+            <a:pPr indent="0" lvl="0" marL="152400" marR="152400" rtl="0" algn="l">
+              <a:lnSpc>
+                <a:spcPct val="150000"/>
+              </a:lnSpc>
+              <a:spcBef>
+                <a:spcPts val="0"/>
+              </a:spcBef>
+              <a:spcAft>
+                <a:spcPts val="0"/>
+              </a:spcAft>
+              <a:buNone/>
+            </a:pPr>
+            <a:r>
               <a:rPr b="1" lang="en-GB" sz="1400">
+                <a:solidFill>
+                  <a:srgbClr val="000000"/>
+                </a:solidFill>
+                <a:highlight>
+                  <a:srgbClr val="FFFFFF"/>
+                </a:highlight>
                 <a:latin typeface="Courier New"/>
                 <a:ea typeface="Courier New"/>
                 <a:cs typeface="Courier New"/>
                 <a:sym typeface="Courier New"/>
               </a:rPr>
-              <a:t>services:</a:t>
-            </a:r>
-            <a:endParaRPr b="1" sz="1400">
+              <a:t>docker-compose start  </a:t>
+            </a:r>
+            <a:r>
+              <a:rPr b="1" lang="en-GB" sz="1200">
+                <a:solidFill>
+                  <a:srgbClr val="000000"/>
+                </a:solidFill>
+                <a:highlight>
+                  <a:srgbClr val="FFFFFF"/>
+                </a:highlight>
+                <a:latin typeface="Courier New"/>
+                <a:ea typeface="Courier New"/>
+                <a:cs typeface="Courier New"/>
+                <a:sym typeface="Courier New"/>
+              </a:rPr>
+              <a:t># Pokreće postojeće kontejnere</a:t>
+            </a:r>
+            <a:br>
+              <a:rPr b="1" lang="en-GB" sz="1200">
+                <a:solidFill>
+                  <a:srgbClr val="000000"/>
+                </a:solidFill>
+                <a:highlight>
+                  <a:srgbClr val="FFFFFF"/>
+                </a:highlight>
+                <a:latin typeface="Courier New"/>
+                <a:ea typeface="Courier New"/>
+                <a:cs typeface="Courier New"/>
+                <a:sym typeface="Courier New"/>
+              </a:rPr>
+            </a:br>
+            <a:r>
+              <a:rPr b="1" lang="en-GB" sz="1400">
+                <a:solidFill>
+                  <a:srgbClr val="000000"/>
+                </a:solidFill>
+                <a:highlight>
+                  <a:srgbClr val="FFFFFF"/>
+                </a:highlight>
+                <a:latin typeface="Courier New"/>
+                <a:ea typeface="Courier New"/>
+                <a:cs typeface="Courier New"/>
+                <a:sym typeface="Courier New"/>
+              </a:rPr>
+              <a:t>docker-compose stop   </a:t>
+            </a:r>
+            <a:r>
+              <a:rPr b="1" lang="en-GB" sz="1200">
+                <a:solidFill>
+                  <a:srgbClr val="000000"/>
+                </a:solidFill>
+                <a:highlight>
+                  <a:srgbClr val="FFFFFF"/>
+                </a:highlight>
+                <a:latin typeface="Courier New"/>
+                <a:ea typeface="Courier New"/>
+                <a:cs typeface="Courier New"/>
+                <a:sym typeface="Courier New"/>
+              </a:rPr>
+              <a:t># Zaustavlja pokrenute kontejnere bez uklanjanja</a:t>
+            </a:r>
+            <a:endParaRPr b="1" sz="1200">
+              <a:solidFill>
+                <a:srgbClr val="000000"/>
+              </a:solidFill>
+              <a:highlight>
+                <a:srgbClr val="FFFFFF"/>
+              </a:highlight>
               <a:latin typeface="Courier New"/>
               <a:ea typeface="Courier New"/>
               <a:cs typeface="Courier New"/>
@@ -7818,9 +11933,9 @@
             </a:endParaRPr>
           </a:p>
           <a:p>
-            <a:pPr indent="0" lvl="0" marL="0" rtl="0" algn="l">
+            <a:pPr indent="0" lvl="0" marL="152400" marR="152400" rtl="0" algn="l">
               <a:lnSpc>
-                <a:spcPct val="100000"/>
+                <a:spcPct val="150000"/>
               </a:lnSpc>
               <a:spcBef>
                 <a:spcPts val="0"/>
@@ -7832,14 +11947,41 @@
             </a:pPr>
             <a:r>
               <a:rPr b="1" lang="en-GB" sz="1400">
+                <a:solidFill>
+                  <a:srgbClr val="000000"/>
+                </a:solidFill>
+                <a:highlight>
+                  <a:srgbClr val="FFFFFF"/>
+                </a:highlight>
                 <a:latin typeface="Courier New"/>
                 <a:ea typeface="Courier New"/>
                 <a:cs typeface="Courier New"/>
                 <a:sym typeface="Courier New"/>
               </a:rPr>
-              <a:t>  web:</a:t>
-            </a:r>
-            <a:endParaRPr b="1" sz="1400">
+              <a:t>docker-compose kill   </a:t>
+            </a:r>
+            <a:r>
+              <a:rPr b="1" lang="en-GB" sz="1200">
+                <a:solidFill>
+                  <a:srgbClr val="000000"/>
+                </a:solidFill>
+                <a:highlight>
+                  <a:srgbClr val="FFFFFF"/>
+                </a:highlight>
+                <a:latin typeface="Courier New"/>
+                <a:ea typeface="Courier New"/>
+                <a:cs typeface="Courier New"/>
+                <a:sym typeface="Courier New"/>
+              </a:rPr>
+              <a:t># Prisilno zaustavlja pokrenute kontejnere (force stop)</a:t>
+            </a:r>
+            <a:endParaRPr b="1" sz="1200">
+              <a:solidFill>
+                <a:srgbClr val="000000"/>
+              </a:solidFill>
+              <a:highlight>
+                <a:srgbClr val="FFFFFF"/>
+              </a:highlight>
               <a:latin typeface="Courier New"/>
               <a:ea typeface="Courier New"/>
               <a:cs typeface="Courier New"/>
@@ -7847,9 +11989,9 @@
             </a:endParaRPr>
           </a:p>
           <a:p>
-            <a:pPr indent="0" lvl="0" marL="0" rtl="0" algn="l">
+            <a:pPr indent="0" lvl="0" marL="152400" marR="152400" rtl="0" algn="l">
               <a:lnSpc>
-                <a:spcPct val="100000"/>
+                <a:spcPct val="150000"/>
               </a:lnSpc>
               <a:spcBef>
                 <a:spcPts val="0"/>
@@ -7861,14 +12003,41 @@
             </a:pPr>
             <a:r>
               <a:rPr b="1" lang="en-GB" sz="1400">
+                <a:solidFill>
+                  <a:schemeClr val="dk1"/>
+                </a:solidFill>
+                <a:highlight>
+                  <a:schemeClr val="lt1"/>
+                </a:highlight>
                 <a:latin typeface="Courier New"/>
                 <a:ea typeface="Courier New"/>
                 <a:cs typeface="Courier New"/>
                 <a:sym typeface="Courier New"/>
               </a:rPr>
-              <a:t>    build: .</a:t>
-            </a:r>
-            <a:endParaRPr b="1" sz="1400">
+              <a:t>docker-compose restart  </a:t>
+            </a:r>
+            <a:r>
+              <a:rPr b="1" lang="en-GB" sz="1200">
+                <a:solidFill>
+                  <a:schemeClr val="dk1"/>
+                </a:solidFill>
+                <a:highlight>
+                  <a:schemeClr val="lt1"/>
+                </a:highlight>
+                <a:latin typeface="Courier New"/>
+                <a:ea typeface="Courier New"/>
+                <a:cs typeface="Courier New"/>
+                <a:sym typeface="Courier New"/>
+              </a:rPr>
+              <a:t># Restartuje pokrenute kontejnere</a:t>
+            </a:r>
+            <a:endParaRPr b="1" sz="1200">
+              <a:solidFill>
+                <a:schemeClr val="dk1"/>
+              </a:solidFill>
+              <a:highlight>
+                <a:schemeClr val="lt1"/>
+              </a:highlight>
               <a:latin typeface="Courier New"/>
               <a:ea typeface="Courier New"/>
               <a:cs typeface="Courier New"/>
@@ -7876,9 +12045,9 @@
             </a:endParaRPr>
           </a:p>
           <a:p>
-            <a:pPr indent="0" lvl="0" marL="0" rtl="0" algn="l">
+            <a:pPr indent="0" lvl="0" marL="0" marR="152400" rtl="0" algn="l">
               <a:lnSpc>
-                <a:spcPct val="100000"/>
+                <a:spcPct val="150000"/>
               </a:lnSpc>
               <a:spcBef>
                 <a:spcPts val="0"/>
@@ -7886,315 +12055,76 @@
               <a:spcAft>
                 <a:spcPts val="0"/>
               </a:spcAft>
+              <a:buClr>
+                <a:schemeClr val="dk1"/>
+              </a:buClr>
+              <a:buSzPts val="1100"/>
+              <a:buFont typeface="Arial"/>
+              <a:buNone/>
+            </a:pPr>
+            <a:r>
+              <a:t/>
+            </a:r>
+            <a:endParaRPr b="1" sz="1200">
+              <a:solidFill>
+                <a:schemeClr val="dk1"/>
+              </a:solidFill>
+              <a:highlight>
+                <a:schemeClr val="lt1"/>
+              </a:highlight>
+              <a:latin typeface="Courier New"/>
+              <a:ea typeface="Courier New"/>
+              <a:cs typeface="Courier New"/>
+              <a:sym typeface="Courier New"/>
+            </a:endParaRPr>
+          </a:p>
+          <a:p>
+            <a:pPr indent="0" lvl="0" marL="152400" marR="152400" rtl="0" algn="l">
+              <a:lnSpc>
+                <a:spcPct val="150000"/>
+              </a:lnSpc>
+              <a:spcBef>
+                <a:spcPts val="0"/>
+              </a:spcBef>
+              <a:spcAft>
+                <a:spcPts val="0"/>
+              </a:spcAft>
+              <a:buClr>
+                <a:schemeClr val="dk1"/>
+              </a:buClr>
+              <a:buSzPts val="1100"/>
+              <a:buFont typeface="Arial"/>
               <a:buNone/>
             </a:pPr>
             <a:r>
               <a:rPr b="1" lang="en-GB" sz="1400">
+                <a:solidFill>
+                  <a:schemeClr val="dk1"/>
+                </a:solidFill>
+                <a:highlight>
+                  <a:schemeClr val="lt1"/>
+                </a:highlight>
                 <a:latin typeface="Courier New"/>
                 <a:ea typeface="Courier New"/>
                 <a:cs typeface="Courier New"/>
                 <a:sym typeface="Courier New"/>
               </a:rPr>
-              <a:t>    ports:</a:t>
-            </a:r>
-            <a:endParaRPr b="1" sz="1400">
-              <a:latin typeface="Courier New"/>
-              <a:ea typeface="Courier New"/>
-              <a:cs typeface="Courier New"/>
-              <a:sym typeface="Courier New"/>
-            </a:endParaRPr>
-          </a:p>
-          <a:p>
-            <a:pPr indent="0" lvl="0" marL="0" rtl="0" algn="l">
-              <a:lnSpc>
-                <a:spcPct val="100000"/>
-              </a:lnSpc>
-              <a:spcBef>
-                <a:spcPts val="0"/>
-              </a:spcBef>
-              <a:spcAft>
-                <a:spcPts val="0"/>
-              </a:spcAft>
-              <a:buNone/>
-            </a:pPr>
-            <a:r>
-              <a:rPr b="1" lang="en-GB" sz="1400">
+              <a:t>docker-compose logs   </a:t>
+            </a:r>
+            <a:r>
+              <a:rPr b="1" lang="en-GB" sz="1200">
+                <a:solidFill>
+                  <a:schemeClr val="dk1"/>
+                </a:solidFill>
+                <a:highlight>
+                  <a:schemeClr val="lt1"/>
+                </a:highlight>
                 <a:latin typeface="Courier New"/>
                 <a:ea typeface="Courier New"/>
                 <a:cs typeface="Courier New"/>
                 <a:sym typeface="Courier New"/>
               </a:rPr>
-              <a:t>    - "5000:5000"</a:t>
-            </a:r>
-            <a:endParaRPr b="1" sz="1400">
-              <a:latin typeface="Courier New"/>
-              <a:ea typeface="Courier New"/>
-              <a:cs typeface="Courier New"/>
-              <a:sym typeface="Courier New"/>
-            </a:endParaRPr>
-          </a:p>
-          <a:p>
-            <a:pPr indent="0" lvl="0" marL="0" rtl="0" algn="l">
-              <a:lnSpc>
-                <a:spcPct val="100000"/>
-              </a:lnSpc>
-              <a:spcBef>
-                <a:spcPts val="0"/>
-              </a:spcBef>
-              <a:spcAft>
-                <a:spcPts val="0"/>
-              </a:spcAft>
-              <a:buNone/>
-            </a:pPr>
-            <a:r>
-              <a:rPr b="1" lang="en-GB" sz="1400">
-                <a:latin typeface="Courier New"/>
-                <a:ea typeface="Courier New"/>
-                <a:cs typeface="Courier New"/>
-                <a:sym typeface="Courier New"/>
-              </a:rPr>
-              <a:t>    volumes:</a:t>
-            </a:r>
-            <a:endParaRPr b="1" sz="1400">
-              <a:latin typeface="Courier New"/>
-              <a:ea typeface="Courier New"/>
-              <a:cs typeface="Courier New"/>
-              <a:sym typeface="Courier New"/>
-            </a:endParaRPr>
-          </a:p>
-          <a:p>
-            <a:pPr indent="0" lvl="0" marL="0" rtl="0" algn="l">
-              <a:lnSpc>
-                <a:spcPct val="100000"/>
-              </a:lnSpc>
-              <a:spcBef>
-                <a:spcPts val="0"/>
-              </a:spcBef>
-              <a:spcAft>
-                <a:spcPts val="0"/>
-              </a:spcAft>
-              <a:buNone/>
-            </a:pPr>
-            <a:r>
-              <a:rPr b="1" lang="en-GB" sz="1400">
-                <a:latin typeface="Courier New"/>
-                <a:ea typeface="Courier New"/>
-                <a:cs typeface="Courier New"/>
-                <a:sym typeface="Courier New"/>
-              </a:rPr>
-              <a:t>    - .:/code</a:t>
-            </a:r>
-            <a:endParaRPr b="1" sz="1400">
-              <a:latin typeface="Courier New"/>
-              <a:ea typeface="Courier New"/>
-              <a:cs typeface="Courier New"/>
-              <a:sym typeface="Courier New"/>
-            </a:endParaRPr>
-          </a:p>
-          <a:p>
-            <a:pPr indent="0" lvl="0" marL="0" rtl="0" algn="l">
-              <a:lnSpc>
-                <a:spcPct val="100000"/>
-              </a:lnSpc>
-              <a:spcBef>
-                <a:spcPts val="0"/>
-              </a:spcBef>
-              <a:spcAft>
-                <a:spcPts val="0"/>
-              </a:spcAft>
-              <a:buNone/>
-            </a:pPr>
-            <a:r>
-              <a:rPr b="1" lang="en-GB" sz="1400">
-                <a:latin typeface="Courier New"/>
-                <a:ea typeface="Courier New"/>
-                <a:cs typeface="Courier New"/>
-                <a:sym typeface="Courier New"/>
-              </a:rPr>
-              <a:t>    - logvolume01:/var/log</a:t>
-            </a:r>
-            <a:endParaRPr b="1" sz="1400">
-              <a:latin typeface="Courier New"/>
-              <a:ea typeface="Courier New"/>
-              <a:cs typeface="Courier New"/>
-              <a:sym typeface="Courier New"/>
-            </a:endParaRPr>
-          </a:p>
-          <a:p>
-            <a:pPr indent="0" lvl="0" marL="0" rtl="0" algn="l">
-              <a:lnSpc>
-                <a:spcPct val="100000"/>
-              </a:lnSpc>
-              <a:spcBef>
-                <a:spcPts val="0"/>
-              </a:spcBef>
-              <a:spcAft>
-                <a:spcPts val="0"/>
-              </a:spcAft>
-              <a:buNone/>
-            </a:pPr>
-            <a:r>
-              <a:rPr b="1" lang="en-GB" sz="1400">
-                <a:latin typeface="Courier New"/>
-                <a:ea typeface="Courier New"/>
-                <a:cs typeface="Courier New"/>
-                <a:sym typeface="Courier New"/>
-              </a:rPr>
-              <a:t>  </a:t>
-            </a:r>
-            <a:r>
-              <a:rPr b="1" lang="en-GB" sz="1400">
-                <a:latin typeface="Courier New"/>
-                <a:ea typeface="Courier New"/>
-                <a:cs typeface="Courier New"/>
-                <a:sym typeface="Courier New"/>
-              </a:rPr>
-              <a:t>  links:</a:t>
-            </a:r>
-            <a:endParaRPr b="1" sz="1400">
-              <a:latin typeface="Courier New"/>
-              <a:ea typeface="Courier New"/>
-              <a:cs typeface="Courier New"/>
-              <a:sym typeface="Courier New"/>
-            </a:endParaRPr>
-          </a:p>
-          <a:p>
-            <a:pPr indent="0" lvl="0" marL="0" rtl="0" algn="l">
-              <a:lnSpc>
-                <a:spcPct val="100000"/>
-              </a:lnSpc>
-              <a:spcBef>
-                <a:spcPts val="0"/>
-              </a:spcBef>
-              <a:spcAft>
-                <a:spcPts val="0"/>
-              </a:spcAft>
-              <a:buNone/>
-            </a:pPr>
-            <a:r>
-              <a:rPr b="1" lang="en-GB" sz="1400">
-                <a:latin typeface="Courier New"/>
-                <a:ea typeface="Courier New"/>
-                <a:cs typeface="Courier New"/>
-                <a:sym typeface="Courier New"/>
-              </a:rPr>
-              <a:t>    - redis</a:t>
-            </a:r>
-            <a:endParaRPr b="1" sz="1400">
-              <a:latin typeface="Courier New"/>
-              <a:ea typeface="Courier New"/>
-              <a:cs typeface="Courier New"/>
-              <a:sym typeface="Courier New"/>
-            </a:endParaRPr>
-          </a:p>
-          <a:p>
-            <a:pPr indent="0" lvl="0" marL="0" rtl="0" algn="l">
-              <a:lnSpc>
-                <a:spcPct val="100000"/>
-              </a:lnSpc>
-              <a:spcBef>
-                <a:spcPts val="0"/>
-              </a:spcBef>
-              <a:spcAft>
-                <a:spcPts val="0"/>
-              </a:spcAft>
-              <a:buNone/>
-            </a:pPr>
-            <a:r>
-              <a:rPr b="1" lang="en-GB" sz="1400">
-                <a:latin typeface="Courier New"/>
-                <a:ea typeface="Courier New"/>
-                <a:cs typeface="Courier New"/>
-                <a:sym typeface="Courier New"/>
-              </a:rPr>
-              <a:t>  redis:</a:t>
-            </a:r>
-            <a:endParaRPr b="1" sz="1400">
-              <a:latin typeface="Courier New"/>
-              <a:ea typeface="Courier New"/>
-              <a:cs typeface="Courier New"/>
-              <a:sym typeface="Courier New"/>
-            </a:endParaRPr>
-          </a:p>
-          <a:p>
-            <a:pPr indent="0" lvl="0" marL="0" rtl="0" algn="l">
-              <a:lnSpc>
-                <a:spcPct val="100000"/>
-              </a:lnSpc>
-              <a:spcBef>
-                <a:spcPts val="0"/>
-              </a:spcBef>
-              <a:spcAft>
-                <a:spcPts val="0"/>
-              </a:spcAft>
-              <a:buNone/>
-            </a:pPr>
-            <a:r>
-              <a:rPr b="1" lang="en-GB" sz="1400">
-                <a:latin typeface="Courier New"/>
-                <a:ea typeface="Courier New"/>
-                <a:cs typeface="Courier New"/>
-                <a:sym typeface="Courier New"/>
-              </a:rPr>
-              <a:t>    image: redis</a:t>
-            </a:r>
-            <a:endParaRPr b="1" sz="1400">
-              <a:latin typeface="Courier New"/>
-              <a:ea typeface="Courier New"/>
-              <a:cs typeface="Courier New"/>
-              <a:sym typeface="Courier New"/>
-            </a:endParaRPr>
-          </a:p>
-          <a:p>
-            <a:pPr indent="0" lvl="0" marL="0" rtl="0" algn="l">
-              <a:lnSpc>
-                <a:spcPct val="100000"/>
-              </a:lnSpc>
-              <a:spcBef>
-                <a:spcPts val="0"/>
-              </a:spcBef>
-              <a:spcAft>
-                <a:spcPts val="0"/>
-              </a:spcAft>
-              <a:buNone/>
-            </a:pPr>
-            <a:r>
-              <a:rPr b="1" lang="en-GB" sz="1400">
-                <a:latin typeface="Courier New"/>
-                <a:ea typeface="Courier New"/>
-                <a:cs typeface="Courier New"/>
-                <a:sym typeface="Courier New"/>
-              </a:rPr>
-              <a:t>volumes:</a:t>
-            </a:r>
-            <a:endParaRPr b="1" sz="1400">
-              <a:latin typeface="Courier New"/>
-              <a:ea typeface="Courier New"/>
-              <a:cs typeface="Courier New"/>
-              <a:sym typeface="Courier New"/>
-            </a:endParaRPr>
-          </a:p>
-          <a:p>
-            <a:pPr indent="0" lvl="0" marL="0" rtl="0" algn="l">
-              <a:lnSpc>
-                <a:spcPct val="100000"/>
-              </a:lnSpc>
-              <a:spcBef>
-                <a:spcPts val="0"/>
-              </a:spcBef>
-              <a:spcAft>
-                <a:spcPts val="0"/>
-              </a:spcAft>
-              <a:buNone/>
-            </a:pPr>
-            <a:r>
-              <a:rPr b="1" lang="en-GB" sz="1400">
-                <a:latin typeface="Courier New"/>
-                <a:ea typeface="Courier New"/>
-                <a:cs typeface="Courier New"/>
-                <a:sym typeface="Courier New"/>
-              </a:rPr>
-              <a:t>  logvolume01: {}</a:t>
+              <a:t># Prikazuje logove</a:t>
             </a:r>
             <a:endParaRPr b="1" sz="1400">
               <a:solidFill>
@@ -8228,301 +12158,7 @@
       </p:sp>
       <p:sp>
         <p:nvSpPr>
-          <p:cNvPr id="81" name="Google Shape;81;p17"/>
-          <p:cNvSpPr txBox="1"/>
-          <p:nvPr>
-            <p:ph idx="1" type="body"/>
-          </p:nvPr>
-        </p:nvSpPr>
-        <p:spPr>
-          <a:xfrm>
-            <a:off x="311700" y="1120725"/>
-            <a:ext cx="5043600" cy="3226800"/>
-          </a:xfrm>
-          <a:prstGeom prst="rect">
-            <a:avLst/>
-          </a:prstGeom>
-        </p:spPr>
-        <p:txBody>
-          <a:bodyPr anchorCtr="0" anchor="t" bIns="91425" lIns="91425" spcFirstLastPara="1" rIns="91425" wrap="square" tIns="91425">
-            <a:noAutofit/>
-          </a:bodyPr>
-          <a:lstStyle/>
-          <a:p>
-            <a:pPr indent="0" lvl="0" marL="0" rtl="0" algn="just">
-              <a:spcBef>
-                <a:spcPts val="0"/>
-              </a:spcBef>
-              <a:spcAft>
-                <a:spcPts val="0"/>
-              </a:spcAft>
-              <a:buNone/>
-            </a:pPr>
-            <a:r>
-              <a:rPr i="1" lang="en-GB">
-                <a:solidFill>
-                  <a:srgbClr val="254356"/>
-                </a:solidFill>
-                <a:highlight>
-                  <a:srgbClr val="FFFFFF"/>
-                </a:highlight>
-              </a:rPr>
-              <a:t>Compose </a:t>
-            </a:r>
-            <a:r>
-              <a:rPr lang="en-GB">
-                <a:solidFill>
-                  <a:srgbClr val="254356"/>
-                </a:solidFill>
-                <a:highlight>
-                  <a:srgbClr val="FFFFFF"/>
-                </a:highlight>
-              </a:rPr>
-              <a:t>datoteka je </a:t>
-            </a:r>
-            <a:r>
-              <a:rPr i="1" lang="en-GB">
-                <a:solidFill>
-                  <a:srgbClr val="254356"/>
-                </a:solidFill>
-                <a:highlight>
-                  <a:srgbClr val="FFFFFF"/>
-                </a:highlight>
-              </a:rPr>
-              <a:t>YAML </a:t>
-            </a:r>
-            <a:r>
-              <a:rPr lang="en-GB">
-                <a:solidFill>
-                  <a:srgbClr val="254356"/>
-                </a:solidFill>
-                <a:highlight>
-                  <a:srgbClr val="FFFFFF"/>
-                </a:highlight>
-              </a:rPr>
-              <a:t>datoteka koja definiše servise, mreže i skladišta, neophodne kako bi se pokrenuo čitav ekosistem servisa.</a:t>
-            </a:r>
-            <a:endParaRPr>
-              <a:solidFill>
-                <a:srgbClr val="254356"/>
-              </a:solidFill>
-              <a:highlight>
-                <a:srgbClr val="FFFFFF"/>
-              </a:highlight>
-            </a:endParaRPr>
-          </a:p>
-          <a:p>
-            <a:pPr indent="0" lvl="0" marL="0" rtl="0" algn="just">
-              <a:spcBef>
-                <a:spcPts val="1600"/>
-              </a:spcBef>
-              <a:spcAft>
-                <a:spcPts val="0"/>
-              </a:spcAft>
-              <a:buNone/>
-            </a:pPr>
-            <a:r>
-              <a:rPr lang="en-GB">
-                <a:solidFill>
-                  <a:srgbClr val="254356"/>
-                </a:solidFill>
-                <a:highlight>
-                  <a:srgbClr val="FFFFFF"/>
-                </a:highlight>
-              </a:rPr>
-              <a:t>Podrazumevana putanja do </a:t>
-            </a:r>
-            <a:r>
-              <a:rPr i="1" lang="en-GB">
-                <a:solidFill>
-                  <a:srgbClr val="254356"/>
-                </a:solidFill>
-                <a:highlight>
-                  <a:srgbClr val="FFFFFF"/>
-                </a:highlight>
-              </a:rPr>
-              <a:t>Compose </a:t>
-            </a:r>
-            <a:r>
-              <a:rPr lang="en-GB">
-                <a:solidFill>
-                  <a:srgbClr val="254356"/>
-                </a:solidFill>
-                <a:highlight>
-                  <a:srgbClr val="FFFFFF"/>
-                </a:highlight>
-              </a:rPr>
-              <a:t>datoteke je </a:t>
-            </a:r>
-            <a:r>
-              <a:rPr i="1" lang="en-GB">
-                <a:solidFill>
-                  <a:srgbClr val="254356"/>
-                </a:solidFill>
-                <a:highlight>
-                  <a:srgbClr val="FFFFFF"/>
-                </a:highlight>
-              </a:rPr>
-              <a:t>./docker-compose.yml</a:t>
-            </a:r>
-            <a:r>
-              <a:rPr lang="en-GB">
-                <a:solidFill>
-                  <a:srgbClr val="254356"/>
-                </a:solidFill>
-                <a:highlight>
-                  <a:srgbClr val="FFFFFF"/>
-                </a:highlight>
-              </a:rPr>
-              <a:t>.</a:t>
-            </a:r>
-            <a:endParaRPr>
-              <a:solidFill>
-                <a:srgbClr val="254356"/>
-              </a:solidFill>
-              <a:highlight>
-                <a:srgbClr val="FFFFFF"/>
-              </a:highlight>
-            </a:endParaRPr>
-          </a:p>
-          <a:p>
-            <a:pPr indent="0" lvl="0" marL="0" rtl="0" algn="just">
-              <a:spcBef>
-                <a:spcPts val="1600"/>
-              </a:spcBef>
-              <a:spcAft>
-                <a:spcPts val="0"/>
-              </a:spcAft>
-              <a:buNone/>
-            </a:pPr>
-            <a:r>
-              <a:rPr lang="en-GB">
-                <a:solidFill>
-                  <a:srgbClr val="254356"/>
-                </a:solidFill>
-                <a:highlight>
-                  <a:srgbClr val="FFFFFF"/>
-                </a:highlight>
-              </a:rPr>
-              <a:t>Postoji nekoliko verzija formata </a:t>
-            </a:r>
-            <a:r>
-              <a:rPr i="1" lang="en-GB">
-                <a:solidFill>
-                  <a:srgbClr val="254356"/>
-                </a:solidFill>
-                <a:highlight>
-                  <a:srgbClr val="FFFFFF"/>
-                </a:highlight>
-              </a:rPr>
-              <a:t>Compose </a:t>
-            </a:r>
-            <a:r>
-              <a:rPr lang="en-GB">
-                <a:solidFill>
-                  <a:srgbClr val="254356"/>
-                </a:solidFill>
-                <a:highlight>
-                  <a:srgbClr val="FFFFFF"/>
-                </a:highlight>
-              </a:rPr>
-              <a:t>datoteke - trenutno je aktuelna </a:t>
-            </a:r>
-            <a:r>
-              <a:rPr lang="en-GB">
-                <a:solidFill>
-                  <a:srgbClr val="254356"/>
-                </a:solidFill>
-                <a:highlight>
-                  <a:srgbClr val="FFFFFF"/>
-                </a:highlight>
-              </a:rPr>
-              <a:t>verzije</a:t>
-            </a:r>
-            <a:r>
-              <a:rPr lang="en-GB">
-                <a:solidFill>
-                  <a:srgbClr val="254356"/>
-                </a:solidFill>
-                <a:highlight>
-                  <a:srgbClr val="FFFFFF"/>
-                </a:highlight>
-              </a:rPr>
-              <a:t> </a:t>
-            </a:r>
-            <a:r>
-              <a:rPr lang="en-GB">
-                <a:solidFill>
-                  <a:srgbClr val="254356"/>
-                </a:solidFill>
-                <a:highlight>
-                  <a:srgbClr val="FFFFFF"/>
-                </a:highlight>
-              </a:rPr>
-              <a:t>3.4</a:t>
-            </a:r>
-            <a:r>
-              <a:rPr lang="en-GB">
-                <a:solidFill>
-                  <a:srgbClr val="254356"/>
-                </a:solidFill>
-                <a:highlight>
-                  <a:srgbClr val="FFFFFF"/>
-                </a:highlight>
-              </a:rPr>
-              <a:t>.</a:t>
-            </a:r>
-            <a:endParaRPr>
-              <a:solidFill>
-                <a:srgbClr val="254356"/>
-              </a:solidFill>
-              <a:highlight>
-                <a:srgbClr val="FFFFFF"/>
-              </a:highlight>
-            </a:endParaRPr>
-          </a:p>
-          <a:p>
-            <a:pPr indent="0" lvl="0" marL="0" rtl="0" algn="just">
-              <a:spcBef>
-                <a:spcPts val="1600"/>
-              </a:spcBef>
-              <a:spcAft>
-                <a:spcPts val="0"/>
-              </a:spcAft>
-              <a:buNone/>
-            </a:pPr>
-            <a:r>
-              <a:t/>
-            </a:r>
-            <a:endParaRPr sz="1050">
-              <a:solidFill>
-                <a:srgbClr val="254356"/>
-              </a:solidFill>
-              <a:highlight>
-                <a:srgbClr val="FFFFFF"/>
-              </a:highlight>
-            </a:endParaRPr>
-          </a:p>
-          <a:p>
-            <a:pPr indent="0" lvl="0" marL="0" rtl="0" algn="just">
-              <a:spcBef>
-                <a:spcPts val="1600"/>
-              </a:spcBef>
-              <a:spcAft>
-                <a:spcPts val="1600"/>
-              </a:spcAft>
-              <a:buNone/>
-            </a:pPr>
-            <a:r>
-              <a:t/>
-            </a:r>
-            <a:endParaRPr/>
-          </a:p>
-        </p:txBody>
-      </p:sp>
-      <p:sp>
-        <p:nvSpPr>
-          <p:cNvPr id="82" name="Google Shape;82;p17"/>
+          <p:cNvPr id="101" name="Google Shape;101;p20"/>
           <p:cNvSpPr txBox="1"/>
           <p:nvPr/>
         </p:nvSpPr>
@@ -8583,7 +12219,7 @@
                 </a:highlight>
                 <a:hlinkClick r:id="rId3"/>
               </a:rPr>
-              <a:t>https://docs.docker.com/v17.09/compose/compose-file/</a:t>
+              <a:t>https://docs.docker.com/compose/reference/</a:t>
             </a:r>
             <a:endParaRPr/>
           </a:p>
@@ -8597,12 +12233,12 @@
 </p:sld>
 </file>
 
-<file path=ppt/slides/slide6.xml><?xml version="1.0" encoding="utf-8"?>
+<file path=ppt/slides/slide8.xml><?xml version="1.0" encoding="utf-8"?>
 <p:sld xmlns:a="http://schemas.openxmlformats.org/drawingml/2006/main" xmlns:r="http://schemas.openxmlformats.org/officeDocument/2006/relationships" xmlns:mc="http://schemas.openxmlformats.org/markup-compatibility/2006" xmlns:mv="urn:schemas-microsoft-com:mac:vml" xmlns:p="http://schemas.openxmlformats.org/presentationml/2006/main" xmlns:c="http://schemas.openxmlformats.org/drawingml/2006/chart" xmlns:dgm="http://schemas.openxmlformats.org/drawingml/2006/diagram" xmlns:o="urn:schemas-microsoft-com:office:office" xmlns:v="urn:schemas-microsoft-com:vml" xmlns:pvml="urn:schemas-microsoft-com:office:powerpoint" xmlns:com="http://schemas.openxmlformats.org/drawingml/2006/compatibility" xmlns:p14="http://schemas.microsoft.com/office/powerpoint/2010/main" xmlns:p15="http://schemas.microsoft.com/office/powerpoint/2012/main">
   <p:cSld>
     <p:spTree>
       <p:nvGrpSpPr>
-        <p:cNvPr id="86" name="Shape 86"/>
+        <p:cNvPr id="105" name="Shape 105"/>
         <p:cNvGrpSpPr/>
         <p:nvPr/>
       </p:nvGrpSpPr>
@@ -8616,7 +12252,7 @@
       </p:grpSpPr>
       <p:sp>
         <p:nvSpPr>
-          <p:cNvPr id="87" name="Google Shape;87;p18"/>
+          <p:cNvPr id="106" name="Google Shape;106;p21"/>
           <p:cNvSpPr txBox="1"/>
           <p:nvPr>
             <p:ph type="title"/>
@@ -8671,7 +12307,7 @@
       </p:sp>
       <p:sp>
         <p:nvSpPr>
-          <p:cNvPr id="88" name="Google Shape;88;p18"/>
+          <p:cNvPr id="107" name="Google Shape;107;p21"/>
           <p:cNvSpPr txBox="1"/>
           <p:nvPr>
             <p:ph idx="1" type="body"/>
@@ -8814,12 +12450,16 @@
               <a:t>datoteku; port 80 namapirati na port 8085; </a:t>
             </a:r>
             <a:r>
-              <a:rPr i="1" lang="en-GB"/>
+              <a:rPr b="1" i="1" lang="en-GB"/>
               <a:t>PERSON </a:t>
             </a:r>
             <a:r>
+              <a:rPr b="1" lang="en-GB"/>
+              <a:t>env varijablu</a:t>
+            </a:r>
+            <a:r>
               <a:rPr lang="en-GB"/>
-              <a:t>env varijablu postaviti na proizvoljnu vrednost. Pokrenute </a:t>
+              <a:t> postaviti na proizvoljnu vrednost. Pokrenute </a:t>
             </a:r>
             <a:r>
               <a:rPr i="1" lang="en-GB"/>
@@ -8836,655 +12476,6 @@
             <a:r>
               <a:rPr lang="en-GB"/>
               <a:t> mrežu. </a:t>
-            </a:r>
-            <a:endParaRPr/>
-          </a:p>
-        </p:txBody>
-      </p:sp>
-    </p:spTree>
-  </p:cSld>
-  <p:clrMapOvr>
-    <a:masterClrMapping/>
-  </p:clrMapOvr>
-</p:sld>
-</file>
-
-<file path=ppt/slides/slide7.xml><?xml version="1.0" encoding="utf-8"?>
-<p:sld xmlns:a="http://schemas.openxmlformats.org/drawingml/2006/main" xmlns:r="http://schemas.openxmlformats.org/officeDocument/2006/relationships" xmlns:mc="http://schemas.openxmlformats.org/markup-compatibility/2006" xmlns:mv="urn:schemas-microsoft-com:mac:vml" xmlns:p="http://schemas.openxmlformats.org/presentationml/2006/main" xmlns:c="http://schemas.openxmlformats.org/drawingml/2006/chart" xmlns:dgm="http://schemas.openxmlformats.org/drawingml/2006/diagram" xmlns:o="urn:schemas-microsoft-com:office:office" xmlns:v="urn:schemas-microsoft-com:vml" xmlns:pvml="urn:schemas-microsoft-com:office:powerpoint" xmlns:com="http://schemas.openxmlformats.org/drawingml/2006/compatibility" xmlns:p14="http://schemas.microsoft.com/office/powerpoint/2010/main" xmlns:p15="http://schemas.microsoft.com/office/powerpoint/2012/main">
-  <p:cSld>
-    <p:spTree>
-      <p:nvGrpSpPr>
-        <p:cNvPr id="92" name="Shape 92"/>
-        <p:cNvGrpSpPr/>
-        <p:nvPr/>
-      </p:nvGrpSpPr>
-      <p:grpSpPr>
-        <a:xfrm>
-          <a:off x="0" y="0"/>
-          <a:ext cx="0" cy="0"/>
-          <a:chOff x="0" y="0"/>
-          <a:chExt cx="0" cy="0"/>
-        </a:xfrm>
-      </p:grpSpPr>
-      <p:sp>
-        <p:nvSpPr>
-          <p:cNvPr id="93" name="Google Shape;93;p19"/>
-          <p:cNvSpPr txBox="1"/>
-          <p:nvPr/>
-        </p:nvSpPr>
-        <p:spPr>
-          <a:xfrm>
-            <a:off x="311700" y="445025"/>
-            <a:ext cx="8520600" cy="572700"/>
-          </a:xfrm>
-          <a:prstGeom prst="rect">
-            <a:avLst/>
-          </a:prstGeom>
-          <a:noFill/>
-          <a:ln>
-            <a:noFill/>
-          </a:ln>
-        </p:spPr>
-        <p:txBody>
-          <a:bodyPr anchorCtr="0" anchor="t" bIns="91425" lIns="91425" spcFirstLastPara="1" rIns="91425" wrap="square" tIns="91425">
-            <a:noAutofit/>
-          </a:bodyPr>
-          <a:lstStyle/>
-          <a:p>
-            <a:pPr indent="0" lvl="0" marL="0" rtl="0" algn="l">
-              <a:spcBef>
-                <a:spcPts val="0"/>
-              </a:spcBef>
-              <a:spcAft>
-                <a:spcPts val="0"/>
-              </a:spcAft>
-              <a:buNone/>
-            </a:pPr>
-            <a:r>
-              <a:rPr lang="en-GB" sz="2800">
-                <a:solidFill>
-                  <a:srgbClr val="000000"/>
-                </a:solidFill>
-              </a:rPr>
-              <a:t>Zadatak </a:t>
-            </a:r>
-            <a:r>
-              <a:rPr lang="en-GB" sz="2800"/>
-              <a:t>2</a:t>
-            </a:r>
-            <a:endParaRPr sz="2800">
-              <a:solidFill>
-                <a:srgbClr val="000000"/>
-              </a:solidFill>
-            </a:endParaRPr>
-          </a:p>
-          <a:p>
-            <a:pPr indent="0" lvl="0" marL="0" rtl="0" algn="l">
-              <a:spcBef>
-                <a:spcPts val="0"/>
-              </a:spcBef>
-              <a:spcAft>
-                <a:spcPts val="0"/>
-              </a:spcAft>
-              <a:buNone/>
-            </a:pPr>
-            <a:r>
-              <a:t/>
-            </a:r>
-            <a:endParaRPr sz="2800">
-              <a:solidFill>
-                <a:srgbClr val="000000"/>
-              </a:solidFill>
-            </a:endParaRPr>
-          </a:p>
-        </p:txBody>
-      </p:sp>
-      <p:pic>
-        <p:nvPicPr>
-          <p:cNvPr id="94" name="Google Shape;94;p19"/>
-          <p:cNvPicPr preferRelativeResize="0"/>
-          <p:nvPr/>
-        </p:nvPicPr>
-        <p:blipFill rotWithShape="1">
-          <a:blip r:embed="rId3">
-            <a:alphaModFix/>
-          </a:blip>
-          <a:srcRect b="6901" l="12461" r="12961" t="7261"/>
-          <a:stretch/>
-        </p:blipFill>
-        <p:spPr>
-          <a:xfrm>
-            <a:off x="6106474" y="1291350"/>
-            <a:ext cx="2865733" cy="2473599"/>
-          </a:xfrm>
-          <a:prstGeom prst="rect">
-            <a:avLst/>
-          </a:prstGeom>
-          <a:noFill/>
-          <a:ln cap="flat" cmpd="sng" w="9525">
-            <a:solidFill>
-              <a:srgbClr val="595959"/>
-            </a:solidFill>
-            <a:prstDash val="solid"/>
-            <a:round/>
-            <a:headEnd len="sm" w="sm" type="none"/>
-            <a:tailEnd len="sm" w="sm" type="none"/>
-          </a:ln>
-        </p:spPr>
-      </p:pic>
-      <p:sp>
-        <p:nvSpPr>
-          <p:cNvPr id="95" name="Google Shape;95;p19"/>
-          <p:cNvSpPr txBox="1"/>
-          <p:nvPr/>
-        </p:nvSpPr>
-        <p:spPr>
-          <a:xfrm>
-            <a:off x="311700" y="1282688"/>
-            <a:ext cx="5692500" cy="2367000"/>
-          </a:xfrm>
-          <a:prstGeom prst="rect">
-            <a:avLst/>
-          </a:prstGeom>
-          <a:noFill/>
-          <a:ln>
-            <a:noFill/>
-          </a:ln>
-        </p:spPr>
-        <p:txBody>
-          <a:bodyPr anchorCtr="0" anchor="t" bIns="91425" lIns="91425" spcFirstLastPara="1" rIns="91425" wrap="square" tIns="91425">
-            <a:noAutofit/>
-          </a:bodyPr>
-          <a:lstStyle/>
-          <a:p>
-            <a:pPr indent="0" lvl="0" marL="0" rtl="0" algn="just">
-              <a:lnSpc>
-                <a:spcPct val="115000"/>
-              </a:lnSpc>
-              <a:spcBef>
-                <a:spcPts val="0"/>
-              </a:spcBef>
-              <a:spcAft>
-                <a:spcPts val="1600"/>
-              </a:spcAft>
-              <a:buNone/>
-            </a:pPr>
-            <a:r>
-              <a:rPr lang="en-GB" sz="1800">
-                <a:solidFill>
-                  <a:srgbClr val="595959"/>
-                </a:solidFill>
-              </a:rPr>
-              <a:t>Odraditi </a:t>
-            </a:r>
-            <a:r>
-              <a:rPr i="1" lang="en-GB" sz="1800">
-                <a:solidFill>
-                  <a:srgbClr val="595959"/>
-                </a:solidFill>
-              </a:rPr>
-              <a:t>deployment </a:t>
-            </a:r>
-            <a:r>
-              <a:rPr lang="en-GB" sz="1800">
-                <a:solidFill>
-                  <a:srgbClr val="595959"/>
-                </a:solidFill>
-              </a:rPr>
-              <a:t>aplikacije za glasanje čija je arhitektura prikazana na slici. Aplikacija se sastoji od 5 različitih mikroservisa i svaki je potrebno pokrenuti u zasebnom kontejneru. Za </a:t>
-            </a:r>
-            <a:r>
-              <a:rPr i="1" lang="en-GB" sz="1800">
-                <a:solidFill>
-                  <a:srgbClr val="595959"/>
-                </a:solidFill>
-              </a:rPr>
-              <a:t>voting, result </a:t>
-            </a:r>
-            <a:r>
-              <a:rPr lang="en-GB" sz="1800">
-                <a:solidFill>
-                  <a:srgbClr val="595959"/>
-                </a:solidFill>
-              </a:rPr>
-              <a:t>i </a:t>
-            </a:r>
-            <a:r>
-              <a:rPr i="1" lang="en-GB" sz="1800">
-                <a:solidFill>
-                  <a:srgbClr val="595959"/>
-                </a:solidFill>
-              </a:rPr>
-              <a:t>worker </a:t>
-            </a:r>
-            <a:r>
-              <a:rPr lang="en-GB" sz="1800">
-                <a:solidFill>
-                  <a:srgbClr val="595959"/>
-                </a:solidFill>
-              </a:rPr>
-              <a:t>serise su dostupne </a:t>
-            </a:r>
-            <a:r>
-              <a:rPr i="1" lang="en-GB" sz="1800">
-                <a:solidFill>
-                  <a:srgbClr val="595959"/>
-                </a:solidFill>
-              </a:rPr>
-              <a:t>Dockerfile </a:t>
-            </a:r>
-            <a:r>
-              <a:rPr lang="en-GB" sz="1800">
-                <a:solidFill>
-                  <a:srgbClr val="595959"/>
-                </a:solidFill>
-              </a:rPr>
-              <a:t>datoteke, dok je </a:t>
-            </a:r>
-            <a:r>
-              <a:rPr i="1" lang="en-GB" sz="1800">
-                <a:solidFill>
-                  <a:srgbClr val="595959"/>
-                </a:solidFill>
-              </a:rPr>
-              <a:t>Redis </a:t>
-            </a:r>
-            <a:r>
-              <a:rPr lang="en-GB" sz="1800">
-                <a:solidFill>
-                  <a:srgbClr val="595959"/>
-                </a:solidFill>
-              </a:rPr>
-              <a:t>i </a:t>
-            </a:r>
-            <a:r>
-              <a:rPr i="1" lang="en-GB" sz="1800">
-                <a:solidFill>
-                  <a:srgbClr val="595959"/>
-                </a:solidFill>
-              </a:rPr>
-              <a:t>PostgreSQL </a:t>
-            </a:r>
-            <a:r>
-              <a:rPr lang="en-GB" sz="1800">
-                <a:solidFill>
-                  <a:srgbClr val="595959"/>
-                </a:solidFill>
-              </a:rPr>
-              <a:t>servise potrebno pokrenuti na osnovu zvaničnih slika.</a:t>
-            </a:r>
-            <a:endParaRPr b="1" i="1" sz="1800">
-              <a:solidFill>
-                <a:srgbClr val="595959"/>
-              </a:solidFill>
-            </a:endParaRPr>
-          </a:p>
-        </p:txBody>
-      </p:sp>
-      <p:sp>
-        <p:nvSpPr>
-          <p:cNvPr id="96" name="Google Shape;96;p19"/>
-          <p:cNvSpPr txBox="1"/>
-          <p:nvPr/>
-        </p:nvSpPr>
-        <p:spPr>
-          <a:xfrm>
-            <a:off x="311700" y="4092500"/>
-            <a:ext cx="6579900" cy="762000"/>
-          </a:xfrm>
-          <a:prstGeom prst="rect">
-            <a:avLst/>
-          </a:prstGeom>
-          <a:noFill/>
-          <a:ln>
-            <a:noFill/>
-          </a:ln>
-        </p:spPr>
-        <p:txBody>
-          <a:bodyPr anchorCtr="0" anchor="t" bIns="91425" lIns="91425" spcFirstLastPara="1" rIns="91425" wrap="square" tIns="91425">
-            <a:noAutofit/>
-          </a:bodyPr>
-          <a:lstStyle/>
-          <a:p>
-            <a:pPr indent="0" lvl="0" marL="0" rtl="0" algn="l">
-              <a:lnSpc>
-                <a:spcPct val="115000"/>
-              </a:lnSpc>
-              <a:spcBef>
-                <a:spcPts val="0"/>
-              </a:spcBef>
-              <a:spcAft>
-                <a:spcPts val="1600"/>
-              </a:spcAft>
-              <a:buNone/>
-            </a:pPr>
-            <a:r>
-              <a:rPr b="1" i="1" lang="en-GB" sz="1800">
-                <a:solidFill>
-                  <a:srgbClr val="595959"/>
-                </a:solidFill>
-              </a:rPr>
-              <a:t>Deployment </a:t>
-            </a:r>
-            <a:r>
-              <a:rPr b="1" lang="en-GB" sz="1800">
-                <a:solidFill>
-                  <a:srgbClr val="595959"/>
-                </a:solidFill>
-              </a:rPr>
-              <a:t>odraditi korišćenjem alata </a:t>
-            </a:r>
-            <a:r>
-              <a:rPr b="1" i="1" lang="en-GB" sz="1800">
-                <a:solidFill>
-                  <a:srgbClr val="595959"/>
-                </a:solidFill>
-              </a:rPr>
-              <a:t>docker-compose.</a:t>
-            </a:r>
-            <a:endParaRPr b="1" i="1" sz="1800">
-              <a:solidFill>
-                <a:srgbClr val="595959"/>
-              </a:solidFill>
-            </a:endParaRPr>
-          </a:p>
-        </p:txBody>
-      </p:sp>
-    </p:spTree>
-  </p:cSld>
-  <p:clrMapOvr>
-    <a:masterClrMapping/>
-  </p:clrMapOvr>
-</p:sld>
-</file>
-
-<file path=ppt/slides/slide8.xml><?xml version="1.0" encoding="utf-8"?>
-<p:sld xmlns:a="http://schemas.openxmlformats.org/drawingml/2006/main" xmlns:r="http://schemas.openxmlformats.org/officeDocument/2006/relationships" xmlns:mc="http://schemas.openxmlformats.org/markup-compatibility/2006" xmlns:mv="urn:schemas-microsoft-com:mac:vml" xmlns:p="http://schemas.openxmlformats.org/presentationml/2006/main" xmlns:c="http://schemas.openxmlformats.org/drawingml/2006/chart" xmlns:dgm="http://schemas.openxmlformats.org/drawingml/2006/diagram" xmlns:o="urn:schemas-microsoft-com:office:office" xmlns:v="urn:schemas-microsoft-com:vml" xmlns:pvml="urn:schemas-microsoft-com:office:powerpoint" xmlns:com="http://schemas.openxmlformats.org/drawingml/2006/compatibility" xmlns:p14="http://schemas.microsoft.com/office/powerpoint/2010/main" xmlns:p15="http://schemas.microsoft.com/office/powerpoint/2012/main">
-  <p:cSld>
-    <p:spTree>
-      <p:nvGrpSpPr>
-        <p:cNvPr id="100" name="Shape 100"/>
-        <p:cNvGrpSpPr/>
-        <p:nvPr/>
-      </p:nvGrpSpPr>
-      <p:grpSpPr>
-        <a:xfrm>
-          <a:off x="0" y="0"/>
-          <a:ext cx="0" cy="0"/>
-          <a:chOff x="0" y="0"/>
-          <a:chExt cx="0" cy="0"/>
-        </a:xfrm>
-      </p:grpSpPr>
-      <p:sp>
-        <p:nvSpPr>
-          <p:cNvPr id="101" name="Google Shape;101;p20"/>
-          <p:cNvSpPr txBox="1"/>
-          <p:nvPr>
-            <p:ph type="title"/>
-          </p:nvPr>
-        </p:nvSpPr>
-        <p:spPr>
-          <a:xfrm>
-            <a:off x="311700" y="445025"/>
-            <a:ext cx="8520600" cy="572700"/>
-          </a:xfrm>
-          <a:prstGeom prst="rect">
-            <a:avLst/>
-          </a:prstGeom>
-        </p:spPr>
-        <p:txBody>
-          <a:bodyPr anchorCtr="0" anchor="t" bIns="91425" lIns="91425" spcFirstLastPara="1" rIns="91425" wrap="square" tIns="91425">
-            <a:noAutofit/>
-          </a:bodyPr>
-          <a:lstStyle/>
-          <a:p>
-            <a:pPr indent="0" lvl="0" marL="0" rtl="0" algn="l">
-              <a:spcBef>
-                <a:spcPts val="0"/>
-              </a:spcBef>
-              <a:spcAft>
-                <a:spcPts val="0"/>
-              </a:spcAft>
-              <a:buClr>
-                <a:schemeClr val="dk1"/>
-              </a:buClr>
-              <a:buSzPts val="1100"/>
-              <a:buFont typeface="Arial"/>
-              <a:buNone/>
-            </a:pPr>
-            <a:r>
-              <a:rPr lang="en-GB"/>
-              <a:t>Zadatak 2</a:t>
-            </a:r>
-            <a:endParaRPr/>
-          </a:p>
-          <a:p>
-            <a:pPr indent="0" lvl="0" marL="0" rtl="0" algn="l">
-              <a:spcBef>
-                <a:spcPts val="0"/>
-              </a:spcBef>
-              <a:spcAft>
-                <a:spcPts val="0"/>
-              </a:spcAft>
-              <a:buNone/>
-            </a:pPr>
-            <a:r>
-              <a:t/>
-            </a:r>
-            <a:endParaRPr/>
-          </a:p>
-        </p:txBody>
-      </p:sp>
-      <p:sp>
-        <p:nvSpPr>
-          <p:cNvPr id="102" name="Google Shape;102;p20"/>
-          <p:cNvSpPr txBox="1"/>
-          <p:nvPr>
-            <p:ph idx="1" type="body"/>
-          </p:nvPr>
-        </p:nvSpPr>
-        <p:spPr>
-          <a:xfrm>
-            <a:off x="311700" y="1076275"/>
-            <a:ext cx="8520600" cy="3914400"/>
-          </a:xfrm>
-          <a:prstGeom prst="rect">
-            <a:avLst/>
-          </a:prstGeom>
-        </p:spPr>
-        <p:txBody>
-          <a:bodyPr anchorCtr="0" anchor="t" bIns="91425" lIns="91425" spcFirstLastPara="1" rIns="91425" wrap="square" tIns="91425">
-            <a:noAutofit/>
-          </a:bodyPr>
-          <a:lstStyle/>
-          <a:p>
-            <a:pPr indent="0" lvl="0" marL="0" rtl="0" algn="just">
-              <a:spcBef>
-                <a:spcPts val="0"/>
-              </a:spcBef>
-              <a:spcAft>
-                <a:spcPts val="0"/>
-              </a:spcAft>
-              <a:buNone/>
-            </a:pPr>
-            <a:r>
-              <a:rPr lang="en-GB"/>
-              <a:t>Aplikacija se sastoji od 5 mikroservisa:</a:t>
-            </a:r>
-            <a:endParaRPr/>
-          </a:p>
-          <a:p>
-            <a:pPr indent="-298450" lvl="0" marL="457200" rtl="0" algn="l">
-              <a:spcBef>
-                <a:spcPts val="1600"/>
-              </a:spcBef>
-              <a:spcAft>
-                <a:spcPts val="0"/>
-              </a:spcAft>
-              <a:buClr>
-                <a:schemeClr val="dk1"/>
-              </a:buClr>
-              <a:buSzPts val="1100"/>
-              <a:buChar char="●"/>
-            </a:pPr>
-            <a:r>
-              <a:rPr i="1" lang="en-GB"/>
-              <a:t>Python web </a:t>
-            </a:r>
-            <a:r>
-              <a:rPr lang="en-GB"/>
-              <a:t>aplikacija koja omogućava glasanje između dve ponuđene opcije (pasa i mačaka :) )</a:t>
-            </a:r>
-            <a:endParaRPr/>
-          </a:p>
-          <a:p>
-            <a:pPr indent="-298450" lvl="0" marL="457200" rtl="0" algn="l">
-              <a:spcBef>
-                <a:spcPts val="0"/>
-              </a:spcBef>
-              <a:spcAft>
-                <a:spcPts val="0"/>
-              </a:spcAft>
-              <a:buClr>
-                <a:schemeClr val="dk1"/>
-              </a:buClr>
-              <a:buSzPts val="1100"/>
-              <a:buChar char="●"/>
-            </a:pPr>
-            <a:r>
-              <a:rPr i="1" lang="en-GB"/>
-              <a:t>Redis </a:t>
-            </a:r>
-            <a:r>
-              <a:rPr lang="en-GB"/>
-              <a:t>red pomoću kog se sakupljaju novi glasovi</a:t>
-            </a:r>
-            <a:endParaRPr/>
-          </a:p>
-          <a:p>
-            <a:pPr indent="-298450" lvl="0" marL="457200" rtl="0" algn="l">
-              <a:spcBef>
-                <a:spcPts val="0"/>
-              </a:spcBef>
-              <a:spcAft>
-                <a:spcPts val="0"/>
-              </a:spcAft>
-              <a:buClr>
-                <a:schemeClr val="dk1"/>
-              </a:buClr>
-              <a:buSzPts val="1100"/>
-              <a:buChar char="●"/>
-            </a:pPr>
-            <a:r>
-              <a:rPr lang="en-GB"/>
-              <a:t>.NET </a:t>
-            </a:r>
-            <a:r>
-              <a:rPr i="1" lang="en-GB"/>
-              <a:t>worker </a:t>
-            </a:r>
-            <a:r>
-              <a:rPr lang="en-GB"/>
-              <a:t>koji preuzima glasove i skladišti ih u bazu podataka</a:t>
-            </a:r>
-            <a:endParaRPr/>
-          </a:p>
-          <a:p>
-            <a:pPr indent="-298450" lvl="0" marL="457200" rtl="0" algn="l">
-              <a:spcBef>
-                <a:spcPts val="0"/>
-              </a:spcBef>
-              <a:spcAft>
-                <a:spcPts val="0"/>
-              </a:spcAft>
-              <a:buClr>
-                <a:schemeClr val="dk1"/>
-              </a:buClr>
-              <a:buSzPts val="1100"/>
-              <a:buChar char="●"/>
-            </a:pPr>
-            <a:r>
-              <a:rPr i="1" lang="en-GB"/>
-              <a:t>Postgres </a:t>
-            </a:r>
-            <a:r>
-              <a:rPr lang="en-GB"/>
-              <a:t>baza podataka podržana </a:t>
-            </a:r>
-            <a:r>
-              <a:rPr i="1" lang="en-GB"/>
-              <a:t>Docker </a:t>
-            </a:r>
-            <a:r>
-              <a:rPr lang="en-GB"/>
-              <a:t>skladištem</a:t>
-            </a:r>
-            <a:endParaRPr/>
-          </a:p>
-          <a:p>
-            <a:pPr indent="-298450" lvl="0" marL="457200" rtl="0" algn="l">
-              <a:spcBef>
-                <a:spcPts val="0"/>
-              </a:spcBef>
-              <a:spcAft>
-                <a:spcPts val="0"/>
-              </a:spcAft>
-              <a:buClr>
-                <a:schemeClr val="dk1"/>
-              </a:buClr>
-              <a:buSzPts val="1100"/>
-              <a:buChar char="●"/>
-            </a:pPr>
-            <a:r>
-              <a:rPr i="1" lang="en-GB"/>
-              <a:t>Node.js</a:t>
-            </a:r>
-            <a:r>
-              <a:rPr lang="en-GB"/>
-              <a:t> </a:t>
-            </a:r>
-            <a:r>
-              <a:rPr i="1" lang="en-GB"/>
-              <a:t>web </a:t>
-            </a:r>
-            <a:r>
-              <a:rPr lang="en-GB"/>
-              <a:t>aplikacija koja omogućava prikaz rezultata glasanja u realnom vremenu </a:t>
-            </a:r>
-            <a:endParaRPr/>
-          </a:p>
-          <a:p>
-            <a:pPr indent="0" lvl="0" marL="0" rtl="0" algn="just">
-              <a:spcBef>
-                <a:spcPts val="0"/>
-              </a:spcBef>
-              <a:spcAft>
-                <a:spcPts val="0"/>
-              </a:spcAft>
-              <a:buClr>
-                <a:schemeClr val="dk1"/>
-              </a:buClr>
-              <a:buSzPts val="1100"/>
-              <a:buFont typeface="Arial"/>
-              <a:buNone/>
-            </a:pPr>
-            <a:r>
-              <a:t/>
-            </a:r>
-            <a:endParaRPr/>
-          </a:p>
-          <a:p>
-            <a:pPr indent="457200" lvl="0" marL="0" rtl="0" algn="just">
-              <a:spcBef>
-                <a:spcPts val="1600"/>
-              </a:spcBef>
-              <a:spcAft>
-                <a:spcPts val="1600"/>
-              </a:spcAft>
-              <a:buNone/>
-            </a:pPr>
-            <a:r>
-              <a:t/>
             </a:r>
             <a:endParaRPr/>
           </a:p>
@@ -9503,7 +12494,7 @@
   <p:cSld>
     <p:spTree>
       <p:nvGrpSpPr>
-        <p:cNvPr id="106" name="Shape 106"/>
+        <p:cNvPr id="111" name="Shape 111"/>
         <p:cNvGrpSpPr/>
         <p:nvPr/>
       </p:nvGrpSpPr>
@@ -9517,7 +12508,7 @@
       </p:grpSpPr>
       <p:sp>
         <p:nvSpPr>
-          <p:cNvPr id="107" name="Google Shape;107;p21"/>
+          <p:cNvPr id="112" name="Google Shape;112;p22"/>
           <p:cNvSpPr txBox="1"/>
           <p:nvPr>
             <p:ph type="title"/>
@@ -9525,8 +12516,8 @@
         </p:nvSpPr>
         <p:spPr>
           <a:xfrm>
-            <a:off x="311700" y="445025"/>
-            <a:ext cx="8520600" cy="572700"/>
+            <a:off x="311700" y="218875"/>
+            <a:ext cx="8520600" cy="560700"/>
           </a:xfrm>
           <a:prstGeom prst="rect">
             <a:avLst/>
@@ -9545,31 +12536,11 @@
               <a:spcAft>
                 <a:spcPts val="0"/>
               </a:spcAft>
-              <a:buClr>
-                <a:schemeClr val="dk1"/>
-              </a:buClr>
-              <a:buSzPts val="1100"/>
-              <a:buFont typeface="Arial"/>
               <a:buNone/>
             </a:pPr>
             <a:r>
               <a:rPr lang="en-GB"/>
-              <a:t>Zadatak 2</a:t>
-            </a:r>
-            <a:endParaRPr/>
-          </a:p>
-          <a:p>
-            <a:pPr indent="0" lvl="0" marL="0" rtl="0" algn="l">
-              <a:spcBef>
-                <a:spcPts val="0"/>
-              </a:spcBef>
-              <a:spcAft>
-                <a:spcPts val="0"/>
-              </a:spcAft>
-              <a:buNone/>
-            </a:pPr>
-            <a:r>
-              <a:t/>
+              <a:t>Zadatak 1</a:t>
             </a:r>
             <a:endParaRPr/>
           </a:p>
@@ -9577,20 +12548,22 @@
       </p:sp>
       <p:sp>
         <p:nvSpPr>
-          <p:cNvPr id="108" name="Google Shape;108;p21"/>
+          <p:cNvPr id="113" name="Google Shape;113;p22"/>
           <p:cNvSpPr txBox="1"/>
-          <p:nvPr>
-            <p:ph idx="1" type="body"/>
-          </p:nvPr>
+          <p:nvPr/>
         </p:nvSpPr>
         <p:spPr>
           <a:xfrm>
-            <a:off x="311700" y="1076275"/>
-            <a:ext cx="8520600" cy="3914400"/>
+            <a:off x="311700" y="779575"/>
+            <a:ext cx="8520600" cy="1983300"/>
           </a:xfrm>
           <a:prstGeom prst="rect">
             <a:avLst/>
           </a:prstGeom>
+          <a:noFill/>
+          <a:ln>
+            <a:noFill/>
+          </a:ln>
         </p:spPr>
         <p:txBody>
           <a:bodyPr anchorCtr="0" anchor="t" bIns="91425" lIns="91425" spcFirstLastPara="1" rIns="91425" wrap="square" tIns="91425">
@@ -9598,47 +12571,347 @@
           </a:bodyPr>
           <a:lstStyle/>
           <a:p>
-            <a:pPr indent="457200" lvl="0" marL="0" rtl="0" algn="just">
-              <a:spcBef>
-                <a:spcPts val="0"/>
-              </a:spcBef>
-              <a:spcAft>
-                <a:spcPts val="0"/>
-              </a:spcAft>
-              <a:buNone/>
-            </a:pPr>
-            <a:r>
-              <a:rPr lang="en-GB"/>
-              <a:t>Arhitektura podrazumeva da postoje dve mreže (</a:t>
-            </a:r>
-            <a:r>
-              <a:rPr i="1" lang="en-GB"/>
-              <a:t>network</a:t>
-            </a:r>
-            <a:r>
-              <a:rPr lang="en-GB"/>
-              <a:t>) - mreža pozadinskog nivoa, koja služi za komunikaciju svih servisa (svi servisi bi trebalo da budu povezani na nju) i mreža prednjeg nivoa koja služi za povezivanje </a:t>
-            </a:r>
-            <a:r>
-              <a:rPr i="1" lang="en-GB"/>
-              <a:t>vote </a:t>
-            </a:r>
-            <a:r>
-              <a:rPr lang="en-GB"/>
-              <a:t>i </a:t>
-            </a:r>
-            <a:r>
-              <a:rPr i="1" lang="en-GB"/>
-              <a:t>result </a:t>
-            </a:r>
-            <a:r>
-              <a:rPr lang="en-GB"/>
-              <a:t>servisa aplikacije.</a:t>
-            </a:r>
-            <a:endParaRPr/>
-          </a:p>
-          <a:p>
-            <a:pPr indent="457200" lvl="0" marL="0" rtl="0" algn="just">
+            <a:pPr indent="0" lvl="0" marL="0" rtl="0" algn="just">
+              <a:lnSpc>
+                <a:spcPct val="115000"/>
+              </a:lnSpc>
+              <a:spcBef>
+                <a:spcPts val="0"/>
+              </a:spcBef>
+              <a:spcAft>
+                <a:spcPts val="0"/>
+              </a:spcAft>
+              <a:buNone/>
+            </a:pPr>
+            <a:r>
+              <a:rPr b="1" lang="en-GB" sz="1800">
+                <a:solidFill>
+                  <a:schemeClr val="dk2"/>
+                </a:solidFill>
+              </a:rPr>
+              <a:t>Dodatni zadaci:</a:t>
+            </a:r>
+            <a:endParaRPr b="1" sz="1800">
+              <a:solidFill>
+                <a:schemeClr val="dk2"/>
+              </a:solidFill>
+            </a:endParaRPr>
+          </a:p>
+          <a:p>
+            <a:pPr indent="-342900" lvl="0" marL="914400" rtl="0" algn="just">
+              <a:lnSpc>
+                <a:spcPct val="115000"/>
+              </a:lnSpc>
+              <a:spcBef>
+                <a:spcPts val="0"/>
+              </a:spcBef>
+              <a:spcAft>
+                <a:spcPts val="0"/>
+              </a:spcAft>
+              <a:buClr>
+                <a:schemeClr val="dk2"/>
+              </a:buClr>
+              <a:buSzPts val="1800"/>
+              <a:buAutoNum type="arabicPeriod"/>
+            </a:pPr>
+            <a:r>
+              <a:rPr lang="en-GB" sz="1800">
+                <a:solidFill>
+                  <a:schemeClr val="dk2"/>
+                </a:solidFill>
+              </a:rPr>
+              <a:t>Izdvojiti env varijablu u zaseban fajl</a:t>
+            </a:r>
+            <a:endParaRPr sz="1800">
+              <a:solidFill>
+                <a:schemeClr val="dk2"/>
+              </a:solidFill>
+            </a:endParaRPr>
+          </a:p>
+          <a:p>
+            <a:pPr indent="-342900" lvl="0" marL="914400" rtl="0" algn="just">
+              <a:lnSpc>
+                <a:spcPct val="115000"/>
+              </a:lnSpc>
+              <a:spcBef>
+                <a:spcPts val="0"/>
+              </a:spcBef>
+              <a:spcAft>
+                <a:spcPts val="0"/>
+              </a:spcAft>
+              <a:buClr>
+                <a:schemeClr val="dk2"/>
+              </a:buClr>
+              <a:buSzPts val="1800"/>
+              <a:buAutoNum type="arabicPeriod"/>
+            </a:pPr>
+            <a:r>
+              <a:rPr lang="en-GB" sz="1800">
+                <a:solidFill>
+                  <a:schemeClr val="dk2"/>
+                </a:solidFill>
+              </a:rPr>
+              <a:t>Pokrenuti </a:t>
+            </a:r>
+            <a:r>
+              <a:rPr i="1" lang="en-GB" sz="1800">
+                <a:solidFill>
+                  <a:schemeClr val="dk2"/>
+                </a:solidFill>
+              </a:rPr>
+              <a:t>Redis</a:t>
+            </a:r>
+            <a:r>
+              <a:rPr lang="en-GB" sz="1800">
+                <a:solidFill>
+                  <a:schemeClr val="dk2"/>
+                </a:solidFill>
+              </a:rPr>
+              <a:t> samostalno, pa ga povezati sa </a:t>
+            </a:r>
+            <a:r>
+              <a:rPr i="1" lang="en-GB" sz="1800">
+                <a:solidFill>
+                  <a:schemeClr val="dk2"/>
+                </a:solidFill>
+              </a:rPr>
+              <a:t>web </a:t>
+            </a:r>
+            <a:r>
+              <a:rPr lang="en-GB" sz="1800">
+                <a:solidFill>
+                  <a:schemeClr val="dk2"/>
+                </a:solidFill>
+              </a:rPr>
+              <a:t>aplikacijom</a:t>
+            </a:r>
+            <a:endParaRPr sz="1800">
+              <a:solidFill>
+                <a:schemeClr val="dk2"/>
+              </a:solidFill>
+            </a:endParaRPr>
+          </a:p>
+          <a:p>
+            <a:pPr indent="-342900" lvl="0" marL="914400" rtl="0" algn="just">
+              <a:lnSpc>
+                <a:spcPct val="115000"/>
+              </a:lnSpc>
+              <a:spcBef>
+                <a:spcPts val="0"/>
+              </a:spcBef>
+              <a:spcAft>
+                <a:spcPts val="0"/>
+              </a:spcAft>
+              <a:buClr>
+                <a:schemeClr val="dk2"/>
+              </a:buClr>
+              <a:buSzPts val="1800"/>
+              <a:buAutoNum type="arabicPeriod"/>
+            </a:pPr>
+            <a:r>
+              <a:rPr lang="en-GB" sz="1800">
+                <a:solidFill>
+                  <a:schemeClr val="dk2"/>
+                </a:solidFill>
+              </a:rPr>
+              <a:t>Specificirati fajl prilikom pokretanja </a:t>
+            </a:r>
+            <a:r>
+              <a:rPr i="1" lang="en-GB" sz="1800">
+                <a:solidFill>
+                  <a:schemeClr val="dk2"/>
+                </a:solidFill>
+              </a:rPr>
+              <a:t>docker-compose up</a:t>
+            </a:r>
+            <a:r>
+              <a:rPr lang="en-GB" sz="1800">
+                <a:solidFill>
+                  <a:schemeClr val="dk2"/>
+                </a:solidFill>
+              </a:rPr>
+              <a:t> naredbe</a:t>
+            </a:r>
+            <a:endParaRPr sz="1800">
+              <a:solidFill>
+                <a:schemeClr val="dk2"/>
+              </a:solidFill>
+            </a:endParaRPr>
+          </a:p>
+          <a:p>
+            <a:pPr indent="-342900" lvl="0" marL="914400" rtl="0" algn="just">
+              <a:lnSpc>
+                <a:spcPct val="115000"/>
+              </a:lnSpc>
+              <a:spcBef>
+                <a:spcPts val="0"/>
+              </a:spcBef>
+              <a:spcAft>
+                <a:spcPts val="0"/>
+              </a:spcAft>
+              <a:buClr>
+                <a:schemeClr val="dk2"/>
+              </a:buClr>
+              <a:buSzPts val="1800"/>
+              <a:buAutoNum type="arabicPeriod"/>
+            </a:pPr>
+            <a:r>
+              <a:rPr lang="en-GB" sz="1800">
+                <a:solidFill>
+                  <a:schemeClr val="dk2"/>
+                </a:solidFill>
+              </a:rPr>
+              <a:t>Pomoću nasleđivanja specificirati drugačije mapiranje porta i drugu vrednost env varijable za produkciono okruženje u odnosu na development okruženje</a:t>
+            </a:r>
+            <a:endParaRPr sz="1800">
+              <a:solidFill>
+                <a:schemeClr val="dk2"/>
+              </a:solidFill>
+            </a:endParaRPr>
+          </a:p>
+          <a:p>
+            <a:pPr indent="-342900" lvl="0" marL="914400" rtl="0" algn="just">
+              <a:lnSpc>
+                <a:spcPct val="115000"/>
+              </a:lnSpc>
+              <a:spcBef>
+                <a:spcPts val="0"/>
+              </a:spcBef>
+              <a:spcAft>
+                <a:spcPts val="0"/>
+              </a:spcAft>
+              <a:buClr>
+                <a:schemeClr val="dk2"/>
+              </a:buClr>
+              <a:buSzPts val="1800"/>
+              <a:buAutoNum type="arabicPeriod"/>
+            </a:pPr>
+            <a:r>
+              <a:rPr lang="en-GB" sz="1800">
+                <a:solidFill>
+                  <a:schemeClr val="dk2"/>
+                </a:solidFill>
+              </a:rPr>
+              <a:t>Obrisati imenovani volume prilikom pokretanja </a:t>
+            </a:r>
+            <a:r>
+              <a:rPr i="1" lang="en-GB" sz="1800">
+                <a:solidFill>
+                  <a:schemeClr val="dk2"/>
+                </a:solidFill>
+              </a:rPr>
+              <a:t>docker-compose down</a:t>
+            </a:r>
+            <a:r>
+              <a:rPr lang="en-GB" sz="1800">
+                <a:solidFill>
+                  <a:schemeClr val="dk2"/>
+                </a:solidFill>
+              </a:rPr>
+              <a:t> naredbe</a:t>
+            </a:r>
+            <a:endParaRPr sz="1800">
+              <a:solidFill>
+                <a:schemeClr val="dk2"/>
+              </a:solidFill>
+            </a:endParaRPr>
+          </a:p>
+          <a:p>
+            <a:pPr indent="0" lvl="0" marL="0" rtl="0" algn="just">
+              <a:lnSpc>
+                <a:spcPct val="115000"/>
+              </a:lnSpc>
+              <a:spcBef>
+                <a:spcPts val="1000"/>
+              </a:spcBef>
+              <a:spcAft>
+                <a:spcPts val="0"/>
+              </a:spcAft>
+              <a:buNone/>
+            </a:pPr>
+            <a:r>
+              <a:rPr b="1" lang="en-GB" sz="1800">
+                <a:solidFill>
+                  <a:schemeClr val="dk2"/>
+                </a:solidFill>
+              </a:rPr>
+              <a:t>Napomena</a:t>
+            </a:r>
+            <a:r>
+              <a:rPr lang="en-GB" sz="1800">
+                <a:solidFill>
+                  <a:schemeClr val="dk2"/>
+                </a:solidFill>
+              </a:rPr>
+              <a:t> </a:t>
+            </a:r>
+            <a:r>
+              <a:rPr b="1" lang="en-GB" sz="1800">
+                <a:solidFill>
+                  <a:schemeClr val="dk2"/>
+                </a:solidFill>
+              </a:rPr>
+              <a:t>za rad u učionici</a:t>
+            </a:r>
+            <a:r>
+              <a:rPr b="1" lang="en-GB" sz="1800">
+                <a:solidFill>
+                  <a:schemeClr val="dk2"/>
+                </a:solidFill>
+              </a:rPr>
+              <a:t>:</a:t>
+            </a:r>
+            <a:r>
+              <a:rPr lang="en-GB" sz="1800">
+                <a:solidFill>
+                  <a:schemeClr val="dk2"/>
+                </a:solidFill>
+              </a:rPr>
+              <a:t> potrebno je dodati </a:t>
+            </a:r>
+            <a:r>
+              <a:rPr i="1" lang="en-GB" sz="1800">
+                <a:solidFill>
+                  <a:schemeClr val="dk2"/>
+                </a:solidFill>
+              </a:rPr>
+              <a:t>proxy </a:t>
+            </a:r>
+            <a:r>
+              <a:rPr lang="en-GB" sz="1800">
+                <a:solidFill>
+                  <a:schemeClr val="dk2"/>
+                </a:solidFill>
+              </a:rPr>
+              <a:t>podešavanja pri pokretanju </a:t>
+            </a:r>
+            <a:r>
+              <a:rPr i="1" lang="en-GB" sz="1800">
+                <a:solidFill>
+                  <a:schemeClr val="dk2"/>
+                </a:solidFill>
+              </a:rPr>
+              <a:t>pip install</a:t>
+            </a:r>
+            <a:r>
+              <a:rPr lang="en-GB" sz="1800">
+                <a:solidFill>
+                  <a:schemeClr val="dk2"/>
+                </a:solidFill>
+              </a:rPr>
+              <a:t> naredbe: </a:t>
+            </a:r>
+            <a:endParaRPr sz="1800">
+              <a:solidFill>
+                <a:schemeClr val="dk2"/>
+              </a:solidFill>
+            </a:endParaRPr>
+          </a:p>
+          <a:p>
+            <a:pPr indent="0" lvl="0" marL="0" rtl="0" algn="ctr">
+              <a:lnSpc>
+                <a:spcPct val="115000"/>
+              </a:lnSpc>
               <a:spcBef>
                 <a:spcPts val="1600"/>
               </a:spcBef>
@@ -9648,122 +12921,40 @@
               <a:buNone/>
             </a:pPr>
             <a:r>
-              <a:rPr lang="en-GB"/>
-              <a:t>Za </a:t>
-            </a:r>
-            <a:r>
-              <a:rPr i="1" lang="en-GB"/>
-              <a:t>Redis</a:t>
-            </a:r>
-            <a:r>
-              <a:rPr lang="en-GB"/>
-              <a:t> seris je pri pokretanju potrebno namapirati port 6379 na port 6379;  za </a:t>
-            </a:r>
-            <a:r>
-              <a:rPr i="1" lang="en-GB"/>
-              <a:t>result </a:t>
-            </a:r>
-            <a:r>
-              <a:rPr lang="en-GB"/>
-              <a:t>servis je potrebno namapirati port 5000 na port 80, kao i port 5858 na port 5858; za </a:t>
-            </a:r>
-            <a:r>
-              <a:rPr i="1" lang="en-GB"/>
-              <a:t>vote </a:t>
-            </a:r>
-            <a:r>
-              <a:rPr lang="en-GB"/>
-              <a:t>servis je potrebno namapirati port 5001 na port 80.</a:t>
-            </a:r>
-            <a:endParaRPr/>
-          </a:p>
-          <a:p>
-            <a:pPr indent="457200" lvl="0" marL="0" rtl="0" algn="just">
+              <a:rPr lang="en-GB" sz="1800">
+                <a:solidFill>
+                  <a:schemeClr val="dk2"/>
+                </a:solidFill>
+                <a:highlight>
+                  <a:srgbClr val="F3F3F3"/>
+                </a:highlight>
+                <a:latin typeface="Courier New"/>
+                <a:ea typeface="Courier New"/>
+                <a:cs typeface="Courier New"/>
+                <a:sym typeface="Courier New"/>
+              </a:rPr>
+              <a:t>--proxy “http://192.168.18.1:8080”</a:t>
+            </a:r>
+            <a:endParaRPr sz="1800">
+              <a:solidFill>
+                <a:schemeClr val="dk2"/>
+              </a:solidFill>
+              <a:highlight>
+                <a:srgbClr val="F3F3F3"/>
+              </a:highlight>
+              <a:latin typeface="Courier New"/>
+              <a:ea typeface="Courier New"/>
+              <a:cs typeface="Courier New"/>
+              <a:sym typeface="Courier New"/>
+            </a:endParaRPr>
+          </a:p>
+          <a:p>
+            <a:pPr indent="0" lvl="0" marL="0" rtl="0" algn="l">
               <a:spcBef>
                 <a:spcPts val="1600"/>
               </a:spcBef>
               <a:spcAft>
                 <a:spcPts val="0"/>
-              </a:spcAft>
-              <a:buNone/>
-            </a:pPr>
-            <a:r>
-              <a:rPr lang="en-GB"/>
-              <a:t>Za </a:t>
-            </a:r>
-            <a:r>
-              <a:rPr i="1" lang="en-GB"/>
-              <a:t>PostgreSQL</a:t>
-            </a:r>
-            <a:r>
-              <a:rPr lang="en-GB"/>
-              <a:t> servis je potrebno obezbediti skladište podataka koje se mapira na </a:t>
-            </a:r>
-            <a:r>
-              <a:rPr i="1" lang="en-GB"/>
-              <a:t>/var/lib/postgresql/data</a:t>
-            </a:r>
-            <a:r>
-              <a:rPr lang="en-GB"/>
-              <a:t> direktorijum, a za </a:t>
-            </a:r>
-            <a:r>
-              <a:rPr i="1" lang="en-GB"/>
-              <a:t>vote </a:t>
-            </a:r>
-            <a:r>
-              <a:rPr lang="en-GB"/>
-              <a:t>i </a:t>
-            </a:r>
-            <a:r>
-              <a:rPr i="1" lang="en-GB"/>
-              <a:t>result </a:t>
-            </a:r>
-            <a:r>
-              <a:rPr lang="en-GB"/>
-              <a:t>servis skladišta koja mapirau </a:t>
-            </a:r>
-            <a:r>
-              <a:rPr i="1" lang="en-GB"/>
-              <a:t>/app </a:t>
-            </a:r>
-            <a:r>
-              <a:rPr lang="en-GB"/>
-              <a:t>direktorijum na </a:t>
-            </a:r>
-            <a:r>
-              <a:rPr i="1" lang="en-GB"/>
-              <a:t>vote</a:t>
-            </a:r>
-            <a:r>
-              <a:rPr lang="en-GB"/>
-              <a:t>, odnosno </a:t>
-            </a:r>
-            <a:r>
-              <a:rPr i="1" lang="en-GB"/>
-              <a:t>result </a:t>
-            </a:r>
-            <a:r>
-              <a:rPr lang="en-GB"/>
-              <a:t>direktorijum </a:t>
-            </a:r>
-            <a:r>
-              <a:rPr i="1" lang="en-GB"/>
-              <a:t>host </a:t>
-            </a:r>
-            <a:r>
-              <a:rPr lang="en-GB"/>
-              <a:t>operativnog sistema.</a:t>
-            </a:r>
-            <a:endParaRPr/>
-          </a:p>
-          <a:p>
-            <a:pPr indent="457200" lvl="0" marL="0" rtl="0" algn="just">
-              <a:spcBef>
-                <a:spcPts val="1600"/>
-              </a:spcBef>
-              <a:spcAft>
-                <a:spcPts val="1600"/>
               </a:spcAft>
               <a:buNone/>
             </a:pPr>
